--- a/Document/Slide_Project.pptx
+++ b/Document/Slide_Project.pptx
@@ -5,10 +5,10 @@
     <p:sldMasterId id="2147483696" r:id="rId2"/>
   </p:sldMasterIdLst>
   <p:notesMasterIdLst>
-    <p:notesMasterId r:id="rId12"/>
+    <p:notesMasterId r:id="rId15"/>
   </p:notesMasterIdLst>
   <p:handoutMasterIdLst>
-    <p:handoutMasterId r:id="rId13"/>
+    <p:handoutMasterId r:id="rId16"/>
   </p:handoutMasterIdLst>
   <p:sldIdLst>
     <p:sldId id="257" r:id="rId3"/>
@@ -19,7 +19,10 @@
     <p:sldId id="265" r:id="rId8"/>
     <p:sldId id="267" r:id="rId9"/>
     <p:sldId id="268" r:id="rId10"/>
-    <p:sldId id="269" r:id="rId11"/>
+    <p:sldId id="270" r:id="rId11"/>
+    <p:sldId id="271" r:id="rId12"/>
+    <p:sldId id="269" r:id="rId13"/>
+    <p:sldId id="272" r:id="rId14"/>
   </p:sldIdLst>
   <p:sldSz cx="12192000" cy="6858000"/>
   <p:notesSz cx="6858000" cy="9144000"/>
@@ -5176,6 +5179,691 @@
 </p:sld>
 </file>
 
+<file path=ppt/slides/slide10.xml><?xml version="1.0" encoding="utf-8"?>
+<p:sld xmlns:a="http://schemas.openxmlformats.org/drawingml/2006/main" xmlns:r="http://schemas.openxmlformats.org/officeDocument/2006/relationships" xmlns:p="http://schemas.openxmlformats.org/presentationml/2006/main">
+  <p:cSld>
+    <p:spTree>
+      <p:nvGrpSpPr>
+        <p:cNvPr id="1" name=""/>
+        <p:cNvGrpSpPr/>
+        <p:nvPr/>
+      </p:nvGrpSpPr>
+      <p:grpSpPr>
+        <a:xfrm>
+          <a:off x="0" y="0"/>
+          <a:ext cx="0" cy="0"/>
+          <a:chOff x="0" y="0"/>
+          <a:chExt cx="0" cy="0"/>
+        </a:xfrm>
+      </p:grpSpPr>
+      <p:sp>
+        <p:nvSpPr>
+          <p:cNvPr id="3" name="Title 2"/>
+          <p:cNvSpPr>
+            <a:spLocks noGrp="1"/>
+          </p:cNvSpPr>
+          <p:nvPr>
+            <p:ph type="title"/>
+          </p:nvPr>
+        </p:nvSpPr>
+        <p:spPr/>
+        <p:txBody>
+          <a:bodyPr/>
+          <a:lstStyle/>
+          <a:p>
+            <a:r>
+              <a:rPr lang="en-US" dirty="0" smtClean="0"/>
+              <a:t>3. CÁC ĐẦU MỤC CÔNG </a:t>
+            </a:r>
+            <a:r>
+              <a:rPr lang="en-US" dirty="0" err="1" smtClean="0"/>
+              <a:t>Việc</a:t>
+            </a:r>
+            <a:endParaRPr lang="en-US" dirty="0"/>
+          </a:p>
+        </p:txBody>
+      </p:sp>
+      <p:sp>
+        <p:nvSpPr>
+          <p:cNvPr id="2" name="Rectangle 1"/>
+          <p:cNvSpPr/>
+          <p:nvPr/>
+        </p:nvSpPr>
+        <p:spPr>
+          <a:xfrm>
+            <a:off x="1017431" y="1918952"/>
+            <a:ext cx="1803042" cy="4275786"/>
+          </a:xfrm>
+          <a:prstGeom prst="rect">
+            <a:avLst/>
+          </a:prstGeom>
+        </p:spPr>
+        <p:style>
+          <a:lnRef idx="1">
+            <a:schemeClr val="accent3"/>
+          </a:lnRef>
+          <a:fillRef idx="2">
+            <a:schemeClr val="accent3"/>
+          </a:fillRef>
+          <a:effectRef idx="1">
+            <a:schemeClr val="accent3"/>
+          </a:effectRef>
+          <a:fontRef idx="minor">
+            <a:schemeClr val="dk1"/>
+          </a:fontRef>
+        </p:style>
+        <p:txBody>
+          <a:bodyPr rtlCol="0" anchor="ctr"/>
+          <a:lstStyle/>
+          <a:p>
+            <a:pPr algn="ctr"/>
+            <a:r>
+              <a:rPr lang="en-US" dirty="0"/>
+              <a:t>Execution</a:t>
+            </a:r>
+          </a:p>
+          <a:p>
+            <a:pPr algn="ctr"/>
+            <a:endParaRPr lang="en-US" dirty="0"/>
+          </a:p>
+        </p:txBody>
+      </p:sp>
+      <p:sp>
+        <p:nvSpPr>
+          <p:cNvPr id="4" name="Oval 3"/>
+          <p:cNvSpPr/>
+          <p:nvPr/>
+        </p:nvSpPr>
+        <p:spPr>
+          <a:xfrm>
+            <a:off x="5215943" y="1587658"/>
+            <a:ext cx="4520485" cy="1052511"/>
+          </a:xfrm>
+          <a:prstGeom prst="ellipse">
+            <a:avLst/>
+          </a:prstGeom>
+        </p:spPr>
+        <p:style>
+          <a:lnRef idx="1">
+            <a:schemeClr val="accent3"/>
+          </a:lnRef>
+          <a:fillRef idx="2">
+            <a:schemeClr val="accent3"/>
+          </a:fillRef>
+          <a:effectRef idx="1">
+            <a:schemeClr val="accent3"/>
+          </a:effectRef>
+          <a:fontRef idx="minor">
+            <a:schemeClr val="dk1"/>
+          </a:fontRef>
+        </p:style>
+        <p:txBody>
+          <a:bodyPr rtlCol="0" anchor="ctr"/>
+          <a:lstStyle/>
+          <a:p>
+            <a:pPr algn="ctr"/>
+            <a:r>
+              <a:rPr lang="en-US" dirty="0" smtClean="0"/>
+              <a:t>User requirement specification document</a:t>
+            </a:r>
+            <a:endParaRPr lang="en-US" dirty="0"/>
+          </a:p>
+        </p:txBody>
+      </p:sp>
+      <p:sp>
+        <p:nvSpPr>
+          <p:cNvPr id="6" name="Oval 5"/>
+          <p:cNvSpPr/>
+          <p:nvPr/>
+        </p:nvSpPr>
+        <p:spPr>
+          <a:xfrm>
+            <a:off x="5215942" y="2810191"/>
+            <a:ext cx="4520485" cy="1052511"/>
+          </a:xfrm>
+          <a:prstGeom prst="ellipse">
+            <a:avLst/>
+          </a:prstGeom>
+        </p:spPr>
+        <p:style>
+          <a:lnRef idx="1">
+            <a:schemeClr val="accent3"/>
+          </a:lnRef>
+          <a:fillRef idx="2">
+            <a:schemeClr val="accent3"/>
+          </a:fillRef>
+          <a:effectRef idx="1">
+            <a:schemeClr val="accent3"/>
+          </a:effectRef>
+          <a:fontRef idx="minor">
+            <a:schemeClr val="dk1"/>
+          </a:fontRef>
+        </p:style>
+        <p:txBody>
+          <a:bodyPr rtlCol="0" anchor="ctr"/>
+          <a:lstStyle/>
+          <a:p>
+            <a:pPr algn="ctr"/>
+            <a:r>
+              <a:rPr lang="en-US" dirty="0" smtClean="0"/>
+              <a:t>Design: GUI, Database</a:t>
+            </a:r>
+            <a:endParaRPr lang="en-US" dirty="0"/>
+          </a:p>
+        </p:txBody>
+      </p:sp>
+      <p:sp>
+        <p:nvSpPr>
+          <p:cNvPr id="7" name="Oval 6"/>
+          <p:cNvSpPr/>
+          <p:nvPr/>
+        </p:nvSpPr>
+        <p:spPr>
+          <a:xfrm>
+            <a:off x="5215941" y="4126573"/>
+            <a:ext cx="4520485" cy="1052511"/>
+          </a:xfrm>
+          <a:prstGeom prst="ellipse">
+            <a:avLst/>
+          </a:prstGeom>
+        </p:spPr>
+        <p:style>
+          <a:lnRef idx="1">
+            <a:schemeClr val="accent3"/>
+          </a:lnRef>
+          <a:fillRef idx="2">
+            <a:schemeClr val="accent3"/>
+          </a:fillRef>
+          <a:effectRef idx="1">
+            <a:schemeClr val="accent3"/>
+          </a:effectRef>
+          <a:fontRef idx="minor">
+            <a:schemeClr val="dk1"/>
+          </a:fontRef>
+        </p:style>
+        <p:txBody>
+          <a:bodyPr rtlCol="0" anchor="ctr"/>
+          <a:lstStyle/>
+          <a:p>
+            <a:pPr algn="ctr"/>
+            <a:r>
+              <a:rPr lang="en-US" dirty="0" smtClean="0"/>
+              <a:t>Coding: Business </a:t>
+            </a:r>
+          </a:p>
+        </p:txBody>
+      </p:sp>
+      <p:sp>
+        <p:nvSpPr>
+          <p:cNvPr id="8" name="Oval 7"/>
+          <p:cNvSpPr/>
+          <p:nvPr/>
+        </p:nvSpPr>
+        <p:spPr>
+          <a:xfrm>
+            <a:off x="5215941" y="5442955"/>
+            <a:ext cx="4520485" cy="1052511"/>
+          </a:xfrm>
+          <a:prstGeom prst="ellipse">
+            <a:avLst/>
+          </a:prstGeom>
+        </p:spPr>
+        <p:style>
+          <a:lnRef idx="1">
+            <a:schemeClr val="accent3"/>
+          </a:lnRef>
+          <a:fillRef idx="2">
+            <a:schemeClr val="accent3"/>
+          </a:fillRef>
+          <a:effectRef idx="1">
+            <a:schemeClr val="accent3"/>
+          </a:effectRef>
+          <a:fontRef idx="minor">
+            <a:schemeClr val="dk1"/>
+          </a:fontRef>
+        </p:style>
+        <p:txBody>
+          <a:bodyPr rtlCol="0" anchor="ctr"/>
+          <a:lstStyle/>
+          <a:p>
+            <a:pPr algn="ctr"/>
+            <a:r>
+              <a:rPr lang="en-US" dirty="0" smtClean="0"/>
+              <a:t>Testing</a:t>
+            </a:r>
+            <a:endParaRPr lang="en-US" dirty="0"/>
+          </a:p>
+        </p:txBody>
+      </p:sp>
+    </p:spTree>
+    <p:extLst>
+      <p:ext uri="{BB962C8B-B14F-4D97-AF65-F5344CB8AC3E}">
+        <p14:creationId xmlns:p14="http://schemas.microsoft.com/office/powerpoint/2010/main" val="3717186303"/>
+      </p:ext>
+    </p:extLst>
+  </p:cSld>
+  <p:clrMapOvr>
+    <a:masterClrMapping/>
+  </p:clrMapOvr>
+  <mc:AlternateContent xmlns:mc="http://schemas.openxmlformats.org/markup-compatibility/2006" xmlns:p14="http://schemas.microsoft.com/office/powerpoint/2010/main">
+    <mc:Choice Requires="p14">
+      <p:transition spd="med" p14:dur="700">
+        <p:fade/>
+      </p:transition>
+    </mc:Choice>
+    <mc:Fallback xmlns="">
+      <p:transition spd="med">
+        <p:fade/>
+      </p:transition>
+    </mc:Fallback>
+  </mc:AlternateContent>
+  <p:timing>
+    <p:tnLst>
+      <p:par>
+        <p:cTn id="1" dur="indefinite" restart="never" nodeType="tmRoot"/>
+      </p:par>
+    </p:tnLst>
+  </p:timing>
+</p:sld>
+</file>
+
+<file path=ppt/slides/slide11.xml><?xml version="1.0" encoding="utf-8"?>
+<p:sld xmlns:a="http://schemas.openxmlformats.org/drawingml/2006/main" xmlns:r="http://schemas.openxmlformats.org/officeDocument/2006/relationships" xmlns:p="http://schemas.openxmlformats.org/presentationml/2006/main">
+  <p:cSld>
+    <p:spTree>
+      <p:nvGrpSpPr>
+        <p:cNvPr id="1" name=""/>
+        <p:cNvGrpSpPr/>
+        <p:nvPr/>
+      </p:nvGrpSpPr>
+      <p:grpSpPr>
+        <a:xfrm>
+          <a:off x="0" y="0"/>
+          <a:ext cx="0" cy="0"/>
+          <a:chOff x="0" y="0"/>
+          <a:chExt cx="0" cy="0"/>
+        </a:xfrm>
+      </p:grpSpPr>
+      <p:sp>
+        <p:nvSpPr>
+          <p:cNvPr id="3" name="Title 2"/>
+          <p:cNvSpPr>
+            <a:spLocks noGrp="1"/>
+          </p:cNvSpPr>
+          <p:nvPr>
+            <p:ph type="title"/>
+          </p:nvPr>
+        </p:nvSpPr>
+        <p:spPr/>
+        <p:txBody>
+          <a:bodyPr/>
+          <a:lstStyle/>
+          <a:p>
+            <a:r>
+              <a:rPr lang="en-US" dirty="0"/>
+              <a:t>3. CÁC ĐẦU MỤC CÔNG </a:t>
+            </a:r>
+            <a:r>
+              <a:rPr lang="en-US" dirty="0" err="1"/>
+              <a:t>Việc</a:t>
+            </a:r>
+            <a:endParaRPr lang="en-US" dirty="0"/>
+          </a:p>
+        </p:txBody>
+      </p:sp>
+      <p:sp>
+        <p:nvSpPr>
+          <p:cNvPr id="4" name="Rectangle 3"/>
+          <p:cNvSpPr/>
+          <p:nvPr/>
+        </p:nvSpPr>
+        <p:spPr>
+          <a:xfrm>
+            <a:off x="1223493" y="2318197"/>
+            <a:ext cx="1764406" cy="3657600"/>
+          </a:xfrm>
+          <a:prstGeom prst="rect">
+            <a:avLst/>
+          </a:prstGeom>
+        </p:spPr>
+        <p:style>
+          <a:lnRef idx="1">
+            <a:schemeClr val="accent3"/>
+          </a:lnRef>
+          <a:fillRef idx="2">
+            <a:schemeClr val="accent3"/>
+          </a:fillRef>
+          <a:effectRef idx="1">
+            <a:schemeClr val="accent3"/>
+          </a:effectRef>
+          <a:fontRef idx="minor">
+            <a:schemeClr val="dk1"/>
+          </a:fontRef>
+        </p:style>
+        <p:txBody>
+          <a:bodyPr rtlCol="0" anchor="ctr"/>
+          <a:lstStyle/>
+          <a:p>
+            <a:pPr algn="ctr"/>
+            <a:r>
+              <a:rPr lang="en-US" dirty="0"/>
+              <a:t>Control</a:t>
+            </a:r>
+          </a:p>
+          <a:p>
+            <a:pPr algn="ctr"/>
+            <a:endParaRPr lang="en-US" dirty="0"/>
+          </a:p>
+        </p:txBody>
+      </p:sp>
+      <p:sp>
+        <p:nvSpPr>
+          <p:cNvPr id="5" name="Oval 4"/>
+          <p:cNvSpPr/>
+          <p:nvPr/>
+        </p:nvSpPr>
+        <p:spPr>
+          <a:xfrm>
+            <a:off x="4018207" y="2318197"/>
+            <a:ext cx="5743978" cy="1068947"/>
+          </a:xfrm>
+          <a:prstGeom prst="ellipse">
+            <a:avLst/>
+          </a:prstGeom>
+        </p:spPr>
+        <p:style>
+          <a:lnRef idx="1">
+            <a:schemeClr val="accent3"/>
+          </a:lnRef>
+          <a:fillRef idx="2">
+            <a:schemeClr val="accent3"/>
+          </a:fillRef>
+          <a:effectRef idx="1">
+            <a:schemeClr val="accent3"/>
+          </a:effectRef>
+          <a:fontRef idx="minor">
+            <a:schemeClr val="dk1"/>
+          </a:fontRef>
+        </p:style>
+        <p:txBody>
+          <a:bodyPr rtlCol="0" anchor="ctr"/>
+          <a:lstStyle/>
+          <a:p>
+            <a:pPr algn="ctr"/>
+            <a:r>
+              <a:rPr lang="en-US" dirty="0" err="1" smtClean="0"/>
+              <a:t>Kiểm</a:t>
+            </a:r>
+            <a:r>
+              <a:rPr lang="en-US" dirty="0" smtClean="0"/>
+              <a:t> </a:t>
+            </a:r>
+            <a:r>
+              <a:rPr lang="en-US" dirty="0" err="1" smtClean="0"/>
+              <a:t>soát</a:t>
+            </a:r>
+            <a:r>
+              <a:rPr lang="en-US" dirty="0" smtClean="0"/>
+              <a:t> </a:t>
+            </a:r>
+            <a:r>
+              <a:rPr lang="en-US" dirty="0" err="1" smtClean="0"/>
+              <a:t>tiến</a:t>
+            </a:r>
+            <a:r>
+              <a:rPr lang="en-US" dirty="0" smtClean="0"/>
+              <a:t> </a:t>
+            </a:r>
+            <a:r>
+              <a:rPr lang="en-US" dirty="0" err="1" smtClean="0"/>
+              <a:t>độ</a:t>
+            </a:r>
+            <a:r>
+              <a:rPr lang="en-US" dirty="0" smtClean="0"/>
+              <a:t> </a:t>
+            </a:r>
+            <a:r>
+              <a:rPr lang="en-US" dirty="0" err="1" smtClean="0"/>
+              <a:t>của</a:t>
+            </a:r>
+            <a:r>
+              <a:rPr lang="en-US" dirty="0" smtClean="0"/>
+              <a:t> </a:t>
+            </a:r>
+            <a:r>
+              <a:rPr lang="en-US" dirty="0" err="1" smtClean="0"/>
+              <a:t>dự</a:t>
+            </a:r>
+            <a:r>
+              <a:rPr lang="en-US" dirty="0" smtClean="0"/>
+              <a:t> </a:t>
+            </a:r>
+            <a:r>
+              <a:rPr lang="en-US" dirty="0" err="1" smtClean="0"/>
+              <a:t>án</a:t>
+            </a:r>
+            <a:endParaRPr lang="en-US" dirty="0"/>
+          </a:p>
+        </p:txBody>
+      </p:sp>
+      <p:sp>
+        <p:nvSpPr>
+          <p:cNvPr id="8" name="Oval 7"/>
+          <p:cNvSpPr/>
+          <p:nvPr/>
+        </p:nvSpPr>
+        <p:spPr>
+          <a:xfrm>
+            <a:off x="4018207" y="4642833"/>
+            <a:ext cx="5743978" cy="1068947"/>
+          </a:xfrm>
+          <a:prstGeom prst="ellipse">
+            <a:avLst/>
+          </a:prstGeom>
+        </p:spPr>
+        <p:style>
+          <a:lnRef idx="1">
+            <a:schemeClr val="accent3"/>
+          </a:lnRef>
+          <a:fillRef idx="2">
+            <a:schemeClr val="accent3"/>
+          </a:fillRef>
+          <a:effectRef idx="1">
+            <a:schemeClr val="accent3"/>
+          </a:effectRef>
+          <a:fontRef idx="minor">
+            <a:schemeClr val="dk1"/>
+          </a:fontRef>
+        </p:style>
+        <p:txBody>
+          <a:bodyPr rtlCol="0" anchor="ctr"/>
+          <a:lstStyle/>
+          <a:p>
+            <a:pPr algn="ctr"/>
+            <a:r>
+              <a:rPr lang="en-US" dirty="0" err="1" smtClean="0"/>
+              <a:t>Kiểm</a:t>
+            </a:r>
+            <a:r>
+              <a:rPr lang="en-US" dirty="0" smtClean="0"/>
+              <a:t> </a:t>
+            </a:r>
+            <a:r>
+              <a:rPr lang="en-US" dirty="0" err="1" smtClean="0"/>
+              <a:t>soát</a:t>
+            </a:r>
+            <a:r>
+              <a:rPr lang="en-US" dirty="0" smtClean="0"/>
+              <a:t> </a:t>
+            </a:r>
+            <a:r>
+              <a:rPr lang="en-US" dirty="0" err="1" smtClean="0"/>
+              <a:t>độ</a:t>
+            </a:r>
+            <a:r>
+              <a:rPr lang="en-US" dirty="0" smtClean="0"/>
+              <a:t> risk </a:t>
+            </a:r>
+            <a:r>
+              <a:rPr lang="en-US" dirty="0" err="1" smtClean="0"/>
+              <a:t>của</a:t>
+            </a:r>
+            <a:r>
+              <a:rPr lang="en-US" dirty="0" smtClean="0"/>
+              <a:t> </a:t>
+            </a:r>
+            <a:r>
+              <a:rPr lang="en-US" dirty="0" err="1" smtClean="0"/>
+              <a:t>dự</a:t>
+            </a:r>
+            <a:r>
+              <a:rPr lang="en-US" dirty="0" smtClean="0"/>
+              <a:t> </a:t>
+            </a:r>
+            <a:r>
+              <a:rPr lang="en-US" dirty="0" err="1" smtClean="0"/>
+              <a:t>án</a:t>
+            </a:r>
+            <a:endParaRPr lang="en-US" dirty="0"/>
+          </a:p>
+        </p:txBody>
+      </p:sp>
+    </p:spTree>
+    <p:extLst>
+      <p:ext uri="{BB962C8B-B14F-4D97-AF65-F5344CB8AC3E}">
+        <p14:creationId xmlns:p14="http://schemas.microsoft.com/office/powerpoint/2010/main" val="1365680749"/>
+      </p:ext>
+    </p:extLst>
+  </p:cSld>
+  <p:clrMapOvr>
+    <a:masterClrMapping/>
+  </p:clrMapOvr>
+  <mc:AlternateContent xmlns:mc="http://schemas.openxmlformats.org/markup-compatibility/2006" xmlns:p14="http://schemas.microsoft.com/office/powerpoint/2010/main">
+    <mc:Choice Requires="p14">
+      <p:transition spd="med" p14:dur="700">
+        <p:fade/>
+      </p:transition>
+    </mc:Choice>
+    <mc:Fallback xmlns="">
+      <p:transition spd="med">
+        <p:fade/>
+      </p:transition>
+    </mc:Fallback>
+  </mc:AlternateContent>
+</p:sld>
+</file>
+
+<file path=ppt/slides/slide12.xml><?xml version="1.0" encoding="utf-8"?>
+<p:sld xmlns:a="http://schemas.openxmlformats.org/drawingml/2006/main" xmlns:r="http://schemas.openxmlformats.org/officeDocument/2006/relationships" xmlns:p="http://schemas.openxmlformats.org/presentationml/2006/main">
+  <p:cSld>
+    <p:spTree>
+      <p:nvGrpSpPr>
+        <p:cNvPr id="1" name=""/>
+        <p:cNvGrpSpPr/>
+        <p:nvPr/>
+      </p:nvGrpSpPr>
+      <p:grpSpPr>
+        <a:xfrm>
+          <a:off x="0" y="0"/>
+          <a:ext cx="0" cy="0"/>
+          <a:chOff x="0" y="0"/>
+          <a:chExt cx="0" cy="0"/>
+        </a:xfrm>
+      </p:grpSpPr>
+      <p:sp>
+        <p:nvSpPr>
+          <p:cNvPr id="3" name="Title 2"/>
+          <p:cNvSpPr>
+            <a:spLocks noGrp="1"/>
+          </p:cNvSpPr>
+          <p:nvPr>
+            <p:ph type="title"/>
+          </p:nvPr>
+        </p:nvSpPr>
+        <p:spPr/>
+        <p:txBody>
+          <a:bodyPr/>
+          <a:lstStyle/>
+          <a:p>
+            <a:r>
+              <a:rPr lang="en-US" dirty="0"/>
+              <a:t>3. CÁC ĐẦU MỤC CÔNG </a:t>
+            </a:r>
+            <a:r>
+              <a:rPr lang="en-US" dirty="0" err="1"/>
+              <a:t>Việc</a:t>
+            </a:r>
+            <a:endParaRPr lang="en-US" dirty="0"/>
+          </a:p>
+        </p:txBody>
+      </p:sp>
+      <p:sp>
+        <p:nvSpPr>
+          <p:cNvPr id="4" name="Rectangle 3"/>
+          <p:cNvSpPr/>
+          <p:nvPr/>
+        </p:nvSpPr>
+        <p:spPr>
+          <a:xfrm>
+            <a:off x="2137893" y="2962141"/>
+            <a:ext cx="8332631" cy="1416676"/>
+          </a:xfrm>
+          <a:prstGeom prst="rect">
+            <a:avLst/>
+          </a:prstGeom>
+        </p:spPr>
+        <p:style>
+          <a:lnRef idx="1">
+            <a:schemeClr val="accent3"/>
+          </a:lnRef>
+          <a:fillRef idx="2">
+            <a:schemeClr val="accent3"/>
+          </a:fillRef>
+          <a:effectRef idx="1">
+            <a:schemeClr val="accent3"/>
+          </a:effectRef>
+          <a:fontRef idx="minor">
+            <a:schemeClr val="dk1"/>
+          </a:fontRef>
+        </p:style>
+        <p:txBody>
+          <a:bodyPr rtlCol="0" anchor="ctr"/>
+          <a:lstStyle/>
+          <a:p>
+            <a:pPr algn="ctr"/>
+            <a:r>
+              <a:rPr lang="en-US" dirty="0" smtClean="0"/>
+              <a:t>Close out</a:t>
+            </a:r>
+            <a:endParaRPr lang="en-US" dirty="0"/>
+          </a:p>
+        </p:txBody>
+      </p:sp>
+    </p:spTree>
+    <p:extLst>
+      <p:ext uri="{BB962C8B-B14F-4D97-AF65-F5344CB8AC3E}">
+        <p14:creationId xmlns:p14="http://schemas.microsoft.com/office/powerpoint/2010/main" val="938373921"/>
+      </p:ext>
+    </p:extLst>
+  </p:cSld>
+  <p:clrMapOvr>
+    <a:masterClrMapping/>
+  </p:clrMapOvr>
+  <mc:AlternateContent xmlns:mc="http://schemas.openxmlformats.org/markup-compatibility/2006" xmlns:p14="http://schemas.microsoft.com/office/powerpoint/2010/main">
+    <mc:Choice Requires="p14">
+      <p:transition spd="med" p14:dur="700">
+        <p:fade/>
+      </p:transition>
+    </mc:Choice>
+    <mc:Fallback xmlns="">
+      <p:transition spd="med">
+        <p:fade/>
+      </p:transition>
+    </mc:Fallback>
+  </mc:AlternateContent>
+</p:sld>
+</file>
+
 <file path=ppt/slides/slide2.xml><?xml version="1.0" encoding="utf-8"?>
 <p:sld xmlns:a="http://schemas.openxmlformats.org/drawingml/2006/main" xmlns:r="http://schemas.openxmlformats.org/officeDocument/2006/relationships" xmlns:p="http://schemas.openxmlformats.org/presentationml/2006/main">
   <p:cSld>
@@ -5661,12 +6349,12 @@
       </p:grpSpPr>
       <p:sp>
         <p:nvSpPr>
-          <p:cNvPr id="2" name="Content Placeholder 1"/>
-          <p:cNvSpPr>
-            <a:spLocks noGrp="1"/>
-          </p:cNvSpPr>
-          <p:nvPr>
-            <p:ph idx="1"/>
+          <p:cNvPr id="3" name="Title 2"/>
+          <p:cNvSpPr>
+            <a:spLocks noGrp="1"/>
+          </p:cNvSpPr>
+          <p:nvPr>
+            <p:ph type="title"/>
           </p:nvPr>
         </p:nvSpPr>
         <p:spPr/>
@@ -5674,30 +6362,211 @@
           <a:bodyPr/>
           <a:lstStyle/>
           <a:p>
-            <a:endParaRPr lang="en-US"/>
-          </a:p>
-        </p:txBody>
-      </p:sp>
-      <p:sp>
-        <p:nvSpPr>
-          <p:cNvPr id="3" name="Title 2"/>
-          <p:cNvSpPr>
-            <a:spLocks noGrp="1"/>
-          </p:cNvSpPr>
-          <p:nvPr>
-            <p:ph type="title"/>
-          </p:nvPr>
-        </p:nvSpPr>
-        <p:spPr/>
-        <p:txBody>
-          <a:bodyPr/>
-          <a:lstStyle/>
-          <a:p>
             <a:r>
               <a:rPr lang="en-US" dirty="0" smtClean="0"/>
               <a:t>2.TÍNH KHẢ THI CỦA DỰ ÁN</a:t>
             </a:r>
             <a:endParaRPr lang="en-US" dirty="0"/>
+          </a:p>
+        </p:txBody>
+      </p:sp>
+      <p:sp>
+        <p:nvSpPr>
+          <p:cNvPr id="4" name="Oval 3"/>
+          <p:cNvSpPr/>
+          <p:nvPr/>
+        </p:nvSpPr>
+        <p:spPr>
+          <a:xfrm>
+            <a:off x="1153731" y="2060620"/>
+            <a:ext cx="3701604" cy="1532586"/>
+          </a:xfrm>
+          <a:prstGeom prst="ellipse">
+            <a:avLst/>
+          </a:prstGeom>
+        </p:spPr>
+        <p:style>
+          <a:lnRef idx="1">
+            <a:schemeClr val="accent5"/>
+          </a:lnRef>
+          <a:fillRef idx="2">
+            <a:schemeClr val="accent5"/>
+          </a:fillRef>
+          <a:effectRef idx="1">
+            <a:schemeClr val="accent5"/>
+          </a:effectRef>
+          <a:fontRef idx="minor">
+            <a:schemeClr val="dk1"/>
+          </a:fontRef>
+        </p:style>
+        <p:txBody>
+          <a:bodyPr rtlCol="0" anchor="ctr"/>
+          <a:lstStyle/>
+          <a:p>
+            <a:pPr algn="ctr"/>
+            <a:r>
+              <a:rPr lang="en-US" dirty="0" err="1" smtClean="0"/>
+              <a:t>Việc</a:t>
+            </a:r>
+            <a:r>
+              <a:rPr lang="en-US" dirty="0" smtClean="0"/>
+              <a:t> </a:t>
+            </a:r>
+            <a:r>
+              <a:rPr lang="en-US" dirty="0" err="1" smtClean="0"/>
+              <a:t>mua</a:t>
+            </a:r>
+            <a:r>
+              <a:rPr lang="en-US" dirty="0" smtClean="0"/>
+              <a:t> </a:t>
+            </a:r>
+            <a:r>
+              <a:rPr lang="en-US" dirty="0" err="1" smtClean="0"/>
+              <a:t>bán</a:t>
+            </a:r>
+            <a:r>
+              <a:rPr lang="en-US" dirty="0" smtClean="0"/>
+              <a:t> </a:t>
+            </a:r>
+            <a:r>
+              <a:rPr lang="en-US" dirty="0" err="1" smtClean="0"/>
+              <a:t>hàng</a:t>
+            </a:r>
+            <a:r>
+              <a:rPr lang="en-US" dirty="0" smtClean="0"/>
+              <a:t> online </a:t>
+            </a:r>
+            <a:r>
+              <a:rPr lang="en-US" dirty="0" err="1" smtClean="0"/>
+              <a:t>đang</a:t>
+            </a:r>
+            <a:r>
+              <a:rPr lang="en-US" dirty="0" smtClean="0"/>
+              <a:t> </a:t>
+            </a:r>
+            <a:r>
+              <a:rPr lang="en-US" dirty="0" err="1" smtClean="0"/>
+              <a:t>dần</a:t>
+            </a:r>
+            <a:r>
+              <a:rPr lang="en-US" dirty="0" smtClean="0"/>
+              <a:t> </a:t>
+            </a:r>
+            <a:r>
+              <a:rPr lang="en-US" dirty="0" err="1" smtClean="0"/>
+              <a:t>trở</a:t>
+            </a:r>
+            <a:r>
+              <a:rPr lang="en-US" dirty="0" smtClean="0"/>
+              <a:t> </a:t>
+            </a:r>
+            <a:r>
+              <a:rPr lang="en-US" dirty="0" err="1" smtClean="0"/>
+              <a:t>nên</a:t>
+            </a:r>
+            <a:r>
+              <a:rPr lang="en-US" dirty="0" smtClean="0"/>
+              <a:t> </a:t>
+            </a:r>
+            <a:r>
+              <a:rPr lang="en-US" dirty="0" err="1" smtClean="0"/>
+              <a:t>phổ</a:t>
+            </a:r>
+            <a:r>
+              <a:rPr lang="en-US" dirty="0" smtClean="0"/>
+              <a:t> </a:t>
+            </a:r>
+            <a:r>
+              <a:rPr lang="en-US" dirty="0" err="1" smtClean="0"/>
+              <a:t>biến</a:t>
+            </a:r>
+            <a:r>
+              <a:rPr lang="en-US" dirty="0" smtClean="0"/>
+              <a:t>, </a:t>
+            </a:r>
+            <a:r>
+              <a:rPr lang="en-US" dirty="0" err="1" smtClean="0"/>
+              <a:t>và</a:t>
+            </a:r>
+            <a:r>
+              <a:rPr lang="en-US" dirty="0" smtClean="0"/>
+              <a:t> </a:t>
+            </a:r>
+            <a:r>
+              <a:rPr lang="en-US" dirty="0" err="1" smtClean="0"/>
+              <a:t>tất</a:t>
+            </a:r>
+            <a:r>
+              <a:rPr lang="en-US" dirty="0" smtClean="0"/>
+              <a:t> </a:t>
+            </a:r>
+            <a:r>
+              <a:rPr lang="en-US" dirty="0" err="1" smtClean="0"/>
+              <a:t>yêu</a:t>
+            </a:r>
+            <a:r>
+              <a:rPr lang="en-US" dirty="0" smtClean="0"/>
+              <a:t> </a:t>
+            </a:r>
+            <a:r>
+              <a:rPr lang="en-US" dirty="0" err="1" smtClean="0"/>
+              <a:t>trong</a:t>
+            </a:r>
+            <a:r>
+              <a:rPr lang="en-US" dirty="0" smtClean="0"/>
+              <a:t> </a:t>
+            </a:r>
+            <a:r>
+              <a:rPr lang="en-US" dirty="0" err="1" smtClean="0"/>
+              <a:t>đời</a:t>
+            </a:r>
+            <a:r>
+              <a:rPr lang="en-US" dirty="0" smtClean="0"/>
+              <a:t> </a:t>
+            </a:r>
+            <a:r>
+              <a:rPr lang="en-US" dirty="0" err="1" smtClean="0"/>
+              <a:t>sống</a:t>
+            </a:r>
+            <a:endParaRPr lang="en-US" dirty="0"/>
+          </a:p>
+        </p:txBody>
+      </p:sp>
+      <p:sp>
+        <p:nvSpPr>
+          <p:cNvPr id="5" name="Oval 4"/>
+          <p:cNvSpPr/>
+          <p:nvPr/>
+        </p:nvSpPr>
+        <p:spPr>
+          <a:xfrm>
+            <a:off x="6851560" y="2060620"/>
+            <a:ext cx="3103808" cy="1532586"/>
+          </a:xfrm>
+          <a:prstGeom prst="ellipse">
+            <a:avLst/>
+          </a:prstGeom>
+        </p:spPr>
+        <p:style>
+          <a:lnRef idx="1">
+            <a:schemeClr val="accent5"/>
+          </a:lnRef>
+          <a:fillRef idx="2">
+            <a:schemeClr val="accent5"/>
+          </a:fillRef>
+          <a:effectRef idx="1">
+            <a:schemeClr val="accent5"/>
+          </a:effectRef>
+          <a:fontRef idx="minor">
+            <a:schemeClr val="dk1"/>
+          </a:fontRef>
+        </p:style>
+        <p:txBody>
+          <a:bodyPr rtlCol="0" anchor="ctr"/>
+          <a:lstStyle/>
+          <a:p>
+            <a:pPr algn="ctr"/>
+            <a:endParaRPr lang="en-US"/>
           </a:p>
         </p:txBody>
       </p:sp>
@@ -5723,6 +6592,13 @@
       </p:transition>
     </mc:Fallback>
   </mc:AlternateContent>
+  <p:timing>
+    <p:tnLst>
+      <p:par>
+        <p:cTn id="1" dur="indefinite" restart="never" nodeType="tmRoot"/>
+      </p:par>
+    </p:tnLst>
+  </p:timing>
 </p:sld>
 </file>
 
@@ -5745,12 +6621,12 @@
       </p:grpSpPr>
       <p:sp>
         <p:nvSpPr>
-          <p:cNvPr id="2" name="Content Placeholder 1"/>
-          <p:cNvSpPr>
-            <a:spLocks noGrp="1"/>
-          </p:cNvSpPr>
-          <p:nvPr>
-            <p:ph idx="1"/>
+          <p:cNvPr id="3" name="Title 2"/>
+          <p:cNvSpPr>
+            <a:spLocks noGrp="1"/>
+          </p:cNvSpPr>
+          <p:nvPr>
+            <p:ph type="title"/>
           </p:nvPr>
         </p:nvSpPr>
         <p:spPr/>
@@ -5758,28 +6634,286 @@
           <a:bodyPr/>
           <a:lstStyle/>
           <a:p>
-            <a:endParaRPr lang="en-US"/>
-          </a:p>
-        </p:txBody>
-      </p:sp>
-      <p:sp>
-        <p:nvSpPr>
-          <p:cNvPr id="3" name="Title 2"/>
-          <p:cNvSpPr>
-            <a:spLocks noGrp="1"/>
-          </p:cNvSpPr>
-          <p:nvPr>
-            <p:ph type="title"/>
-          </p:nvPr>
-        </p:nvSpPr>
-        <p:spPr/>
-        <p:txBody>
-          <a:bodyPr/>
+            <a:r>
+              <a:rPr lang="en-US" dirty="0" smtClean="0">
+                <a:latin typeface="Times New Roman" panose="02020603050405020304" pitchFamily="18" charset="0"/>
+                <a:cs typeface="Times New Roman" panose="02020603050405020304" pitchFamily="18" charset="0"/>
+              </a:rPr>
+              <a:t>3. CÁC ĐẦU MỤC CÔNG VIỆC</a:t>
+            </a:r>
+            <a:endParaRPr lang="en-US" dirty="0">
+              <a:latin typeface="Times New Roman" panose="02020603050405020304" pitchFamily="18" charset="0"/>
+              <a:cs typeface="Times New Roman" panose="02020603050405020304" pitchFamily="18" charset="0"/>
+            </a:endParaRPr>
+          </a:p>
+        </p:txBody>
+      </p:sp>
+      <p:sp>
+        <p:nvSpPr>
+          <p:cNvPr id="5" name="Rectangle 4"/>
+          <p:cNvSpPr/>
+          <p:nvPr/>
+        </p:nvSpPr>
+        <p:spPr>
+          <a:xfrm>
+            <a:off x="1558344" y="2021983"/>
+            <a:ext cx="1983346" cy="4456090"/>
+          </a:xfrm>
+          <a:prstGeom prst="rect">
+            <a:avLst/>
+          </a:prstGeom>
+        </p:spPr>
+        <p:style>
+          <a:lnRef idx="1">
+            <a:schemeClr val="accent3"/>
+          </a:lnRef>
+          <a:fillRef idx="2">
+            <a:schemeClr val="accent3"/>
+          </a:fillRef>
+          <a:effectRef idx="1">
+            <a:schemeClr val="accent3"/>
+          </a:effectRef>
+          <a:fontRef idx="minor">
+            <a:schemeClr val="dk1"/>
+          </a:fontRef>
+        </p:style>
+        <p:txBody>
+          <a:bodyPr rtlCol="0" anchor="ctr"/>
           <a:lstStyle/>
           <a:p>
+            <a:pPr algn="ctr"/>
+            <a:r>
+              <a:rPr lang="en-US" dirty="0"/>
+              <a:t>Initiation</a:t>
+            </a:r>
+          </a:p>
+          <a:p>
+            <a:pPr algn="ctr"/>
+            <a:endParaRPr lang="en-US" dirty="0"/>
+          </a:p>
+        </p:txBody>
+      </p:sp>
+      <p:sp>
+        <p:nvSpPr>
+          <p:cNvPr id="6" name="Oval 5"/>
+          <p:cNvSpPr/>
+          <p:nvPr/>
+        </p:nvSpPr>
+        <p:spPr>
+          <a:xfrm>
+            <a:off x="6276303" y="1690688"/>
+            <a:ext cx="4632101" cy="1159099"/>
+          </a:xfrm>
+          <a:prstGeom prst="ellipse">
+            <a:avLst/>
+          </a:prstGeom>
+        </p:spPr>
+        <p:style>
+          <a:lnRef idx="1">
+            <a:schemeClr val="accent3"/>
+          </a:lnRef>
+          <a:fillRef idx="2">
+            <a:schemeClr val="accent3"/>
+          </a:fillRef>
+          <a:effectRef idx="1">
+            <a:schemeClr val="accent3"/>
+          </a:effectRef>
+          <a:fontRef idx="minor">
+            <a:schemeClr val="dk1"/>
+          </a:fontRef>
+        </p:style>
+        <p:txBody>
+          <a:bodyPr rtlCol="0" anchor="ctr"/>
+          <a:lstStyle/>
+          <a:p>
+            <a:pPr algn="ctr"/>
+            <a:r>
+              <a:rPr lang="en-US" dirty="0" err="1" smtClean="0"/>
+              <a:t>Xác</a:t>
+            </a:r>
             <a:r>
               <a:rPr lang="en-US" dirty="0" smtClean="0"/>
-              <a:t>3. CÁC ĐẦU MỤC CÔNG VIỆC</a:t>
+              <a:t> </a:t>
+            </a:r>
+            <a:r>
+              <a:rPr lang="en-US" dirty="0" err="1" smtClean="0"/>
+              <a:t>định</a:t>
+            </a:r>
+            <a:r>
+              <a:rPr lang="en-US" dirty="0" smtClean="0"/>
+              <a:t> </a:t>
+            </a:r>
+            <a:r>
+              <a:rPr lang="en-US" dirty="0" err="1" smtClean="0"/>
+              <a:t>yêu</a:t>
+            </a:r>
+            <a:r>
+              <a:rPr lang="en-US" dirty="0" smtClean="0"/>
+              <a:t> </a:t>
+            </a:r>
+            <a:r>
+              <a:rPr lang="en-US" dirty="0" err="1" smtClean="0"/>
+              <a:t>cầu</a:t>
+            </a:r>
+            <a:r>
+              <a:rPr lang="en-US" dirty="0" smtClean="0"/>
+              <a:t> </a:t>
+            </a:r>
+            <a:r>
+              <a:rPr lang="en-US" dirty="0" err="1" smtClean="0"/>
+              <a:t>bài</a:t>
+            </a:r>
+            <a:r>
+              <a:rPr lang="en-US" dirty="0" smtClean="0"/>
+              <a:t> </a:t>
+            </a:r>
+            <a:r>
+              <a:rPr lang="en-US" dirty="0" err="1" smtClean="0"/>
+              <a:t>toán</a:t>
+            </a:r>
+            <a:endParaRPr lang="en-US" dirty="0"/>
+          </a:p>
+        </p:txBody>
+      </p:sp>
+      <p:sp>
+        <p:nvSpPr>
+          <p:cNvPr id="7" name="Oval 6"/>
+          <p:cNvSpPr/>
+          <p:nvPr/>
+        </p:nvSpPr>
+        <p:spPr>
+          <a:xfrm>
+            <a:off x="6276302" y="3281964"/>
+            <a:ext cx="4632101" cy="1159099"/>
+          </a:xfrm>
+          <a:prstGeom prst="ellipse">
+            <a:avLst/>
+          </a:prstGeom>
+        </p:spPr>
+        <p:style>
+          <a:lnRef idx="1">
+            <a:schemeClr val="accent3"/>
+          </a:lnRef>
+          <a:fillRef idx="2">
+            <a:schemeClr val="accent3"/>
+          </a:fillRef>
+          <a:effectRef idx="1">
+            <a:schemeClr val="accent3"/>
+          </a:effectRef>
+          <a:fontRef idx="minor">
+            <a:schemeClr val="dk1"/>
+          </a:fontRef>
+        </p:style>
+        <p:txBody>
+          <a:bodyPr rtlCol="0" anchor="ctr"/>
+          <a:lstStyle/>
+          <a:p>
+            <a:pPr algn="ctr"/>
+            <a:r>
+              <a:rPr lang="en-US" dirty="0" err="1" smtClean="0"/>
+              <a:t>Xác</a:t>
+            </a:r>
+            <a:r>
+              <a:rPr lang="en-US" dirty="0" smtClean="0"/>
+              <a:t> </a:t>
+            </a:r>
+            <a:r>
+              <a:rPr lang="en-US" dirty="0" err="1" smtClean="0"/>
+              <a:t>định</a:t>
+            </a:r>
+            <a:r>
+              <a:rPr lang="en-US" dirty="0" smtClean="0"/>
+              <a:t> </a:t>
+            </a:r>
+            <a:r>
+              <a:rPr lang="en-US" dirty="0" err="1" smtClean="0"/>
+              <a:t>những</a:t>
+            </a:r>
+            <a:r>
+              <a:rPr lang="en-US" dirty="0" smtClean="0"/>
+              <a:t> </a:t>
+            </a:r>
+            <a:r>
+              <a:rPr lang="en-US" dirty="0" err="1" smtClean="0"/>
+              <a:t>thành</a:t>
+            </a:r>
+            <a:r>
+              <a:rPr lang="en-US" dirty="0" smtClean="0"/>
+              <a:t> </a:t>
+            </a:r>
+            <a:r>
+              <a:rPr lang="en-US" dirty="0" err="1" smtClean="0"/>
+              <a:t>phần</a:t>
+            </a:r>
+            <a:r>
+              <a:rPr lang="en-US" dirty="0" smtClean="0"/>
+              <a:t> </a:t>
+            </a:r>
+            <a:r>
+              <a:rPr lang="en-US" dirty="0" err="1" smtClean="0"/>
+              <a:t>liên</a:t>
+            </a:r>
+            <a:r>
+              <a:rPr lang="en-US" dirty="0" smtClean="0"/>
+              <a:t> </a:t>
+            </a:r>
+            <a:r>
+              <a:rPr lang="en-US" dirty="0" err="1" smtClean="0"/>
+              <a:t>quan</a:t>
+            </a:r>
+            <a:endParaRPr lang="en-US" dirty="0"/>
+          </a:p>
+        </p:txBody>
+      </p:sp>
+      <p:sp>
+        <p:nvSpPr>
+          <p:cNvPr id="8" name="Oval 7"/>
+          <p:cNvSpPr/>
+          <p:nvPr/>
+        </p:nvSpPr>
+        <p:spPr>
+          <a:xfrm>
+            <a:off x="6276303" y="5020613"/>
+            <a:ext cx="4632101" cy="1159099"/>
+          </a:xfrm>
+          <a:prstGeom prst="ellipse">
+            <a:avLst/>
+          </a:prstGeom>
+        </p:spPr>
+        <p:style>
+          <a:lnRef idx="1">
+            <a:schemeClr val="accent3"/>
+          </a:lnRef>
+          <a:fillRef idx="2">
+            <a:schemeClr val="accent3"/>
+          </a:fillRef>
+          <a:effectRef idx="1">
+            <a:schemeClr val="accent3"/>
+          </a:effectRef>
+          <a:fontRef idx="minor">
+            <a:schemeClr val="dk1"/>
+          </a:fontRef>
+        </p:style>
+        <p:txBody>
+          <a:bodyPr rtlCol="0" anchor="ctr"/>
+          <a:lstStyle/>
+          <a:p>
+            <a:pPr algn="ctr"/>
+            <a:r>
+              <a:rPr lang="en-US" dirty="0" err="1"/>
+              <a:t>L</a:t>
+            </a:r>
+            <a:r>
+              <a:rPr lang="en-US" dirty="0" err="1" smtClean="0"/>
+              <a:t>ập</a:t>
+            </a:r>
+            <a:r>
+              <a:rPr lang="en-US" dirty="0" smtClean="0"/>
+              <a:t> Project </a:t>
+            </a:r>
+            <a:r>
+              <a:rPr lang="en-US" dirty="0"/>
+              <a:t>Charter </a:t>
             </a:r>
             <a:endParaRPr lang="en-US" dirty="0"/>
           </a:p>
@@ -5807,6 +6941,13 @@
       </p:transition>
     </mc:Fallback>
   </mc:AlternateContent>
+  <p:timing>
+    <p:tnLst>
+      <p:par>
+        <p:cTn id="1" dur="indefinite" restart="never" nodeType="tmRoot"/>
+      </p:par>
+    </p:tnLst>
+  </p:timing>
 </p:sld>
 </file>
 
@@ -5829,12 +6970,12 @@
       </p:grpSpPr>
       <p:sp>
         <p:nvSpPr>
-          <p:cNvPr id="2" name="Content Placeholder 1"/>
-          <p:cNvSpPr>
-            <a:spLocks noGrp="1"/>
-          </p:cNvSpPr>
-          <p:nvPr>
-            <p:ph idx="1"/>
+          <p:cNvPr id="3" name="Title 2"/>
+          <p:cNvSpPr>
+            <a:spLocks noGrp="1"/>
+          </p:cNvSpPr>
+          <p:nvPr>
+            <p:ph type="title"/>
           </p:nvPr>
         </p:nvSpPr>
         <p:spPr/>
@@ -5842,25 +6983,207 @@
           <a:bodyPr/>
           <a:lstStyle/>
           <a:p>
-            <a:endParaRPr lang="en-US"/>
-          </a:p>
-        </p:txBody>
-      </p:sp>
-      <p:sp>
-        <p:nvSpPr>
-          <p:cNvPr id="3" name="Title 2"/>
-          <p:cNvSpPr>
-            <a:spLocks noGrp="1"/>
-          </p:cNvSpPr>
-          <p:nvPr>
-            <p:ph type="title"/>
-          </p:nvPr>
-        </p:nvSpPr>
-        <p:spPr/>
-        <p:txBody>
-          <a:bodyPr/>
+            <a:r>
+              <a:rPr lang="en-US" dirty="0" smtClean="0"/>
+              <a:t>3. CÁC ĐẦU MỤC CÔNG VIỆC</a:t>
+            </a:r>
+            <a:endParaRPr lang="en-US" dirty="0"/>
+          </a:p>
+        </p:txBody>
+      </p:sp>
+      <p:sp>
+        <p:nvSpPr>
+          <p:cNvPr id="2" name="Rectangle 1"/>
+          <p:cNvSpPr/>
+          <p:nvPr/>
+        </p:nvSpPr>
+        <p:spPr>
+          <a:xfrm>
+            <a:off x="1300766" y="2266682"/>
+            <a:ext cx="1880315" cy="4037526"/>
+          </a:xfrm>
+          <a:prstGeom prst="rect">
+            <a:avLst/>
+          </a:prstGeom>
+        </p:spPr>
+        <p:style>
+          <a:lnRef idx="1">
+            <a:schemeClr val="accent3"/>
+          </a:lnRef>
+          <a:fillRef idx="2">
+            <a:schemeClr val="accent3"/>
+          </a:fillRef>
+          <a:effectRef idx="1">
+            <a:schemeClr val="accent3"/>
+          </a:effectRef>
+          <a:fontRef idx="minor">
+            <a:schemeClr val="dk1"/>
+          </a:fontRef>
+        </p:style>
+        <p:txBody>
+          <a:bodyPr rtlCol="0" anchor="ctr"/>
           <a:lstStyle/>
           <a:p>
+            <a:pPr algn="ctr"/>
+            <a:r>
+              <a:rPr lang="en-US" dirty="0" smtClean="0"/>
+              <a:t>Planning</a:t>
+            </a:r>
+          </a:p>
+        </p:txBody>
+      </p:sp>
+      <p:sp>
+        <p:nvSpPr>
+          <p:cNvPr id="4" name="Oval 3"/>
+          <p:cNvSpPr/>
+          <p:nvPr/>
+        </p:nvSpPr>
+        <p:spPr>
+          <a:xfrm>
+            <a:off x="5473521" y="2021983"/>
+            <a:ext cx="5190186" cy="1133341"/>
+          </a:xfrm>
+          <a:prstGeom prst="ellipse">
+            <a:avLst/>
+          </a:prstGeom>
+        </p:spPr>
+        <p:style>
+          <a:lnRef idx="1">
+            <a:schemeClr val="accent3"/>
+          </a:lnRef>
+          <a:fillRef idx="2">
+            <a:schemeClr val="accent3"/>
+          </a:fillRef>
+          <a:effectRef idx="1">
+            <a:schemeClr val="accent3"/>
+          </a:effectRef>
+          <a:fontRef idx="minor">
+            <a:schemeClr val="dk1"/>
+          </a:fontRef>
+        </p:style>
+        <p:txBody>
+          <a:bodyPr rtlCol="0" anchor="ctr"/>
+          <a:lstStyle/>
+          <a:p>
+            <a:pPr algn="ctr"/>
+            <a:r>
+              <a:rPr lang="en-US" dirty="0" err="1" smtClean="0"/>
+              <a:t>Lập</a:t>
+            </a:r>
+            <a:r>
+              <a:rPr lang="en-US" dirty="0" smtClean="0"/>
+              <a:t> project team</a:t>
+            </a:r>
+          </a:p>
+        </p:txBody>
+      </p:sp>
+      <p:sp>
+        <p:nvSpPr>
+          <p:cNvPr id="5" name="Oval 4"/>
+          <p:cNvSpPr/>
+          <p:nvPr/>
+        </p:nvSpPr>
+        <p:spPr>
+          <a:xfrm>
+            <a:off x="5473521" y="3616817"/>
+            <a:ext cx="5190186" cy="1133341"/>
+          </a:xfrm>
+          <a:prstGeom prst="ellipse">
+            <a:avLst/>
+          </a:prstGeom>
+        </p:spPr>
+        <p:style>
+          <a:lnRef idx="1">
+            <a:schemeClr val="accent3"/>
+          </a:lnRef>
+          <a:fillRef idx="2">
+            <a:schemeClr val="accent3"/>
+          </a:fillRef>
+          <a:effectRef idx="1">
+            <a:schemeClr val="accent3"/>
+          </a:effectRef>
+          <a:fontRef idx="minor">
+            <a:schemeClr val="dk1"/>
+          </a:fontRef>
+        </p:style>
+        <p:txBody>
+          <a:bodyPr rtlCol="0" anchor="ctr"/>
+          <a:lstStyle/>
+          <a:p>
+            <a:pPr algn="ctr"/>
+            <a:r>
+              <a:rPr lang="en-US" dirty="0" err="1" smtClean="0"/>
+              <a:t>Lập</a:t>
+            </a:r>
+            <a:r>
+              <a:rPr lang="en-US" dirty="0" smtClean="0"/>
+              <a:t> project plan</a:t>
+            </a:r>
+          </a:p>
+        </p:txBody>
+      </p:sp>
+      <p:sp>
+        <p:nvSpPr>
+          <p:cNvPr id="6" name="Oval 5"/>
+          <p:cNvSpPr/>
+          <p:nvPr/>
+        </p:nvSpPr>
+        <p:spPr>
+          <a:xfrm>
+            <a:off x="5686022" y="5211651"/>
+            <a:ext cx="4765183" cy="1120462"/>
+          </a:xfrm>
+          <a:prstGeom prst="ellipse">
+            <a:avLst/>
+          </a:prstGeom>
+        </p:spPr>
+        <p:style>
+          <a:lnRef idx="1">
+            <a:schemeClr val="accent3"/>
+          </a:lnRef>
+          <a:fillRef idx="2">
+            <a:schemeClr val="accent3"/>
+          </a:fillRef>
+          <a:effectRef idx="1">
+            <a:schemeClr val="accent3"/>
+          </a:effectRef>
+          <a:fontRef idx="minor">
+            <a:schemeClr val="dk1"/>
+          </a:fontRef>
+        </p:style>
+        <p:txBody>
+          <a:bodyPr rtlCol="0" anchor="ctr"/>
+          <a:lstStyle/>
+          <a:p>
+            <a:pPr algn="ctr"/>
+            <a:r>
+              <a:rPr lang="en-US" dirty="0" err="1" smtClean="0"/>
+              <a:t>Xác</a:t>
+            </a:r>
+            <a:r>
+              <a:rPr lang="en-US" dirty="0" smtClean="0"/>
+              <a:t> </a:t>
+            </a:r>
+            <a:r>
+              <a:rPr lang="en-US" dirty="0" err="1" smtClean="0"/>
+              <a:t>định</a:t>
+            </a:r>
+            <a:r>
+              <a:rPr lang="en-US" dirty="0" smtClean="0"/>
+              <a:t> </a:t>
+            </a:r>
+            <a:r>
+              <a:rPr lang="en-US" dirty="0" err="1" smtClean="0"/>
+              <a:t>các</a:t>
+            </a:r>
+            <a:r>
+              <a:rPr lang="en-US" dirty="0" smtClean="0"/>
+              <a:t> </a:t>
+            </a:r>
+            <a:r>
+              <a:rPr lang="en-US" i="1" dirty="0"/>
+              <a:t>Milestone</a:t>
+            </a:r>
             <a:endParaRPr lang="en-US" dirty="0"/>
           </a:p>
         </p:txBody>
@@ -5868,7 +7191,7 @@
     </p:spTree>
     <p:extLst>
       <p:ext uri="{BB962C8B-B14F-4D97-AF65-F5344CB8AC3E}">
-        <p14:creationId xmlns:p14="http://schemas.microsoft.com/office/powerpoint/2010/main" val="1365680749"/>
+        <p14:creationId xmlns:p14="http://schemas.microsoft.com/office/powerpoint/2010/main" val="1370049861"/>
       </p:ext>
     </p:extLst>
   </p:cSld>
@@ -5887,6 +7210,13 @@
       </p:transition>
     </mc:Fallback>
   </mc:AlternateContent>
+  <p:timing>
+    <p:tnLst>
+      <p:par>
+        <p:cTn id="1" dur="indefinite" restart="never" nodeType="tmRoot"/>
+      </p:par>
+    </p:tnLst>
+  </p:timing>
 </p:sld>
 </file>
 

--- a/Document/Slide_Project.pptx
+++ b/Document/Slide_Project.pptx
@@ -15505,7 +15505,39 @@
               <a:rPr lang="en-US" sz="2000" dirty="0" err="1" smtClean="0"/>
               <a:t>quốc</a:t>
             </a:r>
-            <a:endParaRPr lang="en-US" sz="2000" dirty="0" smtClean="0"/>
+            <a:r>
+              <a:rPr lang="en-US" sz="2000" dirty="0" smtClean="0"/>
+              <a:t> </a:t>
+            </a:r>
+            <a:r>
+              <a:rPr lang="en-US" sz="2000" dirty="0" err="1" smtClean="0">
+                <a:solidFill>
+                  <a:srgbClr val="FF0000"/>
+                </a:solidFill>
+              </a:rPr>
+              <a:t>sua</a:t>
+            </a:r>
+            <a:r>
+              <a:rPr lang="en-US" sz="2000" dirty="0" smtClean="0">
+                <a:solidFill>
+                  <a:srgbClr val="FF0000"/>
+                </a:solidFill>
+              </a:rPr>
+              <a:t> </a:t>
+            </a:r>
+            <a:r>
+              <a:rPr lang="en-US" sz="2000" dirty="0" err="1" smtClean="0">
+                <a:solidFill>
+                  <a:srgbClr val="FF0000"/>
+                </a:solidFill>
+              </a:rPr>
+              <a:t>lai</a:t>
+            </a:r>
+            <a:endParaRPr lang="en-US" sz="2000" dirty="0" smtClean="0">
+              <a:solidFill>
+                <a:srgbClr val="FF0000"/>
+              </a:solidFill>
+            </a:endParaRPr>
           </a:p>
           <a:p>
             <a:endParaRPr lang="en-US" dirty="0" smtClean="0"/>
@@ -16206,11 +16238,7 @@
             </a:r>
             <a:r>
               <a:rPr lang="en-US" sz="2000" dirty="0" smtClean="0"/>
-              <a:t> :  Virtual </a:t>
-            </a:r>
-            <a:r>
-              <a:rPr lang="en-US" sz="2000" dirty="0" smtClean="0"/>
-              <a:t>Studio</a:t>
+              <a:t> :  Virtual Studio</a:t>
             </a:r>
             <a:endParaRPr lang="en-US" sz="2000" dirty="0"/>
           </a:p>

--- a/Document/Slide_Project.pptx
+++ b/Document/Slide_Project.pptx
@@ -5,23 +5,22 @@
     <p:sldMasterId id="2147484054" r:id="rId2"/>
   </p:sldMasterIdLst>
   <p:notesMasterIdLst>
-    <p:notesMasterId r:id="rId14"/>
+    <p:notesMasterId r:id="rId13"/>
   </p:notesMasterIdLst>
   <p:handoutMasterIdLst>
-    <p:handoutMasterId r:id="rId15"/>
+    <p:handoutMasterId r:id="rId14"/>
   </p:handoutMasterIdLst>
   <p:sldIdLst>
     <p:sldId id="257" r:id="rId3"/>
     <p:sldId id="262" r:id="rId4"/>
-    <p:sldId id="263" r:id="rId5"/>
-    <p:sldId id="265" r:id="rId6"/>
-    <p:sldId id="276" r:id="rId7"/>
-    <p:sldId id="275" r:id="rId8"/>
-    <p:sldId id="267" r:id="rId9"/>
-    <p:sldId id="271" r:id="rId10"/>
-    <p:sldId id="272" r:id="rId11"/>
-    <p:sldId id="273" r:id="rId12"/>
-    <p:sldId id="274" r:id="rId13"/>
+    <p:sldId id="265" r:id="rId5"/>
+    <p:sldId id="277" r:id="rId6"/>
+    <p:sldId id="263" r:id="rId7"/>
+    <p:sldId id="267" r:id="rId8"/>
+    <p:sldId id="271" r:id="rId9"/>
+    <p:sldId id="272" r:id="rId10"/>
+    <p:sldId id="273" r:id="rId11"/>
+    <p:sldId id="274" r:id="rId12"/>
   </p:sldIdLst>
   <p:sldSz cx="12192000" cy="6858000"/>
   <p:notesSz cx="6858000" cy="9144000"/>
@@ -213,7 +212,7 @@
           <a:p>
             <a:fld id="{CF8C66D5-35F2-4B2B-B66A-28018F619124}" type="datetimeFigureOut">
               <a:rPr lang="en-US" smtClean="0"/>
-              <a:t>2/16/2017</a:t>
+              <a:t>2/17/2017</a:t>
             </a:fld>
             <a:endParaRPr lang="en-US"/>
           </a:p>
@@ -378,7 +377,7 @@
           <a:p>
             <a:fld id="{654B7E8A-1102-47A1-B1C3-36AE88809383}" type="datetimeFigureOut">
               <a:rPr lang="en-US" smtClean="0"/>
-              <a:t>2/16/2017</a:t>
+              <a:t>2/17/2017</a:t>
             </a:fld>
             <a:endParaRPr lang="en-US"/>
           </a:p>
@@ -1065,7 +1064,7 @@
           <a:p>
             <a:fld id="{5DE3B5DE-687E-4601-9C25-48F7ABE0D7C5}" type="datetime1">
               <a:rPr lang="en-US" smtClean="0"/>
-              <a:t>2/16/2017</a:t>
+              <a:t>2/17/2017</a:t>
             </a:fld>
             <a:endParaRPr lang="en-US"/>
           </a:p>
@@ -2173,7 +2172,7 @@
           <a:p>
             <a:fld id="{CA734DBA-6852-4C6A-AB8B-E28C0C52CB53}" type="datetime1">
               <a:rPr lang="en-US" smtClean="0"/>
-              <a:t>2/16/2017</a:t>
+              <a:t>2/17/2017</a:t>
             </a:fld>
             <a:endParaRPr lang="en-US"/>
           </a:p>
@@ -3162,7 +3161,7 @@
           <a:p>
             <a:fld id="{CA734DBA-6852-4C6A-AB8B-E28C0C52CB53}" type="datetime1">
               <a:rPr lang="en-US" smtClean="0"/>
-              <a:t>2/16/2017</a:t>
+              <a:t>2/17/2017</a:t>
             </a:fld>
             <a:endParaRPr lang="en-US"/>
           </a:p>
@@ -4305,7 +4304,7 @@
           <a:p>
             <a:fld id="{CA734DBA-6852-4C6A-AB8B-E28C0C52CB53}" type="datetime1">
               <a:rPr lang="en-US" smtClean="0"/>
-              <a:t>2/16/2017</a:t>
+              <a:t>2/17/2017</a:t>
             </a:fld>
             <a:endParaRPr lang="en-US"/>
           </a:p>
@@ -5347,7 +5346,7 @@
           <a:p>
             <a:fld id="{CA734DBA-6852-4C6A-AB8B-E28C0C52CB53}" type="datetime1">
               <a:rPr lang="en-US" smtClean="0"/>
-              <a:t>2/16/2017</a:t>
+              <a:t>2/17/2017</a:t>
             </a:fld>
             <a:endParaRPr lang="en-US"/>
           </a:p>
@@ -6016,7 +6015,7 @@
           <a:p>
             <a:fld id="{CA734DBA-6852-4C6A-AB8B-E28C0C52CB53}" type="datetime1">
               <a:rPr lang="en-US" smtClean="0"/>
-              <a:t>2/16/2017</a:t>
+              <a:t>2/17/2017</a:t>
             </a:fld>
             <a:endParaRPr lang="en-US"/>
           </a:p>
@@ -6886,7 +6885,7 @@
           <a:p>
             <a:fld id="{CA734DBA-6852-4C6A-AB8B-E28C0C52CB53}" type="datetime1">
               <a:rPr lang="en-US" smtClean="0"/>
-              <a:t>2/16/2017</a:t>
+              <a:t>2/17/2017</a:t>
             </a:fld>
             <a:endParaRPr lang="en-US"/>
           </a:p>
@@ -7085,7 +7084,7 @@
           <a:p>
             <a:fld id="{BFD467DE-D084-42AA-B27F-22F6084CB8BB}" type="datetime1">
               <a:rPr lang="en-US" smtClean="0"/>
-              <a:t>2/16/2017</a:t>
+              <a:t>2/17/2017</a:t>
             </a:fld>
             <a:endParaRPr lang="en-US"/>
           </a:p>
@@ -8077,7 +8076,7 @@
           <a:p>
             <a:fld id="{3782E027-C2A0-4932-A761-986BAD82B671}" type="datetime1">
               <a:rPr lang="en-US" smtClean="0"/>
-              <a:t>2/16/2017</a:t>
+              <a:t>2/17/2017</a:t>
             </a:fld>
             <a:endParaRPr lang="en-US"/>
           </a:p>
@@ -8308,7 +8307,7 @@
           <a:p>
             <a:fld id="{96AC42F1-294F-4AFB-8F78-2EF579F09459}" type="datetime1">
               <a:rPr lang="en-US" smtClean="0"/>
-              <a:t>2/16/2017</a:t>
+              <a:t>2/17/2017</a:t>
             </a:fld>
             <a:endParaRPr lang="en-US"/>
           </a:p>
@@ -9362,7 +9361,7 @@
           <a:p>
             <a:fld id="{1580A6EB-69F5-4723-B5E3-A6D9E36A957A}" type="datetime1">
               <a:rPr lang="en-US" smtClean="0"/>
-              <a:t>2/16/2017</a:t>
+              <a:t>2/17/2017</a:t>
             </a:fld>
             <a:endParaRPr lang="en-US"/>
           </a:p>
@@ -9654,7 +9653,7 @@
           <a:p>
             <a:fld id="{0FB02ED0-9CAE-481B-8D1D-B242F0282967}" type="datetime1">
               <a:rPr lang="en-US" smtClean="0"/>
-              <a:t>2/16/2017</a:t>
+              <a:t>2/17/2017</a:t>
             </a:fld>
             <a:endParaRPr lang="en-US"/>
           </a:p>
@@ -10084,7 +10083,7 @@
           <a:p>
             <a:fld id="{4696AB3F-7B84-45BD-A122-497866A73F4B}" type="datetime1">
               <a:rPr lang="en-US" smtClean="0"/>
-              <a:t>2/16/2017</a:t>
+              <a:t>2/17/2017</a:t>
             </a:fld>
             <a:endParaRPr lang="en-US"/>
           </a:p>
@@ -10231,7 +10230,7 @@
           <a:p>
             <a:fld id="{6395E536-1457-4CE4-8497-197239F05587}" type="datetime1">
               <a:rPr lang="en-US" smtClean="0"/>
-              <a:t>2/16/2017</a:t>
+              <a:t>2/17/2017</a:t>
             </a:fld>
             <a:endParaRPr lang="en-US"/>
           </a:p>
@@ -10346,7 +10345,7 @@
           <a:p>
             <a:fld id="{A4AF2F65-2726-4707-A7A6-DE21D14E80C5}" type="datetime1">
               <a:rPr lang="en-US" smtClean="0"/>
-              <a:t>2/16/2017</a:t>
+              <a:t>2/17/2017</a:t>
             </a:fld>
             <a:endParaRPr lang="en-US"/>
           </a:p>
@@ -11447,7 +11446,7 @@
           <a:p>
             <a:fld id="{1FA85564-6B99-4FC4-9CE3-22E750398B2E}" type="datetime1">
               <a:rPr lang="en-US" smtClean="0"/>
-              <a:t>2/16/2017</a:t>
+              <a:t>2/17/2017</a:t>
             </a:fld>
             <a:endParaRPr lang="en-US"/>
           </a:p>
@@ -12575,7 +12574,7 @@
           <a:p>
             <a:fld id="{2BCD2BEA-7F40-407D-B082-13022E8B2C99}" type="datetime1">
               <a:rPr lang="en-US" smtClean="0"/>
-              <a:t>2/16/2017</a:t>
+              <a:t>2/17/2017</a:t>
             </a:fld>
             <a:endParaRPr lang="en-US"/>
           </a:p>
@@ -13592,7 +13591,7 @@
           <a:p>
             <a:fld id="{CA734DBA-6852-4C6A-AB8B-E28C0C52CB53}" type="datetime1">
               <a:rPr lang="en-US" smtClean="0"/>
-              <a:t>2/16/2017</a:t>
+              <a:t>2/17/2017</a:t>
             </a:fld>
             <a:endParaRPr lang="en-US"/>
           </a:p>
@@ -14223,6 +14222,18 @@
           <a:bodyPr/>
           <a:lstStyle/>
           <a:p>
+            <a:r>
+              <a:rPr lang="en-US" dirty="0" err="1" smtClean="0"/>
+              <a:t>Ciaolin</a:t>
+            </a:r>
+            <a:r>
+              <a:rPr lang="en-US" dirty="0" smtClean="0"/>
+              <a:t> </a:t>
+            </a:r>
+            <a:r>
+              <a:rPr lang="en-US" dirty="0" err="1" smtClean="0"/>
+              <a:t>TeAm</a:t>
+            </a:r>
             <a:endParaRPr lang="en-US" dirty="0"/>
           </a:p>
         </p:txBody>
@@ -14311,292 +14322,6 @@
         </p:nvSpPr>
         <p:spPr>
           <a:xfrm>
-            <a:off x="1223493" y="2318197"/>
-            <a:ext cx="1764406" cy="3657600"/>
-          </a:xfrm>
-          <a:prstGeom prst="rect">
-            <a:avLst/>
-          </a:prstGeom>
-        </p:spPr>
-        <p:style>
-          <a:lnRef idx="1">
-            <a:schemeClr val="accent3"/>
-          </a:lnRef>
-          <a:fillRef idx="2">
-            <a:schemeClr val="accent3"/>
-          </a:fillRef>
-          <a:effectRef idx="1">
-            <a:schemeClr val="accent3"/>
-          </a:effectRef>
-          <a:fontRef idx="minor">
-            <a:schemeClr val="dk1"/>
-          </a:fontRef>
-        </p:style>
-        <p:txBody>
-          <a:bodyPr rtlCol="0" anchor="ctr"/>
-          <a:lstStyle/>
-          <a:p>
-            <a:pPr algn="ctr"/>
-            <a:r>
-              <a:rPr lang="en-US" dirty="0"/>
-              <a:t>Control</a:t>
-            </a:r>
-          </a:p>
-          <a:p>
-            <a:pPr algn="ctr"/>
-            <a:endParaRPr lang="en-US" dirty="0"/>
-          </a:p>
-        </p:txBody>
-      </p:sp>
-      <p:sp>
-        <p:nvSpPr>
-          <p:cNvPr id="5" name="Oval 4"/>
-          <p:cNvSpPr/>
-          <p:nvPr/>
-        </p:nvSpPr>
-        <p:spPr>
-          <a:xfrm>
-            <a:off x="4018207" y="2794715"/>
-            <a:ext cx="5743978" cy="1068947"/>
-          </a:xfrm>
-          <a:prstGeom prst="ellipse">
-            <a:avLst/>
-          </a:prstGeom>
-        </p:spPr>
-        <p:style>
-          <a:lnRef idx="1">
-            <a:schemeClr val="accent3"/>
-          </a:lnRef>
-          <a:fillRef idx="2">
-            <a:schemeClr val="accent3"/>
-          </a:fillRef>
-          <a:effectRef idx="1">
-            <a:schemeClr val="accent3"/>
-          </a:effectRef>
-          <a:fontRef idx="minor">
-            <a:schemeClr val="dk1"/>
-          </a:fontRef>
-        </p:style>
-        <p:txBody>
-          <a:bodyPr rtlCol="0" anchor="ctr"/>
-          <a:lstStyle/>
-          <a:p>
-            <a:pPr algn="ctr"/>
-            <a:r>
-              <a:rPr lang="en-US" dirty="0" err="1" smtClean="0"/>
-              <a:t>Kiểm</a:t>
-            </a:r>
-            <a:r>
-              <a:rPr lang="en-US" dirty="0" smtClean="0"/>
-              <a:t> </a:t>
-            </a:r>
-            <a:r>
-              <a:rPr lang="en-US" dirty="0" err="1" smtClean="0"/>
-              <a:t>soát</a:t>
-            </a:r>
-            <a:r>
-              <a:rPr lang="en-US" dirty="0" smtClean="0"/>
-              <a:t> </a:t>
-            </a:r>
-            <a:r>
-              <a:rPr lang="en-US" dirty="0" err="1" smtClean="0"/>
-              <a:t>tiến</a:t>
-            </a:r>
-            <a:r>
-              <a:rPr lang="en-US" dirty="0" smtClean="0"/>
-              <a:t> </a:t>
-            </a:r>
-            <a:r>
-              <a:rPr lang="en-US" dirty="0" err="1" smtClean="0"/>
-              <a:t>độ</a:t>
-            </a:r>
-            <a:r>
-              <a:rPr lang="en-US" dirty="0" smtClean="0"/>
-              <a:t> </a:t>
-            </a:r>
-            <a:r>
-              <a:rPr lang="en-US" dirty="0" err="1" smtClean="0"/>
-              <a:t>của</a:t>
-            </a:r>
-            <a:r>
-              <a:rPr lang="en-US" dirty="0" smtClean="0"/>
-              <a:t> </a:t>
-            </a:r>
-            <a:r>
-              <a:rPr lang="en-US" dirty="0" err="1" smtClean="0"/>
-              <a:t>dự</a:t>
-            </a:r>
-            <a:r>
-              <a:rPr lang="en-US" dirty="0" smtClean="0"/>
-              <a:t> </a:t>
-            </a:r>
-            <a:r>
-              <a:rPr lang="en-US" dirty="0" err="1" smtClean="0"/>
-              <a:t>án</a:t>
-            </a:r>
-            <a:endParaRPr lang="en-US" dirty="0"/>
-          </a:p>
-        </p:txBody>
-      </p:sp>
-      <p:sp>
-        <p:nvSpPr>
-          <p:cNvPr id="8" name="Oval 7"/>
-          <p:cNvSpPr/>
-          <p:nvPr/>
-        </p:nvSpPr>
-        <p:spPr>
-          <a:xfrm>
-            <a:off x="4018207" y="4642833"/>
-            <a:ext cx="5743978" cy="1068947"/>
-          </a:xfrm>
-          <a:prstGeom prst="ellipse">
-            <a:avLst/>
-          </a:prstGeom>
-        </p:spPr>
-        <p:style>
-          <a:lnRef idx="1">
-            <a:schemeClr val="accent3"/>
-          </a:lnRef>
-          <a:fillRef idx="2">
-            <a:schemeClr val="accent3"/>
-          </a:fillRef>
-          <a:effectRef idx="1">
-            <a:schemeClr val="accent3"/>
-          </a:effectRef>
-          <a:fontRef idx="minor">
-            <a:schemeClr val="dk1"/>
-          </a:fontRef>
-        </p:style>
-        <p:txBody>
-          <a:bodyPr rtlCol="0" anchor="ctr"/>
-          <a:lstStyle/>
-          <a:p>
-            <a:pPr algn="ctr"/>
-            <a:r>
-              <a:rPr lang="en-US" dirty="0" err="1" smtClean="0"/>
-              <a:t>Kiểm</a:t>
-            </a:r>
-            <a:r>
-              <a:rPr lang="en-US" dirty="0" smtClean="0"/>
-              <a:t> </a:t>
-            </a:r>
-            <a:r>
-              <a:rPr lang="en-US" dirty="0" err="1" smtClean="0"/>
-              <a:t>soát</a:t>
-            </a:r>
-            <a:r>
-              <a:rPr lang="en-US" dirty="0" smtClean="0"/>
-              <a:t> </a:t>
-            </a:r>
-            <a:r>
-              <a:rPr lang="en-US" dirty="0" err="1" smtClean="0"/>
-              <a:t>độ</a:t>
-            </a:r>
-            <a:r>
-              <a:rPr lang="en-US" dirty="0" smtClean="0"/>
-              <a:t> risk </a:t>
-            </a:r>
-            <a:r>
-              <a:rPr lang="en-US" dirty="0" err="1" smtClean="0"/>
-              <a:t>của</a:t>
-            </a:r>
-            <a:r>
-              <a:rPr lang="en-US" dirty="0" smtClean="0"/>
-              <a:t> </a:t>
-            </a:r>
-            <a:r>
-              <a:rPr lang="en-US" dirty="0" err="1" smtClean="0"/>
-              <a:t>dự</a:t>
-            </a:r>
-            <a:r>
-              <a:rPr lang="en-US" dirty="0" smtClean="0"/>
-              <a:t> </a:t>
-            </a:r>
-            <a:r>
-              <a:rPr lang="en-US" dirty="0" err="1" smtClean="0"/>
-              <a:t>án</a:t>
-            </a:r>
-            <a:endParaRPr lang="en-US" dirty="0"/>
-          </a:p>
-        </p:txBody>
-      </p:sp>
-    </p:spTree>
-    <p:extLst>
-      <p:ext uri="{BB962C8B-B14F-4D97-AF65-F5344CB8AC3E}">
-        <p14:creationId xmlns:p14="http://schemas.microsoft.com/office/powerpoint/2010/main" val="3596917150"/>
-      </p:ext>
-    </p:extLst>
-  </p:cSld>
-  <p:clrMapOvr>
-    <a:masterClrMapping/>
-  </p:clrMapOvr>
-  <mc:AlternateContent xmlns:mc="http://schemas.openxmlformats.org/markup-compatibility/2006" xmlns:p14="http://schemas.microsoft.com/office/powerpoint/2010/main">
-    <mc:Choice Requires="p14">
-      <p:transition spd="med" p14:dur="700">
-        <p:fade/>
-      </p:transition>
-    </mc:Choice>
-    <mc:Fallback xmlns="">
-      <p:transition spd="med">
-        <p:fade/>
-      </p:transition>
-    </mc:Fallback>
-  </mc:AlternateContent>
-</p:sld>
-</file>
-
-<file path=ppt/slides/slide11.xml><?xml version="1.0" encoding="utf-8"?>
-<p:sld xmlns:a="http://schemas.openxmlformats.org/drawingml/2006/main" xmlns:r="http://schemas.openxmlformats.org/officeDocument/2006/relationships" xmlns:p="http://schemas.openxmlformats.org/presentationml/2006/main">
-  <p:cSld>
-    <p:spTree>
-      <p:nvGrpSpPr>
-        <p:cNvPr id="1" name=""/>
-        <p:cNvGrpSpPr/>
-        <p:nvPr/>
-      </p:nvGrpSpPr>
-      <p:grpSpPr>
-        <a:xfrm>
-          <a:off x="0" y="0"/>
-          <a:ext cx="0" cy="0"/>
-          <a:chOff x="0" y="0"/>
-          <a:chExt cx="0" cy="0"/>
-        </a:xfrm>
-      </p:grpSpPr>
-      <p:sp>
-        <p:nvSpPr>
-          <p:cNvPr id="3" name="Title 2"/>
-          <p:cNvSpPr>
-            <a:spLocks noGrp="1"/>
-          </p:cNvSpPr>
-          <p:nvPr>
-            <p:ph type="title"/>
-          </p:nvPr>
-        </p:nvSpPr>
-        <p:spPr/>
-        <p:txBody>
-          <a:bodyPr/>
-          <a:lstStyle/>
-          <a:p>
-            <a:r>
-              <a:rPr lang="en-US" dirty="0"/>
-              <a:t>3. CÁC ĐẦU MỤC CÔNG </a:t>
-            </a:r>
-            <a:r>
-              <a:rPr lang="en-US" dirty="0" err="1"/>
-              <a:t>Việc</a:t>
-            </a:r>
-            <a:endParaRPr lang="en-US" dirty="0"/>
-          </a:p>
-        </p:txBody>
-      </p:sp>
-      <p:sp>
-        <p:nvSpPr>
-          <p:cNvPr id="4" name="Rectangle 3"/>
-          <p:cNvSpPr/>
-          <p:nvPr/>
-        </p:nvSpPr>
-        <p:spPr>
-          <a:xfrm>
             <a:off x="2137893" y="2962141"/>
             <a:ext cx="8332631" cy="1416676"/>
           </a:xfrm>
@@ -14653,6 +14378,13 @@
       </p:transition>
     </mc:Fallback>
   </mc:AlternateContent>
+  <p:timing>
+    <p:tnLst>
+      <p:par>
+        <p:cTn id="1" dur="indefinite" restart="never" nodeType="tmRoot"/>
+      </p:par>
+    </p:tnLst>
+  </p:timing>
 </p:sld>
 </file>
 
@@ -15036,12 +14768,11 @@
           <a:bodyPr/>
           <a:lstStyle/>
           <a:p>
-            <a:pPr algn="ctr"/>
-            <a:r>
-              <a:rPr lang="en-US" b="1" dirty="0" smtClean="0"/>
-              <a:t>TỔNG QUAN DỰ ÁN</a:t>
-            </a:r>
-            <a:endParaRPr lang="en-US" b="1" dirty="0"/>
+            <a:r>
+              <a:rPr lang="en-US" dirty="0" smtClean="0"/>
+              <a:t>1. NHÂN SỰ</a:t>
+            </a:r>
+            <a:endParaRPr lang="en-US" dirty="0"/>
           </a:p>
         </p:txBody>
       </p:sp>
@@ -15055,499 +14786,319 @@
             <p:ph idx="1"/>
           </p:nvPr>
         </p:nvSpPr>
-        <p:spPr/>
+        <p:spPr>
+          <a:xfrm>
+            <a:off x="1154954" y="2446986"/>
+            <a:ext cx="9019356" cy="3773510"/>
+          </a:xfrm>
+        </p:spPr>
         <p:txBody>
-          <a:bodyPr/>
+          <a:bodyPr>
+            <a:normAutofit/>
+          </a:bodyPr>
           <a:lstStyle/>
           <a:p>
             <a:r>
-              <a:rPr lang="en-US" sz="2000" dirty="0" err="1" smtClean="0"/>
-              <a:t>Dự</a:t>
-            </a:r>
-            <a:r>
-              <a:rPr lang="en-US" sz="2000" dirty="0" smtClean="0"/>
-              <a:t> </a:t>
-            </a:r>
-            <a:r>
-              <a:rPr lang="en-US" sz="2000" dirty="0" err="1" smtClean="0"/>
-              <a:t>án</a:t>
-            </a:r>
-            <a:r>
-              <a:rPr lang="en-US" sz="2000" dirty="0" smtClean="0"/>
-              <a:t> online shopping website </a:t>
-            </a:r>
-            <a:r>
-              <a:rPr lang="en-US" sz="2000" dirty="0" err="1" smtClean="0"/>
-              <a:t>là</a:t>
-            </a:r>
-            <a:r>
-              <a:rPr lang="en-US" sz="2000" dirty="0" smtClean="0"/>
-              <a:t> 1 </a:t>
-            </a:r>
-            <a:r>
-              <a:rPr lang="en-US" sz="2000" dirty="0" err="1" smtClean="0"/>
-              <a:t>dự</a:t>
-            </a:r>
-            <a:r>
-              <a:rPr lang="en-US" sz="2000" dirty="0" smtClean="0"/>
-              <a:t> </a:t>
-            </a:r>
-            <a:r>
-              <a:rPr lang="en-US" sz="2000" dirty="0" err="1" smtClean="0"/>
-              <a:t>án</a:t>
-            </a:r>
-            <a:r>
-              <a:rPr lang="en-US" sz="2000" dirty="0" smtClean="0"/>
-              <a:t> </a:t>
-            </a:r>
-            <a:r>
-              <a:rPr lang="en-US" sz="2000" dirty="0" err="1" smtClean="0"/>
-              <a:t>trọng</a:t>
-            </a:r>
-            <a:r>
-              <a:rPr lang="en-US" sz="2000" dirty="0" smtClean="0"/>
-              <a:t> </a:t>
-            </a:r>
-            <a:r>
-              <a:rPr lang="en-US" sz="2000" dirty="0" err="1" smtClean="0"/>
-              <a:t>điểm</a:t>
-            </a:r>
-            <a:r>
-              <a:rPr lang="en-US" sz="2000" dirty="0" smtClean="0"/>
-              <a:t> </a:t>
-            </a:r>
-            <a:r>
-              <a:rPr lang="en-US" sz="2000" dirty="0" err="1" smtClean="0"/>
-              <a:t>quan</a:t>
-            </a:r>
-            <a:r>
-              <a:rPr lang="en-US" sz="2000" dirty="0" smtClean="0"/>
-              <a:t> </a:t>
-            </a:r>
-            <a:r>
-              <a:rPr lang="en-US" sz="2000" dirty="0" err="1" smtClean="0"/>
-              <a:t>trọng</a:t>
-            </a:r>
-            <a:r>
-              <a:rPr lang="en-US" sz="2000" dirty="0" smtClean="0"/>
-              <a:t> </a:t>
-            </a:r>
-            <a:r>
-              <a:rPr lang="en-US" sz="2000" dirty="0" err="1" smtClean="0"/>
-              <a:t>đối</a:t>
-            </a:r>
-            <a:r>
-              <a:rPr lang="en-US" sz="2000" dirty="0" smtClean="0"/>
-              <a:t> </a:t>
-            </a:r>
-            <a:r>
-              <a:rPr lang="en-US" sz="2000" dirty="0" err="1" smtClean="0"/>
-              <a:t>với</a:t>
-            </a:r>
-            <a:r>
-              <a:rPr lang="en-US" sz="2000" dirty="0" smtClean="0"/>
-              <a:t> </a:t>
-            </a:r>
-            <a:r>
-              <a:rPr lang="en-US" sz="2000" dirty="0" err="1" smtClean="0"/>
-              <a:t>công</a:t>
-            </a:r>
-            <a:r>
-              <a:rPr lang="en-US" sz="2000" dirty="0" smtClean="0"/>
-              <a:t> </a:t>
-            </a:r>
-            <a:r>
-              <a:rPr lang="en-US" sz="2000" dirty="0" err="1" smtClean="0"/>
-              <a:t>ty</a:t>
-            </a:r>
-            <a:endParaRPr lang="en-US" sz="2000" dirty="0" smtClean="0"/>
-          </a:p>
-          <a:p>
-            <a:r>
-              <a:rPr lang="en-US" sz="2000" dirty="0" err="1" smtClean="0"/>
-              <a:t>Nhằm</a:t>
-            </a:r>
-            <a:r>
-              <a:rPr lang="en-US" sz="2000" dirty="0" smtClean="0"/>
-              <a:t> </a:t>
-            </a:r>
-            <a:r>
-              <a:rPr lang="en-US" sz="2000" dirty="0" err="1" smtClean="0"/>
-              <a:t>nâng</a:t>
-            </a:r>
-            <a:r>
-              <a:rPr lang="en-US" sz="2000" dirty="0" smtClean="0"/>
-              <a:t> </a:t>
-            </a:r>
-            <a:r>
-              <a:rPr lang="en-US" sz="2000" dirty="0" err="1" smtClean="0"/>
-              <a:t>cao</a:t>
-            </a:r>
-            <a:r>
-              <a:rPr lang="en-US" sz="2000" dirty="0" smtClean="0"/>
-              <a:t> </a:t>
-            </a:r>
-            <a:r>
-              <a:rPr lang="en-US" sz="2000" dirty="0" err="1" smtClean="0"/>
-              <a:t>chất</a:t>
-            </a:r>
-            <a:r>
-              <a:rPr lang="en-US" sz="2000" dirty="0" smtClean="0"/>
-              <a:t> </a:t>
-            </a:r>
-            <a:r>
-              <a:rPr lang="en-US" sz="2000" dirty="0" err="1" smtClean="0"/>
-              <a:t>lượng</a:t>
-            </a:r>
-            <a:r>
-              <a:rPr lang="en-US" sz="2000" dirty="0" smtClean="0"/>
-              <a:t> </a:t>
-            </a:r>
-            <a:r>
-              <a:rPr lang="en-US" sz="2000" dirty="0" err="1" smtClean="0"/>
-              <a:t>trong</a:t>
-            </a:r>
-            <a:r>
-              <a:rPr lang="en-US" sz="2000" dirty="0" smtClean="0"/>
-              <a:t> </a:t>
-            </a:r>
-            <a:r>
-              <a:rPr lang="en-US" sz="2000" dirty="0" err="1" smtClean="0"/>
-              <a:t>kinh</a:t>
-            </a:r>
-            <a:r>
-              <a:rPr lang="en-US" sz="2000" dirty="0" smtClean="0"/>
-              <a:t> </a:t>
-            </a:r>
-            <a:r>
-              <a:rPr lang="en-US" sz="2000" dirty="0" err="1" smtClean="0"/>
-              <a:t>doanh</a:t>
-            </a:r>
-            <a:r>
-              <a:rPr lang="en-US" sz="2000" dirty="0" smtClean="0"/>
-              <a:t> </a:t>
-            </a:r>
-            <a:r>
-              <a:rPr lang="en-US" sz="2000" dirty="0" err="1" smtClean="0"/>
-              <a:t>để</a:t>
-            </a:r>
-            <a:r>
-              <a:rPr lang="en-US" sz="2000" dirty="0" smtClean="0"/>
-              <a:t> </a:t>
-            </a:r>
-            <a:r>
-              <a:rPr lang="en-US" sz="2000" dirty="0" err="1" smtClean="0"/>
-              <a:t>đáp</a:t>
-            </a:r>
-            <a:r>
-              <a:rPr lang="en-US" sz="2000" dirty="0" smtClean="0"/>
-              <a:t> </a:t>
-            </a:r>
-            <a:r>
-              <a:rPr lang="en-US" sz="2000" dirty="0" err="1" smtClean="0"/>
-              <a:t>ứng</a:t>
-            </a:r>
-            <a:r>
-              <a:rPr lang="en-US" sz="2000" dirty="0" smtClean="0"/>
-              <a:t> </a:t>
-            </a:r>
-            <a:r>
-              <a:rPr lang="en-US" sz="2000" dirty="0" err="1" smtClean="0"/>
-              <a:t>nhu</a:t>
-            </a:r>
-            <a:r>
-              <a:rPr lang="en-US" sz="2000" dirty="0" smtClean="0"/>
-              <a:t> </a:t>
-            </a:r>
-            <a:r>
-              <a:rPr lang="en-US" sz="2000" dirty="0" err="1" smtClean="0"/>
-              <a:t>cầu</a:t>
-            </a:r>
-            <a:r>
-              <a:rPr lang="en-US" sz="2000" dirty="0" smtClean="0"/>
-              <a:t> </a:t>
-            </a:r>
-            <a:r>
-              <a:rPr lang="en-US" sz="2000" dirty="0" err="1" smtClean="0"/>
-              <a:t>của</a:t>
-            </a:r>
-            <a:r>
-              <a:rPr lang="en-US" sz="2000" dirty="0" smtClean="0"/>
-              <a:t> </a:t>
-            </a:r>
-            <a:r>
-              <a:rPr lang="en-US" sz="2000" dirty="0" err="1" smtClean="0"/>
-              <a:t>thị</a:t>
-            </a:r>
-            <a:r>
-              <a:rPr lang="en-US" sz="2000" dirty="0" smtClean="0"/>
-              <a:t> </a:t>
-            </a:r>
-            <a:r>
-              <a:rPr lang="en-US" sz="2000" dirty="0" err="1" smtClean="0"/>
-              <a:t>trường</a:t>
-            </a:r>
-            <a:endParaRPr lang="en-US" sz="2000" dirty="0"/>
-          </a:p>
-          <a:p>
-            <a:r>
-              <a:rPr lang="en-US" sz="2000" dirty="0" err="1" smtClean="0"/>
-              <a:t>Cung</a:t>
-            </a:r>
-            <a:r>
-              <a:rPr lang="en-US" sz="2000" dirty="0" smtClean="0"/>
-              <a:t> </a:t>
-            </a:r>
-            <a:r>
-              <a:rPr lang="en-US" sz="2000" dirty="0" err="1" smtClean="0"/>
-              <a:t>cấp</a:t>
-            </a:r>
-            <a:r>
-              <a:rPr lang="en-US" sz="2000" dirty="0" smtClean="0"/>
-              <a:t> </a:t>
-            </a:r>
-            <a:r>
-              <a:rPr lang="en-US" sz="2000" dirty="0" err="1" smtClean="0"/>
-              <a:t>đầy</a:t>
-            </a:r>
-            <a:r>
-              <a:rPr lang="en-US" sz="2000" dirty="0" smtClean="0"/>
-              <a:t> </a:t>
-            </a:r>
-            <a:r>
-              <a:rPr lang="en-US" sz="2000" dirty="0" err="1" smtClean="0"/>
-              <a:t>đủ</a:t>
-            </a:r>
-            <a:r>
-              <a:rPr lang="en-US" sz="2000" dirty="0" smtClean="0"/>
-              <a:t> </a:t>
-            </a:r>
-            <a:r>
-              <a:rPr lang="en-US" sz="2000" dirty="0" err="1" smtClean="0"/>
-              <a:t>các</a:t>
-            </a:r>
-            <a:r>
-              <a:rPr lang="en-US" sz="2000" dirty="0" smtClean="0"/>
-              <a:t> </a:t>
-            </a:r>
-            <a:r>
-              <a:rPr lang="en-US" sz="2000" dirty="0" err="1" smtClean="0"/>
-              <a:t>dịch</a:t>
-            </a:r>
-            <a:r>
-              <a:rPr lang="en-US" sz="2000" dirty="0" smtClean="0"/>
-              <a:t> </a:t>
-            </a:r>
-            <a:r>
-              <a:rPr lang="en-US" sz="2000" dirty="0" err="1" smtClean="0"/>
-              <a:t>vụ</a:t>
-            </a:r>
-            <a:r>
-              <a:rPr lang="en-US" sz="2000" dirty="0" smtClean="0"/>
-              <a:t> </a:t>
-            </a:r>
-            <a:r>
-              <a:rPr lang="en-US" sz="2000" dirty="0" err="1" smtClean="0"/>
-              <a:t>tiêu</a:t>
-            </a:r>
-            <a:r>
-              <a:rPr lang="en-US" sz="2000" dirty="0" smtClean="0"/>
-              <a:t> </a:t>
-            </a:r>
-            <a:r>
-              <a:rPr lang="en-US" sz="2000" dirty="0" err="1" smtClean="0"/>
-              <a:t>chuẩn</a:t>
-            </a:r>
-            <a:r>
-              <a:rPr lang="en-US" sz="2000" dirty="0" smtClean="0"/>
-              <a:t> </a:t>
-            </a:r>
-            <a:r>
-              <a:rPr lang="en-US" sz="2000" dirty="0" err="1" smtClean="0"/>
-              <a:t>của</a:t>
-            </a:r>
-            <a:r>
-              <a:rPr lang="en-US" sz="2000" dirty="0" smtClean="0"/>
-              <a:t> 1 web </a:t>
-            </a:r>
-            <a:r>
-              <a:rPr lang="en-US" sz="2000" dirty="0" err="1" smtClean="0"/>
-              <a:t>thương</a:t>
-            </a:r>
-            <a:r>
-              <a:rPr lang="en-US" sz="2000" dirty="0" smtClean="0"/>
-              <a:t> </a:t>
-            </a:r>
-            <a:r>
-              <a:rPr lang="en-US" sz="2000" dirty="0" err="1" smtClean="0"/>
-              <a:t>mại</a:t>
-            </a:r>
-            <a:r>
-              <a:rPr lang="en-US" sz="2000" dirty="0" smtClean="0"/>
-              <a:t> </a:t>
-            </a:r>
-            <a:r>
-              <a:rPr lang="en-US" sz="2000" dirty="0" err="1" smtClean="0"/>
-              <a:t>điện</a:t>
-            </a:r>
-            <a:r>
-              <a:rPr lang="en-US" sz="2000" dirty="0" smtClean="0"/>
-              <a:t> </a:t>
-            </a:r>
-            <a:r>
-              <a:rPr lang="en-US" sz="2000" dirty="0" err="1" smtClean="0"/>
-              <a:t>tử</a:t>
-            </a:r>
-            <a:endParaRPr lang="en-US" sz="2000" dirty="0" smtClean="0"/>
-          </a:p>
-          <a:p>
-            <a:r>
-              <a:rPr lang="en-US" sz="2000" dirty="0" smtClean="0"/>
-              <a:t>Website </a:t>
-            </a:r>
-            <a:r>
-              <a:rPr lang="en-US" sz="2000" dirty="0" err="1" smtClean="0"/>
-              <a:t>cho</a:t>
-            </a:r>
-            <a:r>
-              <a:rPr lang="en-US" sz="2000" dirty="0" smtClean="0"/>
-              <a:t> </a:t>
-            </a:r>
-            <a:r>
-              <a:rPr lang="en-US" sz="2000" dirty="0" err="1" smtClean="0"/>
-              <a:t>phép</a:t>
-            </a:r>
-            <a:r>
-              <a:rPr lang="en-US" sz="2000" dirty="0" smtClean="0"/>
-              <a:t> </a:t>
-            </a:r>
-            <a:r>
-              <a:rPr lang="en-US" sz="2000" dirty="0" err="1" smtClean="0"/>
-              <a:t>thanh</a:t>
-            </a:r>
-            <a:r>
-              <a:rPr lang="en-US" sz="2000" dirty="0" smtClean="0"/>
-              <a:t> </a:t>
-            </a:r>
-            <a:r>
-              <a:rPr lang="en-US" sz="2000" dirty="0" err="1" smtClean="0"/>
-              <a:t>toán</a:t>
-            </a:r>
-            <a:r>
-              <a:rPr lang="en-US" sz="2000" dirty="0" smtClean="0"/>
-              <a:t>  </a:t>
-            </a:r>
-            <a:r>
-              <a:rPr lang="en-US" sz="2000" dirty="0" err="1" smtClean="0"/>
-              <a:t>trực</a:t>
-            </a:r>
-            <a:r>
-              <a:rPr lang="en-US" sz="2000" dirty="0" smtClean="0"/>
-              <a:t> </a:t>
-            </a:r>
-            <a:r>
-              <a:rPr lang="en-US" sz="2000" dirty="0" err="1" smtClean="0"/>
-              <a:t>tuyến</a:t>
-            </a:r>
-            <a:r>
-              <a:rPr lang="en-US" sz="2000" dirty="0" smtClean="0"/>
-              <a:t> </a:t>
-            </a:r>
-            <a:r>
-              <a:rPr lang="en-US" sz="2000" dirty="0" err="1" smtClean="0"/>
-              <a:t>với</a:t>
-            </a:r>
-            <a:r>
-              <a:rPr lang="en-US" sz="2000" dirty="0" smtClean="0"/>
-              <a:t> </a:t>
-            </a:r>
-            <a:r>
-              <a:rPr lang="en-US" sz="2000" dirty="0" err="1" smtClean="0"/>
-              <a:t>các</a:t>
-            </a:r>
-            <a:r>
-              <a:rPr lang="en-US" sz="2000" dirty="0" smtClean="0"/>
-              <a:t> </a:t>
-            </a:r>
-            <a:r>
-              <a:rPr lang="en-US" sz="2000" dirty="0" err="1" smtClean="0"/>
-              <a:t>ngân</a:t>
-            </a:r>
-            <a:r>
-              <a:rPr lang="en-US" sz="2000" dirty="0" smtClean="0"/>
-              <a:t> </a:t>
-            </a:r>
-            <a:r>
-              <a:rPr lang="en-US" sz="2000" dirty="0" err="1" smtClean="0"/>
-              <a:t>hàng</a:t>
-            </a:r>
-            <a:r>
-              <a:rPr lang="en-US" sz="2000" dirty="0" smtClean="0"/>
-              <a:t> </a:t>
-            </a:r>
-            <a:r>
-              <a:rPr lang="en-US" sz="2000" dirty="0" err="1" smtClean="0"/>
-              <a:t>trên</a:t>
-            </a:r>
-            <a:r>
-              <a:rPr lang="en-US" sz="2000" dirty="0" smtClean="0"/>
-              <a:t> </a:t>
-            </a:r>
-            <a:r>
-              <a:rPr lang="en-US" sz="2000" dirty="0" err="1" smtClean="0"/>
-              <a:t>toàn</a:t>
-            </a:r>
-            <a:r>
-              <a:rPr lang="en-US" sz="2000" dirty="0" smtClean="0"/>
-              <a:t> </a:t>
-            </a:r>
-            <a:r>
-              <a:rPr lang="en-US" sz="2000" dirty="0" err="1" smtClean="0"/>
-              <a:t>quốc</a:t>
-            </a:r>
-            <a:r>
-              <a:rPr lang="en-US" sz="2000" dirty="0" smtClean="0"/>
-              <a:t> </a:t>
-            </a:r>
-            <a:r>
-              <a:rPr lang="en-US" sz="2000" dirty="0" err="1" smtClean="0">
+              <a:rPr lang="en-US" sz="2000" b="1" dirty="0">
                 <a:solidFill>
-                  <a:srgbClr val="FF0000"/>
+                  <a:schemeClr val="tx1"/>
                 </a:solidFill>
               </a:rPr>
-              <a:t>sua</a:t>
-            </a:r>
-            <a:r>
-              <a:rPr lang="en-US" sz="2000" dirty="0" smtClean="0">
+              <a:t>Project </a:t>
+            </a:r>
+            <a:r>
+              <a:rPr lang="en-US" sz="2000" b="1" dirty="0" smtClean="0">
                 <a:solidFill>
-                  <a:srgbClr val="FF0000"/>
+                  <a:schemeClr val="tx1"/>
                 </a:solidFill>
               </a:rPr>
-              <a:t> </a:t>
-            </a:r>
-            <a:r>
-              <a:rPr lang="en-US" sz="2000" dirty="0" err="1" smtClean="0">
+              <a:t>manager : </a:t>
+            </a:r>
+            <a:r>
+              <a:rPr lang="en-US" sz="2000" b="1" dirty="0" err="1" smtClean="0">
                 <a:solidFill>
-                  <a:srgbClr val="FF0000"/>
+                  <a:schemeClr val="tx1"/>
                 </a:solidFill>
               </a:rPr>
-              <a:t>lai</a:t>
-            </a:r>
-            <a:endParaRPr lang="en-US" sz="2000" dirty="0" smtClean="0">
+              <a:t>Nguyễn</a:t>
+            </a:r>
+            <a:r>
+              <a:rPr lang="en-US" sz="2000" b="1" dirty="0" smtClean="0">
+                <a:solidFill>
+                  <a:schemeClr val="tx1"/>
+                </a:solidFill>
+              </a:rPr>
+              <a:t> </a:t>
+            </a:r>
+            <a:r>
+              <a:rPr lang="en-US" sz="2000" b="1" dirty="0" err="1" smtClean="0">
+                <a:solidFill>
+                  <a:schemeClr val="tx1"/>
+                </a:solidFill>
+              </a:rPr>
+              <a:t>Việt</a:t>
+            </a:r>
+            <a:r>
+              <a:rPr lang="en-US" sz="2000" b="1" dirty="0" smtClean="0">
+                <a:solidFill>
+                  <a:schemeClr val="tx1"/>
+                </a:solidFill>
+              </a:rPr>
+              <a:t> </a:t>
+            </a:r>
+            <a:r>
+              <a:rPr lang="en-US" sz="2000" b="1" dirty="0" err="1" smtClean="0">
+                <a:solidFill>
+                  <a:schemeClr val="tx1"/>
+                </a:solidFill>
+              </a:rPr>
+              <a:t>Hưng</a:t>
+            </a:r>
+            <a:endParaRPr lang="en-US" sz="2000" b="1" dirty="0" smtClean="0">
               <a:solidFill>
-                <a:srgbClr val="FF0000"/>
+                <a:schemeClr val="tx1"/>
               </a:solidFill>
             </a:endParaRPr>
           </a:p>
           <a:p>
-            <a:endParaRPr lang="en-US" dirty="0" smtClean="0"/>
+            <a:r>
+              <a:rPr lang="en-US" sz="2000" b="1" dirty="0" smtClean="0">
+                <a:solidFill>
+                  <a:schemeClr val="tx1"/>
+                </a:solidFill>
+              </a:rPr>
+              <a:t>BA: </a:t>
+            </a:r>
+            <a:r>
+              <a:rPr lang="en-US" sz="2000" b="1" dirty="0" err="1" smtClean="0">
+                <a:solidFill>
+                  <a:schemeClr val="tx1"/>
+                </a:solidFill>
+              </a:rPr>
+              <a:t>Đặng</a:t>
+            </a:r>
+            <a:r>
+              <a:rPr lang="en-US" sz="2000" b="1" dirty="0" smtClean="0">
+                <a:solidFill>
+                  <a:schemeClr val="tx1"/>
+                </a:solidFill>
+              </a:rPr>
+              <a:t> </a:t>
+            </a:r>
+            <a:r>
+              <a:rPr lang="en-US" sz="2000" b="1" dirty="0" err="1" smtClean="0">
+                <a:solidFill>
+                  <a:schemeClr val="tx1"/>
+                </a:solidFill>
+              </a:rPr>
+              <a:t>Công</a:t>
+            </a:r>
+            <a:r>
+              <a:rPr lang="en-US" sz="2000" b="1" dirty="0" smtClean="0">
+                <a:solidFill>
+                  <a:schemeClr val="tx1"/>
+                </a:solidFill>
+              </a:rPr>
+              <a:t> </a:t>
+            </a:r>
+            <a:r>
+              <a:rPr lang="en-US" sz="2000" b="1" dirty="0" err="1" smtClean="0">
+                <a:solidFill>
+                  <a:schemeClr val="tx1"/>
+                </a:solidFill>
+              </a:rPr>
+              <a:t>Sơn</a:t>
+            </a:r>
+            <a:endParaRPr lang="en-US" sz="2000" b="1" dirty="0" smtClean="0">
+              <a:solidFill>
+                <a:schemeClr val="tx1"/>
+              </a:solidFill>
+            </a:endParaRPr>
+          </a:p>
+          <a:p>
+            <a:r>
+              <a:rPr lang="en-US" sz="2000" b="1" dirty="0" smtClean="0">
+                <a:solidFill>
+                  <a:schemeClr val="tx1"/>
+                </a:solidFill>
+              </a:rPr>
+              <a:t>Developer &amp; Design : Đặng </a:t>
+            </a:r>
+            <a:r>
+              <a:rPr lang="en-US" sz="2000" b="1" dirty="0" err="1" smtClean="0">
+                <a:solidFill>
+                  <a:schemeClr val="tx1"/>
+                </a:solidFill>
+              </a:rPr>
+              <a:t>Công</a:t>
+            </a:r>
+            <a:r>
+              <a:rPr lang="en-US" sz="2000" b="1" dirty="0" smtClean="0">
+                <a:solidFill>
+                  <a:schemeClr val="tx1"/>
+                </a:solidFill>
+              </a:rPr>
+              <a:t> </a:t>
+            </a:r>
+            <a:r>
+              <a:rPr lang="en-US" sz="2000" b="1" dirty="0" err="1" smtClean="0">
+                <a:solidFill>
+                  <a:schemeClr val="tx1"/>
+                </a:solidFill>
+              </a:rPr>
+              <a:t>Sơn</a:t>
+            </a:r>
+            <a:r>
+              <a:rPr lang="en-US" sz="2000" b="1" dirty="0" smtClean="0">
+                <a:solidFill>
+                  <a:schemeClr val="tx1"/>
+                </a:solidFill>
+              </a:rPr>
+              <a:t> , </a:t>
+            </a:r>
+            <a:r>
+              <a:rPr lang="en-US" sz="2000" b="1" dirty="0" err="1" smtClean="0">
+                <a:solidFill>
+                  <a:schemeClr val="tx1"/>
+                </a:solidFill>
+              </a:rPr>
+              <a:t>Đỗ</a:t>
+            </a:r>
+            <a:r>
+              <a:rPr lang="en-US" sz="2000" b="1" dirty="0" smtClean="0">
+                <a:solidFill>
+                  <a:schemeClr val="tx1"/>
+                </a:solidFill>
+              </a:rPr>
+              <a:t> </a:t>
+            </a:r>
+            <a:r>
+              <a:rPr lang="en-US" sz="2000" b="1" dirty="0" err="1" smtClean="0">
+                <a:solidFill>
+                  <a:schemeClr val="tx1"/>
+                </a:solidFill>
+              </a:rPr>
+              <a:t>Hồng</a:t>
+            </a:r>
+            <a:r>
+              <a:rPr lang="en-US" sz="2000" b="1" dirty="0" smtClean="0">
+                <a:solidFill>
+                  <a:schemeClr val="tx1"/>
+                </a:solidFill>
+              </a:rPr>
+              <a:t> </a:t>
+            </a:r>
+            <a:r>
+              <a:rPr lang="en-US" sz="2000" b="1" dirty="0" err="1" smtClean="0">
+                <a:solidFill>
+                  <a:schemeClr val="tx1"/>
+                </a:solidFill>
+              </a:rPr>
+              <a:t>Khôi</a:t>
+            </a:r>
+            <a:r>
+              <a:rPr lang="en-US" sz="2000" b="1" dirty="0" smtClean="0">
+                <a:solidFill>
+                  <a:schemeClr val="tx1"/>
+                </a:solidFill>
+              </a:rPr>
+              <a:t>, </a:t>
+            </a:r>
+            <a:r>
+              <a:rPr lang="en-US" sz="2000" b="1" dirty="0" err="1" smtClean="0">
+                <a:solidFill>
+                  <a:schemeClr val="tx1"/>
+                </a:solidFill>
+              </a:rPr>
+              <a:t>Vũ</a:t>
+            </a:r>
+            <a:r>
+              <a:rPr lang="en-US" sz="2000" b="1" dirty="0" smtClean="0">
+                <a:solidFill>
+                  <a:schemeClr val="tx1"/>
+                </a:solidFill>
+              </a:rPr>
+              <a:t> </a:t>
+            </a:r>
+            <a:r>
+              <a:rPr lang="en-US" sz="2000" b="1" dirty="0" err="1">
+                <a:solidFill>
+                  <a:schemeClr val="tx1"/>
+                </a:solidFill>
+              </a:rPr>
+              <a:t>Trần</a:t>
+            </a:r>
+            <a:r>
+              <a:rPr lang="en-US" sz="2000" b="1" dirty="0">
+                <a:solidFill>
+                  <a:schemeClr val="tx1"/>
+                </a:solidFill>
+              </a:rPr>
+              <a:t> </a:t>
+            </a:r>
+            <a:r>
+              <a:rPr lang="en-US" sz="2000" b="1" dirty="0" err="1" smtClean="0">
+                <a:solidFill>
+                  <a:schemeClr val="tx1"/>
+                </a:solidFill>
+              </a:rPr>
+              <a:t>Hoàng</a:t>
+            </a:r>
+            <a:endParaRPr lang="en-US" sz="2000" b="1" dirty="0" smtClean="0">
+              <a:solidFill>
+                <a:schemeClr val="tx1"/>
+              </a:solidFill>
+            </a:endParaRPr>
+          </a:p>
+          <a:p>
+            <a:r>
+              <a:rPr lang="en-US" sz="2000" b="1" dirty="0" smtClean="0">
+                <a:solidFill>
+                  <a:schemeClr val="tx1"/>
+                </a:solidFill>
+              </a:rPr>
+              <a:t>Tester: </a:t>
+            </a:r>
+            <a:r>
+              <a:rPr lang="en-US" sz="2000" b="1" dirty="0" err="1" smtClean="0">
+                <a:solidFill>
+                  <a:schemeClr val="tx1"/>
+                </a:solidFill>
+              </a:rPr>
+              <a:t>Đặng</a:t>
+            </a:r>
+            <a:r>
+              <a:rPr lang="en-US" sz="2000" b="1" dirty="0" smtClean="0">
+                <a:solidFill>
+                  <a:schemeClr val="tx1"/>
+                </a:solidFill>
+              </a:rPr>
+              <a:t> </a:t>
+            </a:r>
+            <a:r>
+              <a:rPr lang="en-US" sz="2000" b="1" dirty="0" err="1" smtClean="0">
+                <a:solidFill>
+                  <a:schemeClr val="tx1"/>
+                </a:solidFill>
+              </a:rPr>
+              <a:t>Đức</a:t>
+            </a:r>
+            <a:r>
+              <a:rPr lang="en-US" sz="2000" b="1" dirty="0" smtClean="0">
+                <a:solidFill>
+                  <a:schemeClr val="tx1"/>
+                </a:solidFill>
+              </a:rPr>
+              <a:t> Mạnh</a:t>
+            </a:r>
+            <a:endParaRPr lang="en-US" sz="2000" dirty="0"/>
           </a:p>
         </p:txBody>
       </p:sp>
     </p:spTree>
     <p:extLst>
       <p:ext uri="{BB962C8B-B14F-4D97-AF65-F5344CB8AC3E}">
-        <p14:creationId xmlns:p14="http://schemas.microsoft.com/office/powerpoint/2010/main" val="1285413249"/>
+        <p14:creationId xmlns:p14="http://schemas.microsoft.com/office/powerpoint/2010/main" val="3500346275"/>
       </p:ext>
     </p:extLst>
   </p:cSld>
@@ -15595,7 +15146,7 @@
       </p:grpSpPr>
       <p:sp>
         <p:nvSpPr>
-          <p:cNvPr id="3" name="Title 2"/>
+          <p:cNvPr id="2" name="Title 1"/>
           <p:cNvSpPr>
             <a:spLocks noGrp="1"/>
           </p:cNvSpPr>
@@ -15610,7 +15161,7 @@
           <a:p>
             <a:r>
               <a:rPr lang="en-US" dirty="0" smtClean="0"/>
-              <a:t>1. NHÂN SỰ</a:t>
+              <a:t>BỐI CẢNH</a:t>
             </a:r>
             <a:endParaRPr lang="en-US" dirty="0"/>
           </a:p>
@@ -15618,7 +15169,7 @@
       </p:sp>
       <p:sp>
         <p:nvSpPr>
-          <p:cNvPr id="2" name="Content Placeholder 1"/>
+          <p:cNvPr id="3" name="Content Placeholder 2"/>
           <p:cNvSpPr>
             <a:spLocks noGrp="1"/>
           </p:cNvSpPr>
@@ -15626,12 +15177,7 @@
             <p:ph idx="1"/>
           </p:nvPr>
         </p:nvSpPr>
-        <p:spPr>
-          <a:xfrm>
-            <a:off x="1154954" y="2446986"/>
-            <a:ext cx="9019356" cy="3773510"/>
-          </a:xfrm>
-        </p:spPr>
+        <p:spPr/>
         <p:txBody>
           <a:bodyPr>
             <a:normAutofit/>
@@ -15639,261 +15185,348 @@
           <a:lstStyle/>
           <a:p>
             <a:r>
-              <a:rPr lang="en-US" sz="2000" b="1" dirty="0">
-                <a:solidFill>
-                  <a:schemeClr val="tx1"/>
-                </a:solidFill>
-              </a:rPr>
-              <a:t>Project </a:t>
-            </a:r>
-            <a:r>
-              <a:rPr lang="en-US" sz="2000" b="1" dirty="0" smtClean="0">
-                <a:solidFill>
-                  <a:schemeClr val="tx1"/>
-                </a:solidFill>
-              </a:rPr>
-              <a:t>manager : </a:t>
-            </a:r>
-            <a:r>
-              <a:rPr lang="en-US" sz="2000" b="1" dirty="0" err="1" smtClean="0">
-                <a:solidFill>
-                  <a:schemeClr val="tx1"/>
-                </a:solidFill>
-              </a:rPr>
-              <a:t>Nguyễn</a:t>
-            </a:r>
-            <a:r>
-              <a:rPr lang="en-US" sz="2000" b="1" dirty="0" smtClean="0">
-                <a:solidFill>
-                  <a:schemeClr val="tx1"/>
-                </a:solidFill>
-              </a:rPr>
-              <a:t> </a:t>
-            </a:r>
-            <a:r>
-              <a:rPr lang="en-US" sz="2000" b="1" dirty="0" err="1" smtClean="0">
-                <a:solidFill>
-                  <a:schemeClr val="tx1"/>
-                </a:solidFill>
-              </a:rPr>
-              <a:t>Việt</a:t>
-            </a:r>
-            <a:r>
-              <a:rPr lang="en-US" sz="2000" b="1" dirty="0" smtClean="0">
-                <a:solidFill>
-                  <a:schemeClr val="tx1"/>
-                </a:solidFill>
-              </a:rPr>
-              <a:t> </a:t>
-            </a:r>
-            <a:r>
-              <a:rPr lang="en-US" sz="2000" b="1" dirty="0" err="1" smtClean="0">
-                <a:solidFill>
-                  <a:schemeClr val="tx1"/>
-                </a:solidFill>
-              </a:rPr>
-              <a:t>Hưng</a:t>
-            </a:r>
-            <a:endParaRPr lang="en-US" sz="2000" b="1" dirty="0" smtClean="0">
-              <a:solidFill>
-                <a:schemeClr val="tx1"/>
-              </a:solidFill>
-            </a:endParaRPr>
-          </a:p>
-          <a:p>
-            <a:r>
-              <a:rPr lang="en-US" sz="2000" b="1" dirty="0" smtClean="0">
-                <a:solidFill>
-                  <a:schemeClr val="tx1"/>
-                </a:solidFill>
-              </a:rPr>
-              <a:t>Stakeholder : </a:t>
-            </a:r>
-            <a:r>
-              <a:rPr lang="en-US" sz="2000" b="1" dirty="0" err="1" smtClean="0">
-                <a:solidFill>
-                  <a:schemeClr val="tx1"/>
-                </a:solidFill>
-              </a:rPr>
-              <a:t>Vũ</a:t>
-            </a:r>
-            <a:r>
-              <a:rPr lang="en-US" sz="2000" b="1" dirty="0" smtClean="0">
-                <a:solidFill>
-                  <a:schemeClr val="tx1"/>
-                </a:solidFill>
-              </a:rPr>
-              <a:t> </a:t>
-            </a:r>
-            <a:r>
-              <a:rPr lang="en-US" sz="2000" b="1" dirty="0" err="1" smtClean="0">
-                <a:solidFill>
-                  <a:schemeClr val="tx1"/>
-                </a:solidFill>
-              </a:rPr>
-              <a:t>Trần</a:t>
-            </a:r>
-            <a:r>
-              <a:rPr lang="en-US" sz="2000" b="1" dirty="0" smtClean="0">
-                <a:solidFill>
-                  <a:schemeClr val="tx1"/>
-                </a:solidFill>
-              </a:rPr>
-              <a:t> </a:t>
-            </a:r>
-            <a:r>
-              <a:rPr lang="en-US" sz="2000" b="1" dirty="0" err="1" smtClean="0">
-                <a:solidFill>
-                  <a:schemeClr val="tx1"/>
-                </a:solidFill>
-              </a:rPr>
-              <a:t>Hoàng</a:t>
-            </a:r>
-            <a:endParaRPr lang="en-US" sz="2000" b="1" dirty="0" smtClean="0">
-              <a:solidFill>
-                <a:schemeClr val="tx1"/>
-              </a:solidFill>
-            </a:endParaRPr>
-          </a:p>
-          <a:p>
-            <a:r>
-              <a:rPr lang="en-US" sz="2000" b="1" dirty="0" smtClean="0">
-                <a:solidFill>
-                  <a:schemeClr val="tx1"/>
-                </a:solidFill>
-              </a:rPr>
-              <a:t>BA (</a:t>
-            </a:r>
-            <a:r>
-              <a:rPr lang="en-US" sz="2000" b="1" dirty="0" err="1" smtClean="0">
-                <a:solidFill>
-                  <a:schemeClr val="tx1"/>
-                </a:solidFill>
-              </a:rPr>
-              <a:t>Bussiness</a:t>
-            </a:r>
-            <a:r>
-              <a:rPr lang="en-US" sz="2000" b="1" dirty="0" smtClean="0">
-                <a:solidFill>
-                  <a:schemeClr val="tx1"/>
-                </a:solidFill>
-              </a:rPr>
-              <a:t> Analyst) : </a:t>
-            </a:r>
-            <a:r>
-              <a:rPr lang="en-US" sz="2000" b="1" dirty="0" err="1" smtClean="0">
-                <a:solidFill>
-                  <a:schemeClr val="tx1"/>
-                </a:solidFill>
-              </a:rPr>
-              <a:t>Nguyễn</a:t>
-            </a:r>
-            <a:r>
-              <a:rPr lang="en-US" sz="2000" b="1" dirty="0" smtClean="0">
-                <a:solidFill>
-                  <a:schemeClr val="tx1"/>
-                </a:solidFill>
-              </a:rPr>
-              <a:t> </a:t>
-            </a:r>
-            <a:r>
-              <a:rPr lang="en-US" sz="2000" b="1" dirty="0" err="1" smtClean="0">
-                <a:solidFill>
-                  <a:schemeClr val="tx1"/>
-                </a:solidFill>
-              </a:rPr>
-              <a:t>Hồng</a:t>
-            </a:r>
-            <a:r>
-              <a:rPr lang="en-US" sz="2000" b="1" dirty="0" smtClean="0">
-                <a:solidFill>
-                  <a:schemeClr val="tx1"/>
-                </a:solidFill>
-              </a:rPr>
-              <a:t> </a:t>
-            </a:r>
-            <a:r>
-              <a:rPr lang="en-US" sz="2000" b="1" dirty="0" err="1" smtClean="0">
-                <a:solidFill>
-                  <a:schemeClr val="tx1"/>
-                </a:solidFill>
-              </a:rPr>
-              <a:t>Khôi</a:t>
-            </a:r>
-            <a:r>
-              <a:rPr lang="en-US" sz="2000" b="1" dirty="0" smtClean="0">
-                <a:solidFill>
-                  <a:schemeClr val="tx1"/>
-                </a:solidFill>
-              </a:rPr>
-              <a:t>	</a:t>
-            </a:r>
-          </a:p>
-          <a:p>
-            <a:r>
-              <a:rPr lang="en-US" sz="2000" b="1" dirty="0" smtClean="0">
-                <a:solidFill>
-                  <a:schemeClr val="tx1"/>
-                </a:solidFill>
-              </a:rPr>
-              <a:t>Developer : Đặng </a:t>
-            </a:r>
-            <a:r>
-              <a:rPr lang="en-US" sz="2000" b="1" dirty="0" err="1" smtClean="0">
-                <a:solidFill>
-                  <a:schemeClr val="tx1"/>
-                </a:solidFill>
-              </a:rPr>
+              <a:rPr lang="en-US" sz="2000" dirty="0" err="1" smtClean="0"/>
+              <a:t>Tình</a:t>
+            </a:r>
+            <a:r>
+              <a:rPr lang="en-US" sz="2000" dirty="0" smtClean="0"/>
+              <a:t> </a:t>
+            </a:r>
+            <a:r>
+              <a:rPr lang="en-US" sz="2000" dirty="0" err="1" smtClean="0"/>
+              <a:t>hình</a:t>
+            </a:r>
+            <a:r>
+              <a:rPr lang="en-US" sz="2000" dirty="0"/>
+              <a:t> </a:t>
+            </a:r>
+            <a:r>
+              <a:rPr lang="en-US" sz="2000" dirty="0" err="1" smtClean="0"/>
+              <a:t>thị</a:t>
+            </a:r>
+            <a:r>
+              <a:rPr lang="en-US" sz="2000" dirty="0" smtClean="0"/>
+              <a:t> </a:t>
+            </a:r>
+            <a:r>
+              <a:rPr lang="en-US" sz="2000" dirty="0" err="1" smtClean="0"/>
+              <a:t>trường</a:t>
+            </a:r>
+            <a:r>
+              <a:rPr lang="en-US" sz="2000" dirty="0" smtClean="0"/>
+              <a:t> </a:t>
+            </a:r>
+            <a:r>
+              <a:rPr lang="en-US" sz="2000" dirty="0" err="1" smtClean="0"/>
+              <a:t>thương</a:t>
+            </a:r>
+            <a:r>
+              <a:rPr lang="en-US" sz="2000" dirty="0" smtClean="0"/>
+              <a:t> </a:t>
+            </a:r>
+            <a:r>
+              <a:rPr lang="en-US" sz="2000" dirty="0" err="1" smtClean="0"/>
+              <a:t>mại</a:t>
+            </a:r>
+            <a:r>
+              <a:rPr lang="en-US" sz="2000" dirty="0" smtClean="0"/>
+              <a:t> </a:t>
+            </a:r>
+            <a:r>
+              <a:rPr lang="en-US" sz="2000" dirty="0" err="1" smtClean="0"/>
+              <a:t>điện</a:t>
+            </a:r>
+            <a:r>
+              <a:rPr lang="en-US" sz="2000" dirty="0" smtClean="0"/>
+              <a:t> </a:t>
+            </a:r>
+            <a:r>
+              <a:rPr lang="en-US" sz="2000" dirty="0" err="1" smtClean="0"/>
+              <a:t>tử</a:t>
+            </a:r>
+            <a:r>
+              <a:rPr lang="en-US" sz="2000" dirty="0" smtClean="0"/>
+              <a:t> </a:t>
+            </a:r>
+            <a:r>
+              <a:rPr lang="en-US" sz="2000" dirty="0" err="1" smtClean="0"/>
+              <a:t>đang</a:t>
+            </a:r>
+            <a:r>
+              <a:rPr lang="en-US" sz="2000" dirty="0" smtClean="0"/>
+              <a:t> </a:t>
+            </a:r>
+            <a:r>
+              <a:rPr lang="en-US" sz="2000" dirty="0" err="1" smtClean="0"/>
+              <a:t>phát</a:t>
+            </a:r>
+            <a:r>
+              <a:rPr lang="en-US" sz="2000" dirty="0" smtClean="0"/>
+              <a:t> </a:t>
+            </a:r>
+            <a:r>
+              <a:rPr lang="en-US" sz="2000" dirty="0" err="1" smtClean="0"/>
+              <a:t>triển</a:t>
+            </a:r>
+            <a:r>
+              <a:rPr lang="en-US" sz="2000" dirty="0" smtClean="0"/>
+              <a:t> </a:t>
+            </a:r>
+            <a:r>
+              <a:rPr lang="en-US" sz="2000" dirty="0" err="1" smtClean="0"/>
+              <a:t>mạnh</a:t>
+            </a:r>
+            <a:r>
+              <a:rPr lang="en-US" sz="2000" dirty="0" smtClean="0"/>
+              <a:t> </a:t>
+            </a:r>
+            <a:r>
+              <a:rPr lang="en-US" sz="2000" dirty="0" err="1" smtClean="0"/>
+              <a:t>mẽ</a:t>
+            </a:r>
+            <a:r>
+              <a:rPr lang="en-US" sz="2000" dirty="0" smtClean="0"/>
+              <a:t>. </a:t>
+            </a:r>
+            <a:r>
+              <a:rPr lang="en-US" sz="2000" dirty="0" err="1" smtClean="0"/>
               <a:t>Công</a:t>
             </a:r>
             <a:r>
-              <a:rPr lang="en-US" sz="2000" b="1" dirty="0" smtClean="0">
-                <a:solidFill>
-                  <a:schemeClr val="tx1"/>
-                </a:solidFill>
-              </a:rPr>
-              <a:t> </a:t>
-            </a:r>
-            <a:r>
-              <a:rPr lang="en-US" sz="2000" b="1" dirty="0" err="1" smtClean="0">
-                <a:solidFill>
-                  <a:schemeClr val="tx1"/>
-                </a:solidFill>
-              </a:rPr>
-              <a:t>Sơn</a:t>
-            </a:r>
-            <a:r>
-              <a:rPr lang="en-US" sz="2000" b="1" dirty="0" smtClean="0">
-                <a:solidFill>
-                  <a:schemeClr val="tx1"/>
-                </a:solidFill>
-              </a:rPr>
-              <a:t> , Đặng </a:t>
-            </a:r>
-            <a:r>
-              <a:rPr lang="en-US" sz="2000" b="1" dirty="0" err="1" smtClean="0">
-                <a:solidFill>
-                  <a:schemeClr val="tx1"/>
-                </a:solidFill>
-              </a:rPr>
-              <a:t>Đức</a:t>
-            </a:r>
-            <a:r>
-              <a:rPr lang="en-US" sz="2000" b="1" dirty="0" smtClean="0">
-                <a:solidFill>
-                  <a:schemeClr val="tx1"/>
-                </a:solidFill>
-              </a:rPr>
-              <a:t> Mạnh</a:t>
-            </a:r>
-            <a:endParaRPr lang="en-US" sz="2000" dirty="0"/>
+              <a:rPr lang="en-US" sz="2000" dirty="0" smtClean="0"/>
+              <a:t> ty </a:t>
+            </a:r>
+            <a:r>
+              <a:rPr lang="en-US" sz="2000" dirty="0" err="1" smtClean="0"/>
+              <a:t>khách</a:t>
+            </a:r>
+            <a:r>
+              <a:rPr lang="en-US" sz="2000" dirty="0" smtClean="0"/>
+              <a:t> </a:t>
+            </a:r>
+            <a:r>
+              <a:rPr lang="en-US" sz="2000" dirty="0" err="1" smtClean="0"/>
+              <a:t>hàng</a:t>
+            </a:r>
+            <a:r>
+              <a:rPr lang="en-US" sz="2000" dirty="0" smtClean="0"/>
+              <a:t> </a:t>
+            </a:r>
+            <a:r>
+              <a:rPr lang="en-US" sz="2000" dirty="0" err="1" smtClean="0"/>
+              <a:t>muốn</a:t>
+            </a:r>
+            <a:r>
+              <a:rPr lang="en-US" sz="2000" dirty="0" smtClean="0"/>
+              <a:t> </a:t>
+            </a:r>
+            <a:r>
+              <a:rPr lang="en-US" sz="2000" dirty="0" err="1" smtClean="0"/>
+              <a:t>thuê</a:t>
+            </a:r>
+            <a:r>
+              <a:rPr lang="en-US" sz="2000" dirty="0" smtClean="0"/>
+              <a:t> </a:t>
+            </a:r>
+            <a:r>
+              <a:rPr lang="en-US" sz="2000" dirty="0" err="1" smtClean="0"/>
+              <a:t>công</a:t>
+            </a:r>
+            <a:r>
+              <a:rPr lang="en-US" sz="2000" dirty="0" smtClean="0"/>
+              <a:t> </a:t>
+            </a:r>
+            <a:r>
+              <a:rPr lang="en-US" sz="2000" dirty="0" err="1" smtClean="0"/>
+              <a:t>ty</a:t>
+            </a:r>
+            <a:r>
+              <a:rPr lang="en-US" sz="2000" dirty="0" smtClean="0"/>
+              <a:t> </a:t>
+            </a:r>
+            <a:r>
+              <a:rPr lang="en-US" sz="2000" dirty="0" err="1" smtClean="0"/>
+              <a:t>gia</a:t>
+            </a:r>
+            <a:r>
+              <a:rPr lang="en-US" sz="2000" dirty="0" smtClean="0"/>
+              <a:t> </a:t>
+            </a:r>
+            <a:r>
+              <a:rPr lang="en-US" sz="2000" dirty="0" err="1" smtClean="0"/>
+              <a:t>công</a:t>
+            </a:r>
+            <a:r>
+              <a:rPr lang="en-US" sz="2000" dirty="0" smtClean="0"/>
+              <a:t> </a:t>
+            </a:r>
+            <a:r>
+              <a:rPr lang="en-US" sz="2000" dirty="0" err="1" smtClean="0"/>
+              <a:t>phần</a:t>
+            </a:r>
+            <a:r>
+              <a:rPr lang="en-US" sz="2000" dirty="0" smtClean="0"/>
+              <a:t> </a:t>
+            </a:r>
+            <a:r>
+              <a:rPr lang="en-US" sz="2000" dirty="0" err="1" smtClean="0"/>
+              <a:t>mềm</a:t>
+            </a:r>
+            <a:r>
+              <a:rPr lang="en-US" sz="2000" dirty="0" smtClean="0"/>
+              <a:t>, </a:t>
+            </a:r>
+            <a:r>
+              <a:rPr lang="en-US" sz="2000" dirty="0" err="1" smtClean="0"/>
+              <a:t>gia</a:t>
+            </a:r>
+            <a:r>
+              <a:rPr lang="en-US" sz="2000" dirty="0" smtClean="0"/>
+              <a:t> </a:t>
+            </a:r>
+            <a:r>
+              <a:rPr lang="en-US" sz="2000" dirty="0" err="1" smtClean="0"/>
+              <a:t>công</a:t>
+            </a:r>
+            <a:r>
+              <a:rPr lang="en-US" sz="2000" dirty="0" smtClean="0"/>
+              <a:t> 1 website </a:t>
+            </a:r>
+            <a:r>
+              <a:rPr lang="en-US" sz="2000" dirty="0" err="1" smtClean="0"/>
+              <a:t>thương</a:t>
+            </a:r>
+            <a:r>
+              <a:rPr lang="en-US" sz="2000" dirty="0" smtClean="0"/>
+              <a:t> </a:t>
+            </a:r>
+            <a:r>
+              <a:rPr lang="en-US" sz="2000" dirty="0" err="1" smtClean="0"/>
+              <a:t>mại</a:t>
+            </a:r>
+            <a:r>
+              <a:rPr lang="en-US" sz="2000" dirty="0" smtClean="0"/>
+              <a:t> </a:t>
+            </a:r>
+            <a:r>
+              <a:rPr lang="en-US" sz="2000" dirty="0" err="1" smtClean="0"/>
+              <a:t>điện</a:t>
+            </a:r>
+            <a:r>
+              <a:rPr lang="en-US" sz="2000" dirty="0" smtClean="0"/>
+              <a:t> </a:t>
+            </a:r>
+            <a:r>
+              <a:rPr lang="en-US" sz="2000" dirty="0" err="1" smtClean="0"/>
+              <a:t>tử</a:t>
+            </a:r>
+            <a:r>
+              <a:rPr lang="en-US" sz="2000" dirty="0" smtClean="0"/>
+              <a:t> </a:t>
+            </a:r>
+            <a:r>
+              <a:rPr lang="en-US" sz="2000" dirty="0" err="1" smtClean="0"/>
+              <a:t>mới</a:t>
+            </a:r>
+            <a:r>
+              <a:rPr lang="en-US" sz="2000" dirty="0" smtClean="0"/>
+              <a:t> </a:t>
+            </a:r>
+            <a:r>
+              <a:rPr lang="en-US" sz="2000" dirty="0" err="1" smtClean="0"/>
+              <a:t>để</a:t>
+            </a:r>
+            <a:r>
+              <a:rPr lang="en-US" sz="2000" dirty="0" smtClean="0"/>
+              <a:t> </a:t>
+            </a:r>
+            <a:r>
+              <a:rPr lang="en-US" sz="2000" dirty="0" err="1" smtClean="0"/>
+              <a:t>thay</a:t>
+            </a:r>
+            <a:r>
+              <a:rPr lang="en-US" sz="2000" dirty="0" smtClean="0"/>
+              <a:t> </a:t>
+            </a:r>
+            <a:r>
+              <a:rPr lang="en-US" sz="2000" dirty="0" err="1" smtClean="0"/>
+              <a:t>thế</a:t>
+            </a:r>
+            <a:r>
+              <a:rPr lang="en-US" sz="2000" dirty="0" smtClean="0"/>
+              <a:t> </a:t>
+            </a:r>
+            <a:r>
+              <a:rPr lang="en-US" sz="2000" dirty="0" err="1" smtClean="0"/>
+              <a:t>hệ</a:t>
+            </a:r>
+            <a:r>
+              <a:rPr lang="en-US" sz="2000" dirty="0" smtClean="0"/>
+              <a:t> </a:t>
+            </a:r>
+            <a:r>
+              <a:rPr lang="en-US" sz="2000" dirty="0" err="1" smtClean="0"/>
+              <a:t>thông</a:t>
+            </a:r>
+            <a:r>
+              <a:rPr lang="en-US" sz="2000" dirty="0" smtClean="0"/>
+              <a:t> website </a:t>
+            </a:r>
+            <a:r>
+              <a:rPr lang="en-US" sz="2000" dirty="0" err="1" smtClean="0"/>
+              <a:t>cũ</a:t>
+            </a:r>
+            <a:r>
+              <a:rPr lang="en-US" sz="2000" dirty="0"/>
+              <a:t> </a:t>
+            </a:r>
+            <a:r>
+              <a:rPr lang="en-US" sz="2000" dirty="0" err="1" smtClean="0"/>
+              <a:t>chậm</a:t>
+            </a:r>
+            <a:r>
+              <a:rPr lang="en-US" sz="2000" dirty="0" smtClean="0"/>
+              <a:t> </a:t>
+            </a:r>
+            <a:r>
+              <a:rPr lang="en-US" sz="2000" dirty="0" err="1" smtClean="0"/>
+              <a:t>chạp</a:t>
+            </a:r>
+            <a:r>
+              <a:rPr lang="en-US" sz="2000" dirty="0" smtClean="0"/>
+              <a:t>, </a:t>
+            </a:r>
+            <a:r>
+              <a:rPr lang="en-US" sz="2000" dirty="0" err="1" smtClean="0"/>
+              <a:t>khó</a:t>
+            </a:r>
+            <a:r>
+              <a:rPr lang="en-US" sz="2000" dirty="0" smtClean="0"/>
+              <a:t> </a:t>
+            </a:r>
+            <a:r>
+              <a:rPr lang="en-US" sz="2000" dirty="0" err="1" smtClean="0"/>
+              <a:t>sử</a:t>
+            </a:r>
+            <a:r>
+              <a:rPr lang="en-US" sz="2000" dirty="0" smtClean="0"/>
+              <a:t> </a:t>
+            </a:r>
+            <a:r>
+              <a:rPr lang="en-US" sz="2000" dirty="0" err="1" smtClean="0"/>
+              <a:t>dụng</a:t>
+            </a:r>
+            <a:r>
+              <a:rPr lang="en-US" sz="2000" dirty="0" smtClean="0"/>
+              <a:t>.</a:t>
+            </a:r>
           </a:p>
         </p:txBody>
       </p:sp>
     </p:spTree>
     <p:extLst>
       <p:ext uri="{BB962C8B-B14F-4D97-AF65-F5344CB8AC3E}">
-        <p14:creationId xmlns:p14="http://schemas.microsoft.com/office/powerpoint/2010/main" val="3500346275"/>
+        <p14:creationId xmlns:p14="http://schemas.microsoft.com/office/powerpoint/2010/main" val="1743539523"/>
       </p:ext>
     </p:extLst>
   </p:cSld>
@@ -15957,7 +15590,7 @@
             <a:pPr algn="ctr"/>
             <a:r>
               <a:rPr lang="en-US" b="1" dirty="0" smtClean="0"/>
-              <a:t>CÔNG NGHỆ &amp; CÔNG CỤ</a:t>
+              <a:t>TỔNG QUAN DỰ ÁN</a:t>
             </a:r>
             <a:endParaRPr lang="en-US" b="1" dirty="0"/>
           </a:p>
@@ -15973,21 +15606,14 @@
             <p:ph idx="1"/>
           </p:nvPr>
         </p:nvSpPr>
-        <p:spPr>
-          <a:xfrm>
-            <a:off x="965221" y="2372138"/>
-            <a:ext cx="11226779" cy="4241163"/>
-          </a:xfrm>
-        </p:spPr>
+        <p:spPr/>
         <p:txBody>
-          <a:bodyPr>
-            <a:normAutofit/>
-          </a:bodyPr>
+          <a:bodyPr/>
           <a:lstStyle/>
           <a:p>
             <a:r>
               <a:rPr lang="en-US" sz="2000" dirty="0" err="1" smtClean="0"/>
-              <a:t>Phần</a:t>
+              <a:t>Dự</a:t>
             </a:r>
             <a:r>
               <a:rPr lang="en-US" sz="2000" dirty="0" smtClean="0"/>
@@ -15995,7 +15621,166 @@
             </a:r>
             <a:r>
               <a:rPr lang="en-US" sz="2000" dirty="0" err="1" smtClean="0"/>
-              <a:t>mềm</a:t>
+              <a:t>án</a:t>
+            </a:r>
+            <a:r>
+              <a:rPr lang="en-US" sz="2000" dirty="0" smtClean="0"/>
+              <a:t> online shopping website </a:t>
+            </a:r>
+            <a:r>
+              <a:rPr lang="en-US" sz="2000" dirty="0" err="1" smtClean="0"/>
+              <a:t>là</a:t>
+            </a:r>
+            <a:r>
+              <a:rPr lang="en-US" sz="2000" dirty="0" smtClean="0"/>
+              <a:t> 1 </a:t>
+            </a:r>
+            <a:r>
+              <a:rPr lang="en-US" sz="2000" dirty="0" err="1" smtClean="0"/>
+              <a:t>dự</a:t>
+            </a:r>
+            <a:r>
+              <a:rPr lang="en-US" sz="2000" dirty="0" smtClean="0"/>
+              <a:t> </a:t>
+            </a:r>
+            <a:r>
+              <a:rPr lang="en-US" sz="2000" dirty="0" err="1" smtClean="0"/>
+              <a:t>án</a:t>
+            </a:r>
+            <a:r>
+              <a:rPr lang="en-US" sz="2000" dirty="0" smtClean="0"/>
+              <a:t> </a:t>
+            </a:r>
+            <a:r>
+              <a:rPr lang="en-US" sz="2000" dirty="0" err="1" smtClean="0"/>
+              <a:t>trọng</a:t>
+            </a:r>
+            <a:r>
+              <a:rPr lang="en-US" sz="2000" dirty="0" smtClean="0"/>
+              <a:t> </a:t>
+            </a:r>
+            <a:r>
+              <a:rPr lang="en-US" sz="2000" dirty="0" err="1" smtClean="0"/>
+              <a:t>điểm</a:t>
+            </a:r>
+            <a:r>
+              <a:rPr lang="en-US" sz="2000" dirty="0" smtClean="0"/>
+              <a:t> </a:t>
+            </a:r>
+            <a:r>
+              <a:rPr lang="en-US" sz="2000" dirty="0" err="1" smtClean="0"/>
+              <a:t>quan</a:t>
+            </a:r>
+            <a:r>
+              <a:rPr lang="en-US" sz="2000" dirty="0" smtClean="0"/>
+              <a:t> </a:t>
+            </a:r>
+            <a:r>
+              <a:rPr lang="en-US" sz="2000" dirty="0" err="1" smtClean="0"/>
+              <a:t>trọng</a:t>
+            </a:r>
+            <a:r>
+              <a:rPr lang="en-US" sz="2000" dirty="0" smtClean="0"/>
+              <a:t> </a:t>
+            </a:r>
+            <a:r>
+              <a:rPr lang="en-US" sz="2000" dirty="0" err="1" smtClean="0"/>
+              <a:t>đối</a:t>
+            </a:r>
+            <a:r>
+              <a:rPr lang="en-US" sz="2000" dirty="0" smtClean="0"/>
+              <a:t> </a:t>
+            </a:r>
+            <a:r>
+              <a:rPr lang="en-US" sz="2000" dirty="0" err="1" smtClean="0"/>
+              <a:t>với</a:t>
+            </a:r>
+            <a:r>
+              <a:rPr lang="en-US" sz="2000" dirty="0" smtClean="0"/>
+              <a:t> </a:t>
+            </a:r>
+            <a:r>
+              <a:rPr lang="en-US" sz="2000" dirty="0" err="1" smtClean="0"/>
+              <a:t>công</a:t>
+            </a:r>
+            <a:r>
+              <a:rPr lang="en-US" sz="2000" dirty="0" smtClean="0"/>
+              <a:t> </a:t>
+            </a:r>
+            <a:r>
+              <a:rPr lang="en-US" sz="2000" dirty="0" err="1" smtClean="0"/>
+              <a:t>ty</a:t>
+            </a:r>
+            <a:endParaRPr lang="en-US" sz="2000" dirty="0" smtClean="0"/>
+          </a:p>
+          <a:p>
+            <a:r>
+              <a:rPr lang="en-US" sz="2000" dirty="0" err="1" smtClean="0"/>
+              <a:t>Cung</a:t>
+            </a:r>
+            <a:r>
+              <a:rPr lang="en-US" sz="2000" dirty="0" smtClean="0"/>
+              <a:t> </a:t>
+            </a:r>
+            <a:r>
+              <a:rPr lang="en-US" sz="2000" dirty="0" err="1" smtClean="0"/>
+              <a:t>cấp</a:t>
+            </a:r>
+            <a:r>
+              <a:rPr lang="en-US" sz="2000" dirty="0" smtClean="0"/>
+              <a:t> </a:t>
+            </a:r>
+            <a:r>
+              <a:rPr lang="en-US" sz="2000" dirty="0" err="1" smtClean="0"/>
+              <a:t>đầy</a:t>
+            </a:r>
+            <a:r>
+              <a:rPr lang="en-US" sz="2000" dirty="0" smtClean="0"/>
+              <a:t> </a:t>
+            </a:r>
+            <a:r>
+              <a:rPr lang="en-US" sz="2000" dirty="0" err="1" smtClean="0"/>
+              <a:t>đủ</a:t>
+            </a:r>
+            <a:r>
+              <a:rPr lang="en-US" sz="2000" dirty="0" smtClean="0"/>
+              <a:t> </a:t>
+            </a:r>
+            <a:r>
+              <a:rPr lang="en-US" sz="2000" dirty="0" err="1" smtClean="0"/>
+              <a:t>các</a:t>
+            </a:r>
+            <a:r>
+              <a:rPr lang="en-US" sz="2000" dirty="0" smtClean="0"/>
+              <a:t> </a:t>
+            </a:r>
+            <a:r>
+              <a:rPr lang="en-US" sz="2000" dirty="0" err="1" smtClean="0"/>
+              <a:t>dịch</a:t>
+            </a:r>
+            <a:r>
+              <a:rPr lang="en-US" sz="2000" dirty="0" smtClean="0"/>
+              <a:t> </a:t>
+            </a:r>
+            <a:r>
+              <a:rPr lang="en-US" sz="2000" dirty="0" err="1" smtClean="0"/>
+              <a:t>vụ</a:t>
+            </a:r>
+            <a:r>
+              <a:rPr lang="en-US" sz="2000" dirty="0" smtClean="0"/>
+              <a:t> </a:t>
+            </a:r>
+            <a:r>
+              <a:rPr lang="en-US" sz="2000" dirty="0" err="1" smtClean="0"/>
+              <a:t>tiêu</a:t>
+            </a:r>
+            <a:r>
+              <a:rPr lang="en-US" sz="2000" dirty="0" smtClean="0"/>
+              <a:t> </a:t>
+            </a:r>
+            <a:r>
+              <a:rPr lang="en-US" sz="2000" dirty="0" err="1" smtClean="0"/>
+              <a:t>chuẩn</a:t>
             </a:r>
             <a:r>
               <a:rPr lang="en-US" sz="2000" dirty="0" smtClean="0"/>
@@ -16007,11 +15792,11 @@
             </a:r>
             <a:r>
               <a:rPr lang="en-US" sz="2000" dirty="0" smtClean="0"/>
-              <a:t> </a:t>
+              <a:t> 1 web </a:t>
             </a:r>
             <a:r>
               <a:rPr lang="en-US" sz="2000" dirty="0" err="1" smtClean="0"/>
-              <a:t>dự</a:t>
+              <a:t>thương</a:t>
             </a:r>
             <a:r>
               <a:rPr lang="en-US" sz="2000" dirty="0" smtClean="0"/>
@@ -16019,7 +15804,7 @@
             </a:r>
             <a:r>
               <a:rPr lang="en-US" sz="2000" dirty="0" err="1" smtClean="0"/>
-              <a:t>án</a:t>
+              <a:t>mại</a:t>
             </a:r>
             <a:r>
               <a:rPr lang="en-US" sz="2000" dirty="0" smtClean="0"/>
@@ -16027,7 +15812,7 @@
             </a:r>
             <a:r>
               <a:rPr lang="en-US" sz="2000" dirty="0" err="1" smtClean="0"/>
-              <a:t>sử</a:t>
+              <a:t>điện</a:t>
             </a:r>
             <a:r>
               <a:rPr lang="en-US" sz="2000" dirty="0" smtClean="0"/>
@@ -16035,309 +15820,285 @@
             </a:r>
             <a:r>
               <a:rPr lang="en-US" sz="2000" dirty="0" err="1" smtClean="0"/>
-              <a:t>dụng</a:t>
-            </a:r>
-            <a:r>
-              <a:rPr lang="en-US" sz="2000" dirty="0" smtClean="0"/>
-              <a:t> </a:t>
-            </a:r>
-            <a:r>
-              <a:rPr lang="en-US" sz="2000" dirty="0" err="1" smtClean="0"/>
-              <a:t>ngôn</a:t>
-            </a:r>
-            <a:r>
-              <a:rPr lang="en-US" sz="2000" dirty="0" smtClean="0"/>
-              <a:t> </a:t>
-            </a:r>
-            <a:r>
-              <a:rPr lang="en-US" sz="2000" dirty="0" err="1" smtClean="0"/>
-              <a:t>ngữ</a:t>
-            </a:r>
-            <a:r>
-              <a:rPr lang="en-US" sz="2000" dirty="0" smtClean="0"/>
-              <a:t> </a:t>
-            </a:r>
-            <a:r>
-              <a:rPr lang="en-US" sz="2000" dirty="0" err="1" smtClean="0"/>
-              <a:t>lập</a:t>
-            </a:r>
-            <a:r>
-              <a:rPr lang="en-US" sz="2000" dirty="0" smtClean="0"/>
-              <a:t> </a:t>
-            </a:r>
-            <a:r>
-              <a:rPr lang="en-US" sz="2000" dirty="0" err="1" smtClean="0"/>
-              <a:t>trình</a:t>
-            </a:r>
-            <a:r>
-              <a:rPr lang="en-US" sz="2000" dirty="0" smtClean="0"/>
-              <a:t> </a:t>
-            </a:r>
-            <a:r>
-              <a:rPr lang="en-US" sz="2000" dirty="0" err="1" smtClean="0"/>
-              <a:t>chính</a:t>
-            </a:r>
-            <a:r>
-              <a:rPr lang="en-US" sz="2000" dirty="0" smtClean="0"/>
-              <a:t> </a:t>
-            </a:r>
-            <a:r>
-              <a:rPr lang="en-US" sz="2000" dirty="0" err="1" smtClean="0"/>
-              <a:t>là</a:t>
-            </a:r>
-            <a:r>
-              <a:rPr lang="en-US" sz="2000" dirty="0" smtClean="0"/>
-              <a:t> C# </a:t>
-            </a:r>
-          </a:p>
-          <a:p>
-            <a:r>
-              <a:rPr lang="en-US" sz="2000" dirty="0" smtClean="0"/>
-              <a:t>HTML5/CS3 </a:t>
-            </a:r>
-            <a:r>
-              <a:rPr lang="en-US" sz="2000" dirty="0" err="1" smtClean="0"/>
+              <a:t>tử</a:t>
+            </a:r>
+            <a:endParaRPr lang="en-US" sz="2000" dirty="0" smtClean="0"/>
+          </a:p>
+          <a:p>
+            <a:r>
+              <a:rPr lang="en-US" dirty="0" err="1" smtClean="0"/>
+              <a:t>Đề</a:t>
+            </a:r>
+            <a:r>
+              <a:rPr lang="en-US" dirty="0" smtClean="0"/>
+              <a:t> </a:t>
+            </a:r>
+            <a:r>
+              <a:rPr lang="en-US" dirty="0" err="1" smtClean="0"/>
+              <a:t>ra</a:t>
+            </a:r>
+            <a:r>
+              <a:rPr lang="en-US" dirty="0" smtClean="0"/>
+              <a:t> </a:t>
+            </a:r>
+            <a:r>
+              <a:rPr lang="en-US" dirty="0" err="1" smtClean="0"/>
+              <a:t>giải</a:t>
+            </a:r>
+            <a:r>
+              <a:rPr lang="en-US" dirty="0" smtClean="0"/>
+              <a:t> </a:t>
+            </a:r>
+            <a:r>
+              <a:rPr lang="en-US" dirty="0" err="1" smtClean="0"/>
+              <a:t>pháp</a:t>
+            </a:r>
+            <a:r>
+              <a:rPr lang="en-US" dirty="0" smtClean="0"/>
+              <a:t> </a:t>
+            </a:r>
+            <a:r>
+              <a:rPr lang="en-US" dirty="0" err="1"/>
+              <a:t>n</a:t>
+            </a:r>
+            <a:r>
+              <a:rPr lang="en-US" dirty="0" err="1" smtClean="0"/>
+              <a:t>âng</a:t>
+            </a:r>
+            <a:r>
+              <a:rPr lang="en-US" dirty="0" smtClean="0"/>
+              <a:t> </a:t>
+            </a:r>
+            <a:r>
+              <a:rPr lang="en-US" dirty="0" err="1" smtClean="0"/>
+              <a:t>cao</a:t>
+            </a:r>
+            <a:r>
+              <a:rPr lang="en-US" dirty="0" smtClean="0"/>
+              <a:t> </a:t>
+            </a:r>
+            <a:r>
+              <a:rPr lang="en-US" dirty="0" err="1" smtClean="0"/>
+              <a:t>hiệu</a:t>
+            </a:r>
+            <a:r>
+              <a:rPr lang="en-US" dirty="0" smtClean="0"/>
+              <a:t> </a:t>
+            </a:r>
+            <a:r>
+              <a:rPr lang="en-US" dirty="0" err="1" smtClean="0"/>
+              <a:t>suất</a:t>
+            </a:r>
+            <a:r>
+              <a:rPr lang="en-US" dirty="0" smtClean="0"/>
+              <a:t> </a:t>
+            </a:r>
+            <a:r>
+              <a:rPr lang="en-US" dirty="0" err="1" smtClean="0"/>
+              <a:t>của</a:t>
+            </a:r>
+            <a:r>
+              <a:rPr lang="en-US" dirty="0" smtClean="0"/>
+              <a:t> </a:t>
+            </a:r>
+            <a:r>
+              <a:rPr lang="en-US" dirty="0" err="1" smtClean="0"/>
+              <a:t>hệ</a:t>
+            </a:r>
+            <a:r>
+              <a:rPr lang="en-US" dirty="0" smtClean="0"/>
+              <a:t> </a:t>
+            </a:r>
+            <a:r>
+              <a:rPr lang="en-US" dirty="0" err="1" smtClean="0"/>
+              <a:t>thống</a:t>
+            </a:r>
+            <a:r>
+              <a:rPr lang="en-US" dirty="0" smtClean="0"/>
+              <a:t> so </a:t>
+            </a:r>
+            <a:r>
+              <a:rPr lang="en-US" dirty="0" err="1" smtClean="0"/>
+              <a:t>với</a:t>
+            </a:r>
+            <a:r>
+              <a:rPr lang="en-US" dirty="0" smtClean="0"/>
+              <a:t> </a:t>
+            </a:r>
+            <a:r>
+              <a:rPr lang="en-US" dirty="0" err="1" smtClean="0"/>
+              <a:t>hệ</a:t>
+            </a:r>
+            <a:r>
+              <a:rPr lang="en-US" dirty="0" smtClean="0"/>
+              <a:t> </a:t>
+            </a:r>
+            <a:r>
+              <a:rPr lang="en-US" dirty="0" err="1" smtClean="0"/>
+              <a:t>thống</a:t>
+            </a:r>
+            <a:r>
+              <a:rPr lang="en-US" dirty="0" smtClean="0"/>
+              <a:t> </a:t>
+            </a:r>
+            <a:r>
+              <a:rPr lang="en-US" dirty="0" err="1" smtClean="0"/>
+              <a:t>cũ</a:t>
+            </a:r>
+            <a:r>
+              <a:rPr lang="en-US" dirty="0" smtClean="0"/>
+              <a:t> </a:t>
+            </a:r>
+            <a:r>
+              <a:rPr lang="en-US" dirty="0" err="1" smtClean="0"/>
+              <a:t>chậm</a:t>
+            </a:r>
+            <a:r>
+              <a:rPr lang="en-US" dirty="0" smtClean="0"/>
+              <a:t> </a:t>
+            </a:r>
+            <a:r>
+              <a:rPr lang="en-US" dirty="0" err="1" smtClean="0"/>
+              <a:t>chạp</a:t>
+            </a:r>
+            <a:endParaRPr lang="en-US" dirty="0" smtClean="0"/>
+          </a:p>
+          <a:p>
+            <a:r>
+              <a:rPr lang="en-US" dirty="0" err="1"/>
+              <a:t>Nhằm</a:t>
+            </a:r>
+            <a:r>
+              <a:rPr lang="en-US" dirty="0"/>
+              <a:t> </a:t>
+            </a:r>
+            <a:r>
+              <a:rPr lang="en-US" dirty="0" err="1"/>
+              <a:t>nâng</a:t>
+            </a:r>
+            <a:r>
+              <a:rPr lang="en-US" dirty="0"/>
+              <a:t> </a:t>
+            </a:r>
+            <a:r>
+              <a:rPr lang="en-US" dirty="0" err="1"/>
+              <a:t>cao</a:t>
+            </a:r>
+            <a:r>
+              <a:rPr lang="en-US" dirty="0"/>
+              <a:t> </a:t>
+            </a:r>
+            <a:r>
+              <a:rPr lang="en-US" dirty="0" err="1"/>
+              <a:t>chất</a:t>
+            </a:r>
+            <a:r>
+              <a:rPr lang="en-US" dirty="0"/>
+              <a:t> </a:t>
+            </a:r>
+            <a:r>
+              <a:rPr lang="en-US" dirty="0" err="1"/>
+              <a:t>lượng</a:t>
+            </a:r>
+            <a:r>
+              <a:rPr lang="en-US" dirty="0"/>
+              <a:t> </a:t>
+            </a:r>
+            <a:r>
+              <a:rPr lang="en-US" dirty="0" err="1"/>
+              <a:t>trong</a:t>
+            </a:r>
+            <a:r>
+              <a:rPr lang="en-US" dirty="0"/>
+              <a:t> </a:t>
+            </a:r>
+            <a:r>
+              <a:rPr lang="en-US" dirty="0" err="1"/>
+              <a:t>kinh</a:t>
+            </a:r>
+            <a:r>
+              <a:rPr lang="en-US" dirty="0"/>
+              <a:t> </a:t>
+            </a:r>
+            <a:r>
+              <a:rPr lang="en-US" dirty="0" err="1"/>
+              <a:t>doanh</a:t>
+            </a:r>
+            <a:r>
+              <a:rPr lang="en-US" dirty="0"/>
+              <a:t> </a:t>
+            </a:r>
+            <a:r>
+              <a:rPr lang="en-US" dirty="0" err="1"/>
               <a:t>để</a:t>
             </a:r>
             <a:r>
-              <a:rPr lang="en-US" sz="2000" dirty="0" smtClean="0"/>
-              <a:t> </a:t>
-            </a:r>
-            <a:r>
-              <a:rPr lang="en-US" sz="2000" dirty="0" err="1" smtClean="0"/>
-              <a:t>làm</a:t>
-            </a:r>
-            <a:r>
-              <a:rPr lang="en-US" sz="2000" dirty="0" smtClean="0"/>
-              <a:t> front-end </a:t>
-            </a:r>
-            <a:r>
-              <a:rPr lang="en-US" sz="2000" dirty="0" err="1" smtClean="0"/>
-              <a:t>hệ</a:t>
-            </a:r>
-            <a:r>
-              <a:rPr lang="en-US" sz="2000" dirty="0" smtClean="0"/>
-              <a:t> </a:t>
-            </a:r>
-            <a:r>
-              <a:rPr lang="en-US" sz="2000" dirty="0" err="1" smtClean="0"/>
-              <a:t>thống</a:t>
-            </a:r>
-            <a:endParaRPr lang="en-US" sz="2000" dirty="0" smtClean="0"/>
-          </a:p>
-          <a:p>
-            <a:r>
-              <a:rPr lang="en-US" sz="2000" dirty="0" smtClean="0"/>
-              <a:t>SQL server </a:t>
-            </a:r>
-            <a:r>
-              <a:rPr lang="en-US" sz="2000" dirty="0" err="1" smtClean="0"/>
-              <a:t>để</a:t>
-            </a:r>
-            <a:r>
-              <a:rPr lang="en-US" sz="2000" dirty="0" smtClean="0"/>
-              <a:t> </a:t>
-            </a:r>
-            <a:r>
-              <a:rPr lang="en-US" sz="2000" dirty="0" err="1" smtClean="0"/>
-              <a:t>quản</a:t>
-            </a:r>
-            <a:r>
-              <a:rPr lang="en-US" sz="2000" dirty="0" smtClean="0"/>
-              <a:t> </a:t>
-            </a:r>
-            <a:r>
-              <a:rPr lang="en-US" sz="2000" dirty="0" err="1" smtClean="0"/>
-              <a:t>trị</a:t>
-            </a:r>
-            <a:r>
-              <a:rPr lang="en-US" sz="2000" dirty="0" smtClean="0"/>
-              <a:t> </a:t>
-            </a:r>
-            <a:r>
-              <a:rPr lang="en-US" sz="2000" dirty="0" err="1" smtClean="0"/>
-              <a:t>dữ</a:t>
-            </a:r>
-            <a:r>
-              <a:rPr lang="en-US" sz="2000" dirty="0" smtClean="0"/>
-              <a:t> </a:t>
-            </a:r>
-            <a:r>
-              <a:rPr lang="en-US" sz="2000" dirty="0" err="1" smtClean="0"/>
-              <a:t>liệu</a:t>
-            </a:r>
-            <a:r>
-              <a:rPr lang="en-US" sz="2000" dirty="0" smtClean="0"/>
-              <a:t> </a:t>
-            </a:r>
-          </a:p>
-          <a:p>
-            <a:r>
-              <a:rPr lang="en-US" sz="2000" dirty="0" smtClean="0"/>
-              <a:t>Tool </a:t>
-            </a:r>
-            <a:r>
-              <a:rPr lang="en-US" sz="2000" dirty="0" err="1" smtClean="0"/>
-              <a:t>chính</a:t>
-            </a:r>
-            <a:r>
-              <a:rPr lang="en-US" sz="2000" dirty="0" smtClean="0"/>
-              <a:t> </a:t>
-            </a:r>
-            <a:r>
-              <a:rPr lang="en-US" sz="2000" dirty="0" err="1" smtClean="0"/>
-              <a:t>để</a:t>
-            </a:r>
-            <a:r>
-              <a:rPr lang="en-US" sz="2000" dirty="0" smtClean="0"/>
-              <a:t> </a:t>
-            </a:r>
-            <a:r>
-              <a:rPr lang="en-US" sz="2000" dirty="0" err="1" smtClean="0"/>
-              <a:t>viết</a:t>
-            </a:r>
-            <a:r>
-              <a:rPr lang="en-US" sz="2000" dirty="0" smtClean="0"/>
-              <a:t> code </a:t>
-            </a:r>
-            <a:r>
-              <a:rPr lang="en-US" sz="2000" dirty="0" err="1" smtClean="0"/>
+              <a:rPr lang="en-US" dirty="0"/>
+              <a:t> </a:t>
+            </a:r>
+            <a:r>
+              <a:rPr lang="en-US" dirty="0" err="1"/>
+              <a:t>đáp</a:t>
+            </a:r>
+            <a:r>
+              <a:rPr lang="en-US" dirty="0"/>
+              <a:t> </a:t>
+            </a:r>
+            <a:r>
+              <a:rPr lang="en-US" dirty="0" err="1"/>
+              <a:t>ứng</a:t>
+            </a:r>
+            <a:r>
+              <a:rPr lang="en-US" dirty="0"/>
+              <a:t> </a:t>
+            </a:r>
+            <a:r>
+              <a:rPr lang="en-US" dirty="0" err="1"/>
+              <a:t>nhu</a:t>
+            </a:r>
+            <a:r>
+              <a:rPr lang="en-US" dirty="0"/>
+              <a:t> </a:t>
+            </a:r>
+            <a:r>
+              <a:rPr lang="en-US" dirty="0" err="1"/>
+              <a:t>cầu</a:t>
+            </a:r>
+            <a:r>
+              <a:rPr lang="en-US" dirty="0"/>
+              <a:t> </a:t>
+            </a:r>
+            <a:r>
+              <a:rPr lang="en-US" dirty="0" err="1"/>
               <a:t>của</a:t>
             </a:r>
             <a:r>
-              <a:rPr lang="en-US" sz="2000" dirty="0" smtClean="0"/>
-              <a:t> </a:t>
-            </a:r>
-            <a:r>
-              <a:rPr lang="en-US" sz="2000" dirty="0" err="1" smtClean="0"/>
-              <a:t>phần</a:t>
-            </a:r>
-            <a:r>
-              <a:rPr lang="en-US" sz="2000" dirty="0" smtClean="0"/>
-              <a:t> </a:t>
-            </a:r>
-            <a:r>
-              <a:rPr lang="en-US" sz="2000" dirty="0" err="1" smtClean="0"/>
-              <a:t>mềm</a:t>
-            </a:r>
-            <a:r>
-              <a:rPr lang="en-US" sz="2000" dirty="0" smtClean="0"/>
-              <a:t> </a:t>
-            </a:r>
-            <a:r>
-              <a:rPr lang="en-US" sz="2000" dirty="0" err="1" smtClean="0"/>
-              <a:t>hệ</a:t>
-            </a:r>
-            <a:r>
-              <a:rPr lang="en-US" sz="2000" dirty="0" smtClean="0"/>
-              <a:t> </a:t>
-            </a:r>
-            <a:r>
-              <a:rPr lang="en-US" sz="2000" dirty="0" err="1" smtClean="0"/>
-              <a:t>thống</a:t>
-            </a:r>
-            <a:r>
-              <a:rPr lang="en-US" sz="2000" dirty="0" smtClean="0"/>
-              <a:t> :  Virtual Studio</a:t>
-            </a:r>
-            <a:endParaRPr lang="en-US" sz="2000" dirty="0"/>
+              <a:rPr lang="en-US" dirty="0"/>
+              <a:t> </a:t>
+            </a:r>
+            <a:r>
+              <a:rPr lang="en-US" dirty="0" err="1"/>
+              <a:t>thị</a:t>
+            </a:r>
+            <a:r>
+              <a:rPr lang="en-US" dirty="0"/>
+              <a:t> </a:t>
+            </a:r>
+            <a:r>
+              <a:rPr lang="en-US" dirty="0" err="1"/>
+              <a:t>trường</a:t>
+            </a:r>
+            <a:endParaRPr lang="en-US" dirty="0"/>
+          </a:p>
+          <a:p>
+            <a:endParaRPr lang="en-US" dirty="0" smtClean="0"/>
           </a:p>
         </p:txBody>
       </p:sp>
-      <p:pic>
-        <p:nvPicPr>
-          <p:cNvPr id="4" name="Picture 3"/>
-          <p:cNvPicPr>
-            <a:picLocks noChangeAspect="1"/>
-          </p:cNvPicPr>
-          <p:nvPr/>
-        </p:nvPicPr>
-        <p:blipFill>
-          <a:blip r:embed="rId2">
-            <a:extLst>
-              <a:ext uri="{28A0092B-C50C-407E-A947-70E740481C1C}">
-                <a14:useLocalDpi xmlns:a14="http://schemas.microsoft.com/office/drawing/2010/main" val="0"/>
-              </a:ext>
-            </a:extLst>
-          </a:blip>
-          <a:stretch>
-            <a:fillRect/>
-          </a:stretch>
-        </p:blipFill>
-        <p:spPr>
-          <a:xfrm>
-            <a:off x="2516819" y="4226001"/>
-            <a:ext cx="2149040" cy="2149040"/>
-          </a:xfrm>
-          <a:prstGeom prst="rect">
-            <a:avLst/>
-          </a:prstGeom>
-        </p:spPr>
-      </p:pic>
-      <p:pic>
-        <p:nvPicPr>
-          <p:cNvPr id="5" name="Picture 4"/>
-          <p:cNvPicPr>
-            <a:picLocks noChangeAspect="1"/>
-          </p:cNvPicPr>
-          <p:nvPr/>
-        </p:nvPicPr>
-        <p:blipFill>
-          <a:blip r:embed="rId3">
-            <a:extLst>
-              <a:ext uri="{28A0092B-C50C-407E-A947-70E740481C1C}">
-                <a14:useLocalDpi xmlns:a14="http://schemas.microsoft.com/office/drawing/2010/main" val="0"/>
-              </a:ext>
-            </a:extLst>
-          </a:blip>
-          <a:stretch>
-            <a:fillRect/>
-          </a:stretch>
-        </p:blipFill>
-        <p:spPr>
-          <a:xfrm>
-            <a:off x="4665859" y="4226002"/>
-            <a:ext cx="2574790" cy="2149039"/>
-          </a:xfrm>
-          <a:prstGeom prst="rect">
-            <a:avLst/>
-          </a:prstGeom>
-        </p:spPr>
-      </p:pic>
-      <p:pic>
-        <p:nvPicPr>
-          <p:cNvPr id="9" name="Picture 8"/>
-          <p:cNvPicPr>
-            <a:picLocks noChangeAspect="1"/>
-          </p:cNvPicPr>
-          <p:nvPr/>
-        </p:nvPicPr>
-        <p:blipFill>
-          <a:blip r:embed="rId4">
-            <a:extLst>
-              <a:ext uri="{28A0092B-C50C-407E-A947-70E740481C1C}">
-                <a14:useLocalDpi xmlns:a14="http://schemas.microsoft.com/office/drawing/2010/main" val="0"/>
-              </a:ext>
-            </a:extLst>
-          </a:blip>
-          <a:stretch>
-            <a:fillRect/>
-          </a:stretch>
-        </p:blipFill>
-        <p:spPr>
-          <a:xfrm>
-            <a:off x="7240649" y="4226001"/>
-            <a:ext cx="2149040" cy="2149040"/>
-          </a:xfrm>
-          <a:prstGeom prst="rect">
-            <a:avLst/>
-          </a:prstGeom>
-        </p:spPr>
-      </p:pic>
     </p:spTree>
     <p:extLst>
       <p:ext uri="{BB962C8B-B14F-4D97-AF65-F5344CB8AC3E}">
-        <p14:creationId xmlns:p14="http://schemas.microsoft.com/office/powerpoint/2010/main" val="2071458307"/>
+        <p14:creationId xmlns:p14="http://schemas.microsoft.com/office/powerpoint/2010/main" val="1285413249"/>
       </p:ext>
     </p:extLst>
   </p:cSld>
@@ -16398,12 +16159,11 @@
           <a:bodyPr/>
           <a:lstStyle/>
           <a:p>
-            <a:pPr algn="ctr"/>
-            <a:r>
-              <a:rPr lang="en-US" b="1" dirty="0" smtClean="0"/>
-              <a:t>CÔNG NGHỆ &amp; CÔNG CỤ</a:t>
-            </a:r>
-            <a:endParaRPr lang="en-US" b="1" dirty="0"/>
+            <a:r>
+              <a:rPr lang="en-US" dirty="0" smtClean="0"/>
+              <a:t>2.TÍNH KHẢ THI CỦA DỰ ÁN</a:t>
+            </a:r>
+            <a:endParaRPr lang="en-US" dirty="0"/>
           </a:p>
         </p:txBody>
       </p:sp>
@@ -16419,171 +16179,1455 @@
         </p:nvSpPr>
         <p:spPr>
           <a:xfrm>
-            <a:off x="965221" y="2372138"/>
-            <a:ext cx="11226779" cy="4241163"/>
+            <a:off x="1043188" y="2434107"/>
+            <a:ext cx="10212947" cy="4262907"/>
           </a:xfrm>
         </p:spPr>
         <p:txBody>
           <a:bodyPr>
-            <a:normAutofit/>
+            <a:normAutofit lnSpcReduction="10000"/>
           </a:bodyPr>
           <a:lstStyle/>
           <a:p>
-            <a:r>
-              <a:rPr lang="en-US" sz="2000" dirty="0" err="1" smtClean="0"/>
-              <a:t>Quản</a:t>
-            </a:r>
-            <a:r>
-              <a:rPr lang="en-US" sz="2000" dirty="0" smtClean="0"/>
-              <a:t> </a:t>
-            </a:r>
-            <a:r>
-              <a:rPr lang="en-US" sz="2000" dirty="0" err="1" smtClean="0"/>
+            <a:pPr marL="0" indent="0">
+              <a:buNone/>
+            </a:pPr>
+            <a:r>
+              <a:rPr lang="en-US" dirty="0" smtClean="0"/>
+              <a:t>- </a:t>
+            </a:r>
+            <a:r>
+              <a:rPr lang="en-US" dirty="0" err="1" smtClean="0"/>
+              <a:t>Cơ</a:t>
+            </a:r>
+            <a:r>
+              <a:rPr lang="en-US" dirty="0" smtClean="0"/>
+              <a:t> </a:t>
+            </a:r>
+            <a:r>
+              <a:rPr lang="en-US" dirty="0" err="1" smtClean="0"/>
+              <a:t>hội</a:t>
+            </a:r>
+            <a:r>
+              <a:rPr lang="en-US" dirty="0" smtClean="0"/>
+              <a:t> </a:t>
+            </a:r>
+            <a:r>
+              <a:rPr lang="en-US" dirty="0" err="1" smtClean="0"/>
+              <a:t>thành</a:t>
+            </a:r>
+            <a:r>
+              <a:rPr lang="en-US" dirty="0" smtClean="0"/>
+              <a:t> </a:t>
+            </a:r>
+            <a:r>
+              <a:rPr lang="en-US" dirty="0" err="1" smtClean="0"/>
+              <a:t>công</a:t>
+            </a:r>
+            <a:r>
+              <a:rPr lang="en-US" dirty="0" smtClean="0"/>
+              <a:t> </a:t>
+            </a:r>
+            <a:r>
+              <a:rPr lang="en-US" dirty="0" err="1" smtClean="0"/>
+              <a:t>của</a:t>
+            </a:r>
+            <a:r>
+              <a:rPr lang="en-US" dirty="0" smtClean="0"/>
+              <a:t> </a:t>
+            </a:r>
+            <a:r>
+              <a:rPr lang="en-US" dirty="0" err="1" smtClean="0"/>
+              <a:t>dự</a:t>
+            </a:r>
+            <a:r>
+              <a:rPr lang="en-US" dirty="0" smtClean="0"/>
+              <a:t> </a:t>
+            </a:r>
+            <a:r>
+              <a:rPr lang="en-US" dirty="0" err="1" smtClean="0"/>
+              <a:t>án</a:t>
+            </a:r>
+            <a:r>
+              <a:rPr lang="en-US" dirty="0" smtClean="0"/>
+              <a:t> </a:t>
+            </a:r>
+            <a:r>
+              <a:rPr lang="en-US" dirty="0" err="1" smtClean="0"/>
+              <a:t>phụ</a:t>
+            </a:r>
+            <a:r>
+              <a:rPr lang="en-US" dirty="0" smtClean="0"/>
+              <a:t> </a:t>
+            </a:r>
+            <a:r>
+              <a:rPr lang="en-US" dirty="0" err="1" smtClean="0"/>
+              <a:t>thuộc</a:t>
+            </a:r>
+            <a:r>
+              <a:rPr lang="en-US" dirty="0" smtClean="0"/>
+              <a:t> </a:t>
+            </a:r>
+            <a:r>
+              <a:rPr lang="en-US" dirty="0" err="1" smtClean="0"/>
+              <a:t>vào</a:t>
+            </a:r>
+            <a:r>
+              <a:rPr lang="en-US" dirty="0" smtClean="0"/>
+              <a:t> </a:t>
+            </a:r>
+            <a:r>
+              <a:rPr lang="en-US" dirty="0" err="1" smtClean="0"/>
+              <a:t>những</a:t>
+            </a:r>
+            <a:r>
+              <a:rPr lang="en-US" dirty="0" smtClean="0"/>
+              <a:t> </a:t>
+            </a:r>
+            <a:r>
+              <a:rPr lang="en-US" dirty="0" err="1" smtClean="0"/>
+              <a:t>yếu</a:t>
+            </a:r>
+            <a:r>
+              <a:rPr lang="en-US" dirty="0" smtClean="0"/>
+              <a:t> </a:t>
+            </a:r>
+            <a:r>
+              <a:rPr lang="en-US" dirty="0" err="1" smtClean="0"/>
+              <a:t>tố</a:t>
+            </a:r>
+            <a:r>
+              <a:rPr lang="en-US" dirty="0" smtClean="0"/>
+              <a:t> : </a:t>
+            </a:r>
+          </a:p>
+          <a:p>
+            <a:r>
+              <a:rPr lang="en-US" dirty="0" err="1" smtClean="0"/>
+              <a:t>Tính</a:t>
+            </a:r>
+            <a:r>
+              <a:rPr lang="en-US" dirty="0" smtClean="0"/>
+              <a:t> </a:t>
+            </a:r>
+            <a:r>
+              <a:rPr lang="en-US" dirty="0" err="1" smtClean="0"/>
+              <a:t>khả</a:t>
+            </a:r>
+            <a:r>
+              <a:rPr lang="en-US" dirty="0" smtClean="0"/>
+              <a:t> </a:t>
+            </a:r>
+            <a:r>
+              <a:rPr lang="en-US" dirty="0" err="1" smtClean="0"/>
+              <a:t>thi</a:t>
+            </a:r>
+            <a:r>
+              <a:rPr lang="en-US" dirty="0" smtClean="0"/>
+              <a:t> </a:t>
+            </a:r>
+            <a:r>
+              <a:rPr lang="en-US" dirty="0" err="1" smtClean="0"/>
+              <a:t>về</a:t>
+            </a:r>
+            <a:r>
+              <a:rPr lang="en-US" dirty="0" smtClean="0"/>
+              <a:t> </a:t>
+            </a:r>
+            <a:r>
+              <a:rPr lang="en-US" dirty="0" err="1" smtClean="0"/>
+              <a:t>kinh</a:t>
+            </a:r>
+            <a:r>
+              <a:rPr lang="en-US" dirty="0" smtClean="0"/>
+              <a:t> </a:t>
+            </a:r>
+            <a:r>
+              <a:rPr lang="en-US" dirty="0" err="1" smtClean="0"/>
+              <a:t>tế</a:t>
+            </a:r>
+            <a:r>
+              <a:rPr lang="en-US" dirty="0" smtClean="0"/>
+              <a:t> : </a:t>
+            </a:r>
+            <a:r>
+              <a:rPr lang="en-US" dirty="0" err="1" smtClean="0"/>
+              <a:t>Gia</a:t>
+            </a:r>
+            <a:r>
+              <a:rPr lang="en-US" dirty="0" smtClean="0"/>
+              <a:t> </a:t>
+            </a:r>
+            <a:r>
+              <a:rPr lang="en-US" dirty="0" err="1" smtClean="0"/>
+              <a:t>công</a:t>
+            </a:r>
+            <a:r>
+              <a:rPr lang="en-US" dirty="0" smtClean="0"/>
+              <a:t> </a:t>
+            </a:r>
+            <a:r>
+              <a:rPr lang="en-US" dirty="0" err="1" smtClean="0"/>
+              <a:t>phần</a:t>
+            </a:r>
+            <a:r>
+              <a:rPr lang="en-US" dirty="0" smtClean="0"/>
+              <a:t> </a:t>
+            </a:r>
+            <a:r>
+              <a:rPr lang="en-US" dirty="0" err="1" smtClean="0"/>
+              <a:t>mềm</a:t>
+            </a:r>
+            <a:r>
+              <a:rPr lang="en-US" dirty="0" smtClean="0"/>
+              <a:t>, </a:t>
+            </a:r>
+            <a:r>
+              <a:rPr lang="en-US" dirty="0" err="1" smtClean="0"/>
+              <a:t>kinh</a:t>
+            </a:r>
+            <a:r>
+              <a:rPr lang="en-US" dirty="0" smtClean="0"/>
+              <a:t> </a:t>
+            </a:r>
+            <a:r>
+              <a:rPr lang="en-US" dirty="0" err="1" smtClean="0"/>
+              <a:t>doanh</a:t>
+            </a:r>
+            <a:r>
+              <a:rPr lang="en-US" dirty="0" smtClean="0"/>
+              <a:t> </a:t>
+            </a:r>
+            <a:r>
+              <a:rPr lang="en-US" dirty="0" err="1" smtClean="0"/>
+              <a:t>chính</a:t>
+            </a:r>
+            <a:r>
+              <a:rPr lang="en-US" dirty="0" smtClean="0"/>
+              <a:t> qua </a:t>
+            </a:r>
+            <a:r>
+              <a:rPr lang="en-US" dirty="0" err="1" smtClean="0"/>
+              <a:t>mạng</a:t>
+            </a:r>
+            <a:r>
+              <a:rPr lang="en-US" dirty="0" smtClean="0"/>
+              <a:t> </a:t>
+            </a:r>
+            <a:r>
+              <a:rPr lang="en-US" dirty="0" err="1" smtClean="0"/>
+              <a:t>nên</a:t>
+            </a:r>
+            <a:r>
+              <a:rPr lang="en-US" dirty="0" smtClean="0"/>
+              <a:t> </a:t>
+            </a:r>
+            <a:r>
+              <a:rPr lang="en-US" dirty="0" err="1" smtClean="0"/>
+              <a:t>không</a:t>
+            </a:r>
+            <a:r>
+              <a:rPr lang="en-US" dirty="0" smtClean="0"/>
+              <a:t> </a:t>
+            </a:r>
+            <a:r>
+              <a:rPr lang="en-US" dirty="0" err="1" smtClean="0"/>
+              <a:t>phải</a:t>
+            </a:r>
+            <a:r>
+              <a:rPr lang="en-US" dirty="0" smtClean="0"/>
+              <a:t> </a:t>
+            </a:r>
+            <a:r>
+              <a:rPr lang="en-US" dirty="0" err="1" smtClean="0"/>
+              <a:t>mở</a:t>
+            </a:r>
+            <a:r>
+              <a:rPr lang="en-US" dirty="0" smtClean="0"/>
+              <a:t> </a:t>
+            </a:r>
+            <a:r>
+              <a:rPr lang="en-US" dirty="0" err="1" smtClean="0"/>
+              <a:t>cửa</a:t>
+            </a:r>
+            <a:r>
+              <a:rPr lang="en-US" dirty="0" smtClean="0"/>
+              <a:t> </a:t>
+            </a:r>
+            <a:r>
+              <a:rPr lang="en-US" dirty="0" err="1" smtClean="0"/>
+              <a:t>hàng</a:t>
+            </a:r>
+            <a:r>
+              <a:rPr lang="en-US" dirty="0"/>
+              <a:t> </a:t>
+            </a:r>
+            <a:r>
+              <a:rPr lang="en-US" dirty="0" smtClean="0"/>
+              <a:t>=&gt; </a:t>
+            </a:r>
+            <a:r>
+              <a:rPr lang="en-US" dirty="0" err="1" smtClean="0"/>
+              <a:t>không</a:t>
+            </a:r>
+            <a:r>
+              <a:rPr lang="en-US" dirty="0" smtClean="0"/>
+              <a:t> </a:t>
+            </a:r>
+            <a:r>
+              <a:rPr lang="en-US" dirty="0" err="1" smtClean="0"/>
+              <a:t>tốn</a:t>
+            </a:r>
+            <a:r>
+              <a:rPr lang="en-US" dirty="0" smtClean="0"/>
+              <a:t> </a:t>
+            </a:r>
+            <a:r>
+              <a:rPr lang="en-US" dirty="0" err="1" smtClean="0"/>
+              <a:t>quá</a:t>
+            </a:r>
+            <a:r>
+              <a:rPr lang="en-US" dirty="0" smtClean="0"/>
+              <a:t> </a:t>
+            </a:r>
+            <a:r>
+              <a:rPr lang="en-US" dirty="0" err="1" smtClean="0"/>
+              <a:t>nhiều</a:t>
+            </a:r>
+            <a:r>
+              <a:rPr lang="en-US" dirty="0" smtClean="0"/>
+              <a:t> chi </a:t>
+            </a:r>
+            <a:r>
+              <a:rPr lang="en-US" dirty="0" err="1" smtClean="0"/>
+              <a:t>phí</a:t>
+            </a:r>
+            <a:r>
+              <a:rPr lang="en-US" dirty="0" smtClean="0"/>
+              <a:t> ban </a:t>
+            </a:r>
+            <a:r>
+              <a:rPr lang="en-US" dirty="0" err="1" smtClean="0"/>
+              <a:t>đầu</a:t>
+            </a:r>
+            <a:endParaRPr lang="en-US" dirty="0" smtClean="0"/>
+          </a:p>
+          <a:p>
+            <a:r>
+              <a:rPr lang="en-US" dirty="0" err="1" smtClean="0"/>
+              <a:t>Tính</a:t>
+            </a:r>
+            <a:r>
+              <a:rPr lang="en-US" dirty="0" smtClean="0"/>
+              <a:t> </a:t>
+            </a:r>
+            <a:r>
+              <a:rPr lang="en-US" dirty="0" err="1" smtClean="0"/>
+              <a:t>khả</a:t>
+            </a:r>
+            <a:r>
+              <a:rPr lang="en-US" dirty="0" smtClean="0"/>
+              <a:t> </a:t>
+            </a:r>
+            <a:r>
+              <a:rPr lang="en-US" dirty="0" err="1" smtClean="0"/>
+              <a:t>thi</a:t>
+            </a:r>
+            <a:r>
+              <a:rPr lang="en-US" dirty="0" smtClean="0"/>
+              <a:t> </a:t>
+            </a:r>
+            <a:r>
+              <a:rPr lang="en-US" dirty="0" err="1" smtClean="0"/>
+              <a:t>về</a:t>
+            </a:r>
+            <a:r>
+              <a:rPr lang="en-US" dirty="0" smtClean="0"/>
+              <a:t> </a:t>
+            </a:r>
+            <a:r>
+              <a:rPr lang="en-US" dirty="0" err="1" smtClean="0"/>
+              <a:t>nguồn</a:t>
+            </a:r>
+            <a:r>
+              <a:rPr lang="en-US" dirty="0" smtClean="0"/>
+              <a:t> </a:t>
+            </a:r>
+            <a:r>
+              <a:rPr lang="en-US" dirty="0" err="1" smtClean="0"/>
+              <a:t>lực</a:t>
+            </a:r>
+            <a:r>
+              <a:rPr lang="en-US" dirty="0" smtClean="0"/>
+              <a:t> : </a:t>
+            </a:r>
+            <a:r>
+              <a:rPr lang="en-US" dirty="0" err="1" smtClean="0"/>
+              <a:t>dự</a:t>
+            </a:r>
+            <a:r>
+              <a:rPr lang="en-US" dirty="0" smtClean="0"/>
+              <a:t> </a:t>
+            </a:r>
+            <a:r>
+              <a:rPr lang="en-US" dirty="0" err="1" smtClean="0"/>
+              <a:t>án</a:t>
+            </a:r>
+            <a:r>
+              <a:rPr lang="en-US" dirty="0" smtClean="0"/>
+              <a:t> </a:t>
+            </a:r>
+            <a:r>
+              <a:rPr lang="en-US" dirty="0" err="1" smtClean="0"/>
+              <a:t>có</a:t>
+            </a:r>
+            <a:r>
+              <a:rPr lang="en-US" dirty="0" smtClean="0"/>
+              <a:t> </a:t>
+            </a:r>
+            <a:r>
+              <a:rPr lang="en-US" dirty="0" err="1" smtClean="0"/>
+              <a:t>quy</a:t>
+            </a:r>
+            <a:r>
+              <a:rPr lang="en-US" dirty="0" smtClean="0"/>
+              <a:t> </a:t>
+            </a:r>
+            <a:r>
+              <a:rPr lang="en-US" dirty="0" err="1" smtClean="0"/>
+              <a:t>mô</a:t>
+            </a:r>
+            <a:r>
+              <a:rPr lang="en-US" dirty="0" smtClean="0"/>
+              <a:t> </a:t>
+            </a:r>
+            <a:r>
+              <a:rPr lang="en-US" dirty="0" err="1" smtClean="0"/>
+              <a:t>nhỏ</a:t>
+            </a:r>
+            <a:r>
+              <a:rPr lang="en-US" dirty="0" smtClean="0"/>
+              <a:t> </a:t>
+            </a:r>
+            <a:r>
+              <a:rPr lang="en-US" dirty="0" err="1" smtClean="0"/>
+              <a:t>nên</a:t>
+            </a:r>
+            <a:r>
+              <a:rPr lang="en-US" dirty="0" smtClean="0"/>
+              <a:t> </a:t>
+            </a:r>
+            <a:r>
+              <a:rPr lang="en-US" dirty="0" err="1" smtClean="0"/>
+              <a:t>không</a:t>
+            </a:r>
+            <a:r>
+              <a:rPr lang="en-US" dirty="0" smtClean="0"/>
+              <a:t> </a:t>
+            </a:r>
+            <a:r>
+              <a:rPr lang="en-US" dirty="0" err="1" smtClean="0"/>
+              <a:t>cần</a:t>
+            </a:r>
+            <a:r>
+              <a:rPr lang="en-US" dirty="0" smtClean="0"/>
+              <a:t> </a:t>
+            </a:r>
+            <a:r>
+              <a:rPr lang="en-US" dirty="0" err="1" smtClean="0"/>
+              <a:t>lực</a:t>
+            </a:r>
+            <a:r>
+              <a:rPr lang="en-US" dirty="0" smtClean="0"/>
+              <a:t> </a:t>
+            </a:r>
+            <a:r>
+              <a:rPr lang="en-US" dirty="0" err="1" smtClean="0"/>
+              <a:t>lượng</a:t>
+            </a:r>
+            <a:r>
+              <a:rPr lang="en-US" dirty="0" smtClean="0"/>
+              <a:t> </a:t>
+            </a:r>
+            <a:r>
+              <a:rPr lang="en-US" dirty="0" err="1" smtClean="0"/>
+              <a:t>đông</a:t>
+            </a:r>
+            <a:r>
+              <a:rPr lang="en-US" dirty="0" smtClean="0"/>
+              <a:t> </a:t>
+            </a:r>
+            <a:r>
+              <a:rPr lang="en-US" dirty="0" err="1" smtClean="0"/>
+              <a:t>đảo</a:t>
+            </a:r>
+            <a:r>
+              <a:rPr lang="en-US" dirty="0" smtClean="0"/>
+              <a:t> =&gt; </a:t>
+            </a:r>
+            <a:r>
+              <a:rPr lang="en-US" dirty="0" err="1" smtClean="0"/>
+              <a:t>chỉ</a:t>
+            </a:r>
+            <a:r>
+              <a:rPr lang="en-US" dirty="0" smtClean="0"/>
+              <a:t> </a:t>
+            </a:r>
+            <a:r>
+              <a:rPr lang="en-US" dirty="0" err="1" smtClean="0"/>
+              <a:t>cần</a:t>
+            </a:r>
+            <a:r>
+              <a:rPr lang="en-US" dirty="0" smtClean="0"/>
+              <a:t> 4-6 </a:t>
+            </a:r>
+            <a:r>
+              <a:rPr lang="en-US" dirty="0" err="1" smtClean="0"/>
+              <a:t>người</a:t>
+            </a:r>
+            <a:r>
+              <a:rPr lang="en-US" dirty="0" smtClean="0"/>
+              <a:t> </a:t>
+            </a:r>
+            <a:r>
+              <a:rPr lang="en-US" dirty="0" err="1" smtClean="0"/>
+              <a:t>cho</a:t>
+            </a:r>
+            <a:r>
+              <a:rPr lang="en-US" dirty="0" smtClean="0"/>
+              <a:t> </a:t>
+            </a:r>
+            <a:r>
+              <a:rPr lang="en-US" dirty="0" err="1" smtClean="0"/>
+              <a:t>toàn</a:t>
+            </a:r>
+            <a:r>
+              <a:rPr lang="en-US" dirty="0" smtClean="0"/>
+              <a:t> </a:t>
+            </a:r>
+            <a:r>
+              <a:rPr lang="en-US" dirty="0" err="1" smtClean="0"/>
+              <a:t>bộ</a:t>
+            </a:r>
+            <a:r>
+              <a:rPr lang="en-US" dirty="0" smtClean="0"/>
+              <a:t> </a:t>
+            </a:r>
+            <a:r>
+              <a:rPr lang="en-US" dirty="0" err="1" smtClean="0"/>
+              <a:t>dự</a:t>
+            </a:r>
+            <a:r>
+              <a:rPr lang="en-US" dirty="0" smtClean="0"/>
+              <a:t> </a:t>
+            </a:r>
+            <a:r>
+              <a:rPr lang="en-US" dirty="0" err="1" smtClean="0"/>
+              <a:t>án</a:t>
+            </a:r>
+            <a:endParaRPr lang="en-US" dirty="0" smtClean="0"/>
+          </a:p>
+          <a:p>
+            <a:r>
+              <a:rPr lang="en-US" dirty="0" err="1" smtClean="0"/>
+              <a:t>Tính</a:t>
+            </a:r>
+            <a:r>
+              <a:rPr lang="en-US" dirty="0" smtClean="0"/>
+              <a:t> </a:t>
+            </a:r>
+            <a:r>
+              <a:rPr lang="en-US" dirty="0" err="1" smtClean="0"/>
+              <a:t>khả</a:t>
+            </a:r>
+            <a:r>
+              <a:rPr lang="en-US" dirty="0" smtClean="0"/>
+              <a:t> </a:t>
+            </a:r>
+            <a:r>
+              <a:rPr lang="en-US" dirty="0" err="1" smtClean="0"/>
+              <a:t>thi</a:t>
+            </a:r>
+            <a:r>
+              <a:rPr lang="en-US" dirty="0" smtClean="0"/>
+              <a:t> </a:t>
+            </a:r>
+            <a:r>
+              <a:rPr lang="en-US" dirty="0" err="1" smtClean="0"/>
+              <a:t>về</a:t>
+            </a:r>
+            <a:r>
+              <a:rPr lang="en-US" dirty="0" smtClean="0"/>
+              <a:t> </a:t>
+            </a:r>
+            <a:r>
+              <a:rPr lang="en-US" dirty="0" err="1" smtClean="0"/>
+              <a:t>thị</a:t>
+            </a:r>
+            <a:r>
+              <a:rPr lang="en-US" dirty="0" smtClean="0"/>
+              <a:t> </a:t>
+            </a:r>
+            <a:r>
+              <a:rPr lang="en-US" dirty="0" err="1" smtClean="0"/>
+              <a:t>trường</a:t>
+            </a:r>
+            <a:r>
+              <a:rPr lang="en-US" dirty="0" smtClean="0"/>
+              <a:t> : </a:t>
+            </a:r>
+            <a:r>
+              <a:rPr lang="en-US" dirty="0" err="1" smtClean="0"/>
+              <a:t>phần</a:t>
+            </a:r>
+            <a:r>
+              <a:rPr lang="en-US" dirty="0" smtClean="0"/>
+              <a:t> </a:t>
+            </a:r>
+            <a:r>
+              <a:rPr lang="en-US" dirty="0" err="1" smtClean="0"/>
+              <a:t>mềm</a:t>
+            </a:r>
+            <a:r>
+              <a:rPr lang="en-US" dirty="0" smtClean="0"/>
+              <a:t> </a:t>
+            </a:r>
+            <a:r>
+              <a:rPr lang="en-US" dirty="0" err="1" smtClean="0"/>
+              <a:t>dự</a:t>
+            </a:r>
+            <a:r>
+              <a:rPr lang="en-US" dirty="0" smtClean="0"/>
+              <a:t> </a:t>
+            </a:r>
+            <a:r>
+              <a:rPr lang="en-US" dirty="0" err="1" smtClean="0"/>
+              <a:t>án</a:t>
+            </a:r>
+            <a:r>
+              <a:rPr lang="en-US" dirty="0" smtClean="0"/>
+              <a:t> </a:t>
+            </a:r>
+            <a:r>
+              <a:rPr lang="en-US" dirty="0" err="1" smtClean="0"/>
+              <a:t>tối</a:t>
+            </a:r>
+            <a:r>
+              <a:rPr lang="en-US" dirty="0" smtClean="0"/>
+              <a:t> </a:t>
+            </a:r>
+            <a:r>
+              <a:rPr lang="en-US" dirty="0" err="1" smtClean="0"/>
+              <a:t>ưu</a:t>
+            </a:r>
+            <a:r>
+              <a:rPr lang="en-US" dirty="0" smtClean="0"/>
+              <a:t> </a:t>
+            </a:r>
+            <a:r>
+              <a:rPr lang="en-US" dirty="0" err="1" smtClean="0"/>
+              <a:t>hóa</a:t>
+            </a:r>
+            <a:r>
+              <a:rPr lang="en-US" dirty="0" smtClean="0"/>
+              <a:t> </a:t>
+            </a:r>
+            <a:r>
+              <a:rPr lang="en-US" dirty="0" err="1" smtClean="0"/>
+              <a:t>sẽ</a:t>
+            </a:r>
+            <a:r>
+              <a:rPr lang="en-US" dirty="0" smtClean="0"/>
+              <a:t> </a:t>
+            </a:r>
+            <a:r>
+              <a:rPr lang="en-US" dirty="0" err="1" smtClean="0"/>
+              <a:t>có</a:t>
+            </a:r>
+            <a:r>
+              <a:rPr lang="en-US" dirty="0" smtClean="0"/>
+              <a:t> </a:t>
+            </a:r>
+            <a:r>
+              <a:rPr lang="en-US" dirty="0" err="1" smtClean="0"/>
+              <a:t>thể</a:t>
+            </a:r>
+            <a:r>
+              <a:rPr lang="en-US" dirty="0" smtClean="0"/>
+              <a:t> </a:t>
+            </a:r>
+            <a:r>
+              <a:rPr lang="en-US" dirty="0" err="1" smtClean="0"/>
+              <a:t>cạnh</a:t>
+            </a:r>
+            <a:r>
+              <a:rPr lang="en-US" dirty="0" smtClean="0"/>
+              <a:t> </a:t>
+            </a:r>
+            <a:r>
+              <a:rPr lang="en-US" dirty="0" err="1" smtClean="0"/>
+              <a:t>tranh</a:t>
+            </a:r>
+            <a:r>
+              <a:rPr lang="en-US" dirty="0" smtClean="0"/>
+              <a:t> </a:t>
+            </a:r>
+            <a:r>
+              <a:rPr lang="en-US" dirty="0" err="1" smtClean="0"/>
+              <a:t>tốt</a:t>
+            </a:r>
+            <a:r>
+              <a:rPr lang="en-US" dirty="0" smtClean="0"/>
+              <a:t> </a:t>
+            </a:r>
+            <a:r>
+              <a:rPr lang="en-US" dirty="0" err="1" smtClean="0"/>
+              <a:t>trên</a:t>
+            </a:r>
+            <a:r>
+              <a:rPr lang="en-US" dirty="0" smtClean="0"/>
+              <a:t> </a:t>
+            </a:r>
+            <a:r>
+              <a:rPr lang="en-US" dirty="0" err="1" smtClean="0"/>
+              <a:t>thị</a:t>
+            </a:r>
+            <a:r>
+              <a:rPr lang="en-US" dirty="0" smtClean="0"/>
+              <a:t> </a:t>
+            </a:r>
+            <a:r>
+              <a:rPr lang="en-US" dirty="0" err="1" smtClean="0"/>
+              <a:t>trường</a:t>
+            </a:r>
+            <a:endParaRPr lang="en-US" dirty="0" smtClean="0"/>
+          </a:p>
+          <a:p>
+            <a:r>
+              <a:rPr lang="en-US" dirty="0" err="1" smtClean="0"/>
+              <a:t>Tính</a:t>
+            </a:r>
+            <a:r>
+              <a:rPr lang="en-US" dirty="0" smtClean="0"/>
+              <a:t> </a:t>
+            </a:r>
+            <a:r>
+              <a:rPr lang="en-US" dirty="0" err="1" smtClean="0"/>
+              <a:t>khả</a:t>
+            </a:r>
+            <a:r>
+              <a:rPr lang="en-US" dirty="0" smtClean="0"/>
+              <a:t> </a:t>
+            </a:r>
+            <a:r>
+              <a:rPr lang="en-US" dirty="0" err="1" smtClean="0"/>
+              <a:t>thi</a:t>
+            </a:r>
+            <a:r>
+              <a:rPr lang="en-US" dirty="0" smtClean="0"/>
+              <a:t> </a:t>
+            </a:r>
+            <a:r>
+              <a:rPr lang="en-US" dirty="0" err="1" smtClean="0"/>
+              <a:t>về</a:t>
+            </a:r>
+            <a:r>
+              <a:rPr lang="en-US" dirty="0" smtClean="0"/>
+              <a:t> </a:t>
+            </a:r>
+            <a:r>
+              <a:rPr lang="en-US" dirty="0" err="1" smtClean="0"/>
+              <a:t>pháp</a:t>
+            </a:r>
+            <a:r>
+              <a:rPr lang="en-US" dirty="0" smtClean="0"/>
+              <a:t> </a:t>
+            </a:r>
+            <a:r>
+              <a:rPr lang="en-US" dirty="0" err="1" smtClean="0"/>
               <a:t>lý</a:t>
             </a:r>
             <a:r>
-              <a:rPr lang="en-US" sz="2000" dirty="0" smtClean="0"/>
-              <a:t> </a:t>
-            </a:r>
-            <a:r>
-              <a:rPr lang="en-US" sz="2000" dirty="0" err="1" smtClean="0"/>
-              <a:t>phiên</a:t>
-            </a:r>
-            <a:r>
-              <a:rPr lang="en-US" sz="2000" dirty="0" smtClean="0"/>
-              <a:t> </a:t>
-            </a:r>
-            <a:r>
-              <a:rPr lang="en-US" sz="2000" dirty="0" err="1" smtClean="0"/>
-              <a:t>bản</a:t>
-            </a:r>
-            <a:r>
-              <a:rPr lang="en-US" sz="2000" dirty="0" smtClean="0"/>
+              <a:rPr lang="en-US" dirty="0" smtClean="0"/>
+              <a:t>  : </a:t>
+            </a:r>
+            <a:r>
+              <a:rPr lang="en-US" dirty="0" err="1" smtClean="0"/>
+              <a:t>sử</a:t>
+            </a:r>
+            <a:r>
+              <a:rPr lang="en-US" dirty="0" smtClean="0"/>
+              <a:t> </a:t>
+            </a:r>
+            <a:r>
+              <a:rPr lang="en-US" dirty="0" err="1" smtClean="0"/>
+              <a:t>dụng</a:t>
+            </a:r>
+            <a:r>
+              <a:rPr lang="en-US" dirty="0" smtClean="0"/>
+              <a:t> </a:t>
+            </a:r>
+            <a:r>
+              <a:rPr lang="en-US" dirty="0" err="1" smtClean="0"/>
+              <a:t>những</a:t>
+            </a:r>
+            <a:r>
+              <a:rPr lang="en-US" dirty="0" smtClean="0"/>
+              <a:t> </a:t>
+            </a:r>
+            <a:r>
+              <a:rPr lang="en-US" dirty="0" err="1" smtClean="0"/>
+              <a:t>công</a:t>
+            </a:r>
+            <a:r>
+              <a:rPr lang="en-US" dirty="0" smtClean="0"/>
+              <a:t> </a:t>
+            </a:r>
+            <a:r>
+              <a:rPr lang="en-US" dirty="0" err="1" smtClean="0"/>
+              <a:t>cụ</a:t>
+            </a:r>
+            <a:r>
+              <a:rPr lang="en-US" dirty="0" smtClean="0"/>
+              <a:t> </a:t>
+            </a:r>
+            <a:r>
+              <a:rPr lang="en-US" dirty="0" err="1" smtClean="0"/>
+              <a:t>được</a:t>
+            </a:r>
+            <a:r>
+              <a:rPr lang="en-US" dirty="0" smtClean="0"/>
+              <a:t> </a:t>
+            </a:r>
+            <a:r>
+              <a:rPr lang="en-US" dirty="0" err="1" smtClean="0"/>
+              <a:t>cung</a:t>
+            </a:r>
+            <a:r>
+              <a:rPr lang="en-US" dirty="0" smtClean="0"/>
+              <a:t> </a:t>
+            </a:r>
+            <a:r>
+              <a:rPr lang="en-US" dirty="0" err="1" smtClean="0"/>
+              <a:t>cấp</a:t>
+            </a:r>
+            <a:r>
+              <a:rPr lang="en-US" dirty="0" smtClean="0"/>
+              <a:t> </a:t>
+            </a:r>
+            <a:r>
+              <a:rPr lang="en-US" dirty="0" err="1" smtClean="0"/>
+              <a:t>từ</a:t>
+            </a:r>
+            <a:r>
+              <a:rPr lang="en-US" dirty="0" smtClean="0"/>
+              <a:t> </a:t>
+            </a:r>
+            <a:r>
+              <a:rPr lang="en-US" dirty="0" err="1" smtClean="0"/>
+              <a:t>những</a:t>
+            </a:r>
+            <a:r>
+              <a:rPr lang="en-US" dirty="0" smtClean="0"/>
+              <a:t> </a:t>
+            </a:r>
+            <a:r>
+              <a:rPr lang="en-US" dirty="0" err="1" smtClean="0"/>
+              <a:t>nguồn</a:t>
+            </a:r>
+            <a:r>
+              <a:rPr lang="en-US" dirty="0" smtClean="0"/>
+              <a:t> </a:t>
+            </a:r>
+            <a:r>
+              <a:rPr lang="en-US" dirty="0" err="1" smtClean="0"/>
+              <a:t>tiêu</a:t>
+            </a:r>
+            <a:r>
+              <a:rPr lang="en-US" dirty="0" smtClean="0"/>
+              <a:t> </a:t>
+            </a:r>
+            <a:r>
+              <a:rPr lang="en-US" dirty="0" err="1" smtClean="0"/>
+              <a:t>chuẩn</a:t>
+            </a:r>
+            <a:r>
+              <a:rPr lang="en-US" dirty="0" smtClean="0"/>
+              <a:t> </a:t>
+            </a:r>
+            <a:r>
+              <a:rPr lang="en-US" dirty="0" err="1" smtClean="0"/>
+              <a:t>về</a:t>
+            </a:r>
+            <a:r>
+              <a:rPr lang="en-US" dirty="0" smtClean="0"/>
+              <a:t> </a:t>
+            </a:r>
+            <a:r>
+              <a:rPr lang="en-US" dirty="0" err="1" smtClean="0"/>
+              <a:t>tính</a:t>
+            </a:r>
+            <a:r>
+              <a:rPr lang="en-US" dirty="0" smtClean="0"/>
+              <a:t> </a:t>
+            </a:r>
+            <a:r>
+              <a:rPr lang="en-US" dirty="0" err="1" smtClean="0"/>
+              <a:t>pháp</a:t>
+            </a:r>
+            <a:r>
+              <a:rPr lang="en-US" dirty="0" smtClean="0"/>
+              <a:t> </a:t>
+            </a:r>
+            <a:r>
+              <a:rPr lang="en-US" dirty="0" err="1" smtClean="0"/>
+              <a:t>lý</a:t>
+            </a:r>
+            <a:r>
+              <a:rPr lang="en-US" dirty="0" smtClean="0"/>
+              <a:t> </a:t>
+            </a:r>
+          </a:p>
+          <a:p>
+            <a:r>
+              <a:rPr lang="en-US" dirty="0" err="1" smtClean="0"/>
+              <a:t>Tính</a:t>
+            </a:r>
+            <a:r>
+              <a:rPr lang="en-US" dirty="0" smtClean="0"/>
+              <a:t> </a:t>
+            </a:r>
+            <a:r>
+              <a:rPr lang="en-US" dirty="0" err="1" smtClean="0"/>
+              <a:t>khả</a:t>
+            </a:r>
+            <a:r>
+              <a:rPr lang="en-US" dirty="0" smtClean="0"/>
+              <a:t> </a:t>
+            </a:r>
+            <a:r>
+              <a:rPr lang="en-US" dirty="0" err="1" smtClean="0"/>
+              <a:t>thi</a:t>
+            </a:r>
+            <a:r>
+              <a:rPr lang="en-US" dirty="0" smtClean="0"/>
+              <a:t> </a:t>
+            </a:r>
+            <a:r>
+              <a:rPr lang="en-US" dirty="0" err="1" smtClean="0"/>
+              <a:t>tiến</a:t>
+            </a:r>
+            <a:r>
+              <a:rPr lang="en-US" dirty="0" smtClean="0"/>
+              <a:t> </a:t>
+            </a:r>
+            <a:r>
+              <a:rPr lang="en-US" dirty="0" err="1" smtClean="0"/>
+              <a:t>độ</a:t>
+            </a:r>
+            <a:r>
+              <a:rPr lang="en-US" dirty="0" smtClean="0"/>
+              <a:t>, </a:t>
+            </a:r>
+            <a:r>
+              <a:rPr lang="en-US" dirty="0" err="1" smtClean="0"/>
+              <a:t>thời</a:t>
+            </a:r>
+            <a:r>
+              <a:rPr lang="en-US" dirty="0" smtClean="0"/>
+              <a:t> </a:t>
+            </a:r>
+            <a:r>
+              <a:rPr lang="en-US" dirty="0" err="1" smtClean="0"/>
+              <a:t>gian</a:t>
+            </a:r>
+            <a:r>
+              <a:rPr lang="en-US" dirty="0" smtClean="0"/>
+              <a:t> </a:t>
+            </a:r>
+            <a:r>
+              <a:rPr lang="en-US" dirty="0" err="1" smtClean="0"/>
+              <a:t>dự</a:t>
+            </a:r>
+            <a:r>
+              <a:rPr lang="en-US" dirty="0" smtClean="0"/>
+              <a:t> </a:t>
+            </a:r>
+            <a:r>
+              <a:rPr lang="en-US" dirty="0" err="1" smtClean="0"/>
+              <a:t>án</a:t>
+            </a:r>
+            <a:r>
+              <a:rPr lang="en-US" dirty="0" smtClean="0"/>
               <a:t> : </a:t>
             </a:r>
             <a:r>
-              <a:rPr lang="en-US" sz="2000" dirty="0" err="1" smtClean="0"/>
-              <a:t>GitHub</a:t>
-            </a:r>
-            <a:endParaRPr lang="en-US" sz="2000" dirty="0" smtClean="0"/>
-          </a:p>
-          <a:p>
-            <a:r>
-              <a:rPr lang="en-US" sz="2000" dirty="0" err="1" smtClean="0"/>
-              <a:t>Phần</a:t>
-            </a:r>
-            <a:r>
-              <a:rPr lang="en-US" sz="2000" dirty="0" smtClean="0"/>
-              <a:t> </a:t>
-            </a:r>
-            <a:r>
-              <a:rPr lang="en-US" sz="2000" dirty="0" err="1" smtClean="0"/>
-              <a:t>mềm</a:t>
-            </a:r>
-            <a:r>
-              <a:rPr lang="en-US" sz="2000" dirty="0" smtClean="0"/>
-              <a:t> </a:t>
-            </a:r>
-            <a:r>
-              <a:rPr lang="en-US" sz="2000" dirty="0" err="1" smtClean="0"/>
+              <a:rPr lang="en-US" dirty="0" err="1" smtClean="0"/>
+              <a:t>vì</a:t>
+            </a:r>
+            <a:r>
+              <a:rPr lang="en-US" dirty="0" smtClean="0"/>
+              <a:t> </a:t>
+            </a:r>
+            <a:r>
+              <a:rPr lang="en-US" dirty="0" err="1" smtClean="0"/>
+              <a:t>là</a:t>
+            </a:r>
+            <a:r>
+              <a:rPr lang="en-US" dirty="0" smtClean="0"/>
+              <a:t> </a:t>
+            </a:r>
+            <a:r>
+              <a:rPr lang="en-US" dirty="0" err="1" smtClean="0"/>
+              <a:t>dự</a:t>
+            </a:r>
+            <a:r>
+              <a:rPr lang="en-US" dirty="0" smtClean="0"/>
+              <a:t> </a:t>
+            </a:r>
+            <a:r>
+              <a:rPr lang="en-US" dirty="0" err="1" smtClean="0"/>
+              <a:t>án</a:t>
+            </a:r>
+            <a:r>
+              <a:rPr lang="en-US" dirty="0" smtClean="0"/>
+              <a:t> </a:t>
+            </a:r>
+            <a:r>
+              <a:rPr lang="en-US" dirty="0" err="1" smtClean="0"/>
+              <a:t>có</a:t>
+            </a:r>
+            <a:r>
+              <a:rPr lang="en-US" dirty="0" smtClean="0"/>
+              <a:t> </a:t>
+            </a:r>
+            <a:r>
+              <a:rPr lang="en-US" dirty="0" err="1" smtClean="0"/>
+              <a:t>quy</a:t>
+            </a:r>
+            <a:r>
+              <a:rPr lang="en-US" dirty="0" smtClean="0"/>
+              <a:t> </a:t>
+            </a:r>
+            <a:r>
+              <a:rPr lang="en-US" dirty="0" err="1" smtClean="0"/>
+              <a:t>mô</a:t>
+            </a:r>
+            <a:r>
+              <a:rPr lang="en-US" dirty="0" smtClean="0"/>
+              <a:t> </a:t>
+            </a:r>
+            <a:r>
+              <a:rPr lang="en-US" dirty="0" err="1" smtClean="0"/>
+              <a:t>nhỏ</a:t>
+            </a:r>
+            <a:r>
+              <a:rPr lang="en-US" dirty="0" smtClean="0"/>
+              <a:t> </a:t>
+            </a:r>
+            <a:r>
+              <a:rPr lang="en-US" dirty="0" err="1" smtClean="0"/>
+              <a:t>nên</a:t>
+            </a:r>
+            <a:r>
+              <a:rPr lang="en-US" dirty="0" smtClean="0"/>
+              <a:t> </a:t>
+            </a:r>
+            <a:r>
+              <a:rPr lang="en-US" dirty="0" err="1" smtClean="0"/>
+              <a:t>cũng</a:t>
+            </a:r>
+            <a:r>
+              <a:rPr lang="en-US" dirty="0" smtClean="0"/>
+              <a:t> </a:t>
+            </a:r>
+            <a:r>
+              <a:rPr lang="en-US" dirty="0" err="1" smtClean="0"/>
+              <a:t>không</a:t>
+            </a:r>
+            <a:r>
+              <a:rPr lang="en-US" dirty="0" smtClean="0"/>
+              <a:t> </a:t>
+            </a:r>
+            <a:r>
+              <a:rPr lang="en-US" dirty="0" err="1" smtClean="0"/>
+              <a:t>cần</a:t>
+            </a:r>
+            <a:r>
+              <a:rPr lang="en-US" dirty="0" smtClean="0"/>
+              <a:t> </a:t>
+            </a:r>
+            <a:r>
+              <a:rPr lang="en-US" dirty="0" err="1" smtClean="0"/>
+              <a:t>đến</a:t>
+            </a:r>
+            <a:r>
+              <a:rPr lang="en-US" dirty="0" smtClean="0"/>
+              <a:t> </a:t>
+            </a:r>
+            <a:r>
+              <a:rPr lang="en-US" dirty="0" err="1" smtClean="0"/>
+              <a:t>quá</a:t>
+            </a:r>
+            <a:r>
+              <a:rPr lang="en-US" dirty="0" smtClean="0"/>
+              <a:t> </a:t>
+            </a:r>
+            <a:r>
+              <a:rPr lang="en-US" dirty="0" err="1" smtClean="0"/>
+              <a:t>nhiều</a:t>
+            </a:r>
+            <a:r>
+              <a:rPr lang="en-US" dirty="0" smtClean="0"/>
+              <a:t> </a:t>
+            </a:r>
+            <a:r>
+              <a:rPr lang="en-US" dirty="0" err="1" smtClean="0"/>
+              <a:t>thời</a:t>
+            </a:r>
+            <a:r>
+              <a:rPr lang="en-US" dirty="0" smtClean="0"/>
+              <a:t> </a:t>
+            </a:r>
+            <a:r>
+              <a:rPr lang="en-US" dirty="0" err="1" smtClean="0"/>
+              <a:t>gian</a:t>
+            </a:r>
+            <a:r>
+              <a:rPr lang="en-US" dirty="0" smtClean="0"/>
+              <a:t> </a:t>
+            </a:r>
+            <a:r>
+              <a:rPr lang="en-US" dirty="0" err="1" smtClean="0"/>
+              <a:t>cho</a:t>
+            </a:r>
+            <a:r>
+              <a:rPr lang="en-US" dirty="0" smtClean="0"/>
+              <a:t> </a:t>
+            </a:r>
+            <a:r>
+              <a:rPr lang="en-US" dirty="0" err="1" smtClean="0"/>
+              <a:t>dự</a:t>
+            </a:r>
+            <a:r>
+              <a:rPr lang="en-US" dirty="0" smtClean="0"/>
+              <a:t> </a:t>
+            </a:r>
+            <a:r>
+              <a:rPr lang="en-US" dirty="0" err="1" smtClean="0"/>
+              <a:t>án</a:t>
+            </a:r>
+            <a:r>
+              <a:rPr lang="en-US" dirty="0" smtClean="0"/>
+              <a:t> =&gt; </a:t>
+            </a:r>
+            <a:r>
+              <a:rPr lang="en-US" dirty="0" err="1" smtClean="0"/>
+              <a:t>thời</a:t>
+            </a:r>
+            <a:r>
+              <a:rPr lang="en-US" dirty="0" smtClean="0"/>
+              <a:t> </a:t>
+            </a:r>
+            <a:r>
+              <a:rPr lang="en-US" dirty="0" err="1" smtClean="0"/>
+              <a:t>gian</a:t>
+            </a:r>
+            <a:r>
+              <a:rPr lang="en-US" dirty="0" smtClean="0"/>
+              <a:t> </a:t>
+            </a:r>
+            <a:r>
+              <a:rPr lang="en-US" dirty="0" err="1" smtClean="0"/>
+              <a:t>cho</a:t>
+            </a:r>
+            <a:r>
+              <a:rPr lang="en-US" dirty="0" smtClean="0"/>
+              <a:t> </a:t>
+            </a:r>
+            <a:r>
+              <a:rPr lang="en-US" dirty="0" err="1" smtClean="0"/>
+              <a:t>dự</a:t>
+            </a:r>
+            <a:r>
+              <a:rPr lang="en-US" dirty="0" smtClean="0"/>
+              <a:t> </a:t>
+            </a:r>
+            <a:r>
+              <a:rPr lang="en-US" dirty="0" err="1" smtClean="0"/>
+              <a:t>án</a:t>
+            </a:r>
+            <a:r>
+              <a:rPr lang="en-US" dirty="0" smtClean="0"/>
+              <a:t> </a:t>
+            </a:r>
+            <a:r>
+              <a:rPr lang="en-US" dirty="0" err="1" smtClean="0"/>
+              <a:t>trong</a:t>
+            </a:r>
+            <a:r>
+              <a:rPr lang="en-US" dirty="0" smtClean="0"/>
+              <a:t> </a:t>
+            </a:r>
+            <a:r>
+              <a:rPr lang="en-US" dirty="0" err="1" smtClean="0"/>
+              <a:t>khoảng</a:t>
+            </a:r>
+            <a:r>
+              <a:rPr lang="en-US" dirty="0" smtClean="0"/>
+              <a:t> </a:t>
+            </a:r>
+            <a:r>
+              <a:rPr lang="en-US" dirty="0" err="1" smtClean="0"/>
+              <a:t>từ</a:t>
+            </a:r>
+            <a:r>
+              <a:rPr lang="en-US" dirty="0" smtClean="0"/>
+              <a:t> 20-30 </a:t>
+            </a:r>
+            <a:r>
+              <a:rPr lang="en-US" dirty="0" err="1" smtClean="0"/>
+              <a:t>ngày</a:t>
+            </a:r>
+            <a:endParaRPr lang="en-US" dirty="0" smtClean="0"/>
+          </a:p>
+          <a:p>
+            <a:r>
+              <a:rPr lang="en-US" dirty="0" err="1" smtClean="0"/>
+              <a:t>Tính</a:t>
+            </a:r>
+            <a:r>
+              <a:rPr lang="en-US" dirty="0" smtClean="0"/>
+              <a:t> </a:t>
+            </a:r>
+            <a:r>
+              <a:rPr lang="en-US" dirty="0" err="1" smtClean="0"/>
+              <a:t>khả</a:t>
+            </a:r>
+            <a:r>
+              <a:rPr lang="en-US" dirty="0" smtClean="0"/>
+              <a:t> </a:t>
+            </a:r>
+            <a:r>
+              <a:rPr lang="en-US" dirty="0" err="1" smtClean="0"/>
+              <a:t>thi</a:t>
+            </a:r>
+            <a:r>
+              <a:rPr lang="en-US" dirty="0" smtClean="0"/>
+              <a:t> </a:t>
+            </a:r>
+            <a:r>
+              <a:rPr lang="en-US" dirty="0" err="1" smtClean="0"/>
+              <a:t>về</a:t>
+            </a:r>
+            <a:r>
+              <a:rPr lang="en-US" dirty="0" smtClean="0"/>
+              <a:t> </a:t>
+            </a:r>
+            <a:r>
+              <a:rPr lang="en-US" dirty="0" err="1" smtClean="0"/>
+              <a:t>trình</a:t>
+            </a:r>
+            <a:r>
+              <a:rPr lang="en-US" dirty="0" smtClean="0"/>
+              <a:t> </a:t>
+            </a:r>
+            <a:r>
+              <a:rPr lang="en-US" dirty="0" err="1" smtClean="0"/>
+              <a:t>độ</a:t>
+            </a:r>
+            <a:r>
+              <a:rPr lang="en-US" dirty="0" smtClean="0"/>
+              <a:t> </a:t>
+            </a:r>
+            <a:r>
+              <a:rPr lang="en-US" dirty="0" err="1" smtClean="0"/>
+              <a:t>kỹ</a:t>
+            </a:r>
+            <a:r>
+              <a:rPr lang="en-US" dirty="0" smtClean="0"/>
+              <a:t> </a:t>
+            </a:r>
+            <a:r>
+              <a:rPr lang="en-US" dirty="0" err="1" smtClean="0"/>
+              <a:t>thuật</a:t>
+            </a:r>
+            <a:r>
+              <a:rPr lang="en-US" dirty="0" smtClean="0"/>
+              <a:t>, CNTT : </a:t>
+            </a:r>
+            <a:r>
+              <a:rPr lang="en-US" dirty="0" err="1" smtClean="0"/>
+              <a:t>chủ</a:t>
+            </a:r>
+            <a:r>
+              <a:rPr lang="en-US" dirty="0" smtClean="0"/>
+              <a:t> </a:t>
+            </a:r>
+            <a:r>
+              <a:rPr lang="en-US" dirty="0" err="1" smtClean="0"/>
+              <a:t>yếu</a:t>
+            </a:r>
+            <a:r>
+              <a:rPr lang="en-US" dirty="0" smtClean="0"/>
+              <a:t> </a:t>
+            </a:r>
+            <a:r>
+              <a:rPr lang="en-US" dirty="0" err="1" smtClean="0"/>
+              <a:t>là</a:t>
+            </a:r>
+            <a:r>
+              <a:rPr lang="en-US" dirty="0" smtClean="0"/>
+              <a:t> </a:t>
+            </a:r>
+            <a:r>
+              <a:rPr lang="en-US" dirty="0" err="1" smtClean="0"/>
+              <a:t>có</a:t>
+            </a:r>
+            <a:r>
+              <a:rPr lang="en-US" dirty="0" smtClean="0"/>
+              <a:t> </a:t>
+            </a:r>
+            <a:r>
+              <a:rPr lang="en-US" dirty="0" err="1" smtClean="0"/>
+              <a:t>kiến</a:t>
+            </a:r>
+            <a:r>
+              <a:rPr lang="en-US" dirty="0" smtClean="0"/>
+              <a:t> </a:t>
+            </a:r>
+            <a:r>
+              <a:rPr lang="en-US" dirty="0" err="1" smtClean="0"/>
+              <a:t>thức</a:t>
+            </a:r>
+            <a:r>
+              <a:rPr lang="en-US" dirty="0" smtClean="0"/>
+              <a:t> </a:t>
+            </a:r>
+            <a:r>
+              <a:rPr lang="en-US" dirty="0" err="1" smtClean="0"/>
+              <a:t>và</a:t>
+            </a:r>
+            <a:r>
+              <a:rPr lang="en-US" dirty="0" smtClean="0"/>
+              <a:t> </a:t>
+            </a:r>
+            <a:r>
+              <a:rPr lang="en-US" dirty="0" err="1" smtClean="0"/>
+              <a:t>kinh</a:t>
+            </a:r>
+            <a:r>
+              <a:rPr lang="en-US" dirty="0" smtClean="0"/>
+              <a:t> </a:t>
+            </a:r>
+            <a:r>
+              <a:rPr lang="en-US" dirty="0" err="1" smtClean="0"/>
+              <a:t>nghiệm</a:t>
+            </a:r>
+            <a:r>
+              <a:rPr lang="en-US" dirty="0" smtClean="0"/>
+              <a:t> </a:t>
+            </a:r>
+            <a:r>
+              <a:rPr lang="en-US" dirty="0" err="1" smtClean="0"/>
+              <a:t>trong</a:t>
+            </a:r>
+            <a:r>
+              <a:rPr lang="en-US" dirty="0" smtClean="0"/>
+              <a:t> </a:t>
+            </a:r>
+            <a:r>
+              <a:rPr lang="en-US" dirty="0" err="1" smtClean="0"/>
               <a:t>quản</a:t>
             </a:r>
             <a:r>
-              <a:rPr lang="en-US" sz="2000" dirty="0" smtClean="0"/>
-              <a:t> </a:t>
-            </a:r>
-            <a:r>
-              <a:rPr lang="en-US" sz="2000" dirty="0" err="1" smtClean="0"/>
+              <a:rPr lang="en-US" dirty="0" smtClean="0"/>
+              <a:t> </a:t>
+            </a:r>
+            <a:r>
+              <a:rPr lang="en-US" dirty="0" err="1" smtClean="0"/>
               <a:t>lý</a:t>
             </a:r>
             <a:r>
-              <a:rPr lang="en-US" sz="2000" dirty="0" smtClean="0"/>
-              <a:t> </a:t>
-            </a:r>
-            <a:r>
-              <a:rPr lang="en-US" sz="2000" dirty="0" err="1" smtClean="0"/>
-              <a:t>dự</a:t>
-            </a:r>
-            <a:r>
-              <a:rPr lang="en-US" sz="2000" dirty="0" smtClean="0"/>
-              <a:t> </a:t>
-            </a:r>
-            <a:r>
-              <a:rPr lang="en-US" sz="2000" dirty="0" err="1" smtClean="0"/>
-              <a:t>án</a:t>
-            </a:r>
-            <a:r>
-              <a:rPr lang="en-US" sz="2000" dirty="0" smtClean="0"/>
-              <a:t> : Microsoft Project 2016</a:t>
-            </a:r>
-            <a:endParaRPr lang="en-US" sz="2000" dirty="0"/>
+              <a:rPr lang="en-US" dirty="0" smtClean="0"/>
+              <a:t> website, </a:t>
+            </a:r>
+            <a:r>
+              <a:rPr lang="en-US" dirty="0" err="1" smtClean="0"/>
+              <a:t>fanpage</a:t>
+            </a:r>
+            <a:r>
+              <a:rPr lang="en-US" dirty="0" smtClean="0"/>
+              <a:t>,… </a:t>
+            </a:r>
+            <a:r>
+              <a:rPr lang="en-US" dirty="0" err="1" smtClean="0"/>
+              <a:t>các</a:t>
+            </a:r>
+            <a:r>
+              <a:rPr lang="en-US" dirty="0" smtClean="0"/>
+              <a:t> </a:t>
+            </a:r>
+            <a:r>
+              <a:rPr lang="en-US" dirty="0" err="1" smtClean="0"/>
+              <a:t>công</a:t>
+            </a:r>
+            <a:r>
+              <a:rPr lang="en-US" dirty="0" smtClean="0"/>
+              <a:t> </a:t>
+            </a:r>
+            <a:r>
+              <a:rPr lang="en-US" dirty="0" err="1" smtClean="0"/>
+              <a:t>cụ</a:t>
+            </a:r>
+            <a:r>
+              <a:rPr lang="en-US" dirty="0" smtClean="0"/>
+              <a:t> </a:t>
+            </a:r>
+            <a:r>
+              <a:rPr lang="en-US" dirty="0" err="1" smtClean="0"/>
+              <a:t>bán</a:t>
+            </a:r>
+            <a:r>
+              <a:rPr lang="en-US" dirty="0" smtClean="0"/>
+              <a:t> </a:t>
+            </a:r>
+            <a:r>
+              <a:rPr lang="en-US" dirty="0" err="1" smtClean="0"/>
+              <a:t>hàng</a:t>
+            </a:r>
+            <a:r>
+              <a:rPr lang="en-US" dirty="0" smtClean="0"/>
+              <a:t> </a:t>
+            </a:r>
+            <a:r>
+              <a:rPr lang="en-US" dirty="0" err="1" smtClean="0"/>
+              <a:t>của</a:t>
+            </a:r>
+            <a:r>
+              <a:rPr lang="en-US" dirty="0" smtClean="0"/>
+              <a:t> </a:t>
+            </a:r>
+            <a:r>
+              <a:rPr lang="en-US" dirty="0" err="1" smtClean="0"/>
+              <a:t>doanh</a:t>
+            </a:r>
+            <a:r>
+              <a:rPr lang="en-US" dirty="0" smtClean="0"/>
+              <a:t> </a:t>
+            </a:r>
+            <a:r>
+              <a:rPr lang="en-US" dirty="0" err="1" smtClean="0"/>
+              <a:t>nghiệp</a:t>
+            </a:r>
+            <a:endParaRPr lang="en-US" dirty="0"/>
           </a:p>
         </p:txBody>
       </p:sp>
-      <p:pic>
-        <p:nvPicPr>
-          <p:cNvPr id="7" name="Picture 6"/>
-          <p:cNvPicPr>
-            <a:picLocks noChangeAspect="1"/>
-          </p:cNvPicPr>
-          <p:nvPr/>
-        </p:nvPicPr>
-        <p:blipFill>
-          <a:blip r:embed="rId2">
-            <a:extLst>
-              <a:ext uri="{28A0092B-C50C-407E-A947-70E740481C1C}">
-                <a14:useLocalDpi xmlns:a14="http://schemas.microsoft.com/office/drawing/2010/main" val="0"/>
-              </a:ext>
-            </a:extLst>
-          </a:blip>
-          <a:stretch>
-            <a:fillRect/>
-          </a:stretch>
-        </p:blipFill>
-        <p:spPr>
-          <a:xfrm>
-            <a:off x="2597426" y="4082992"/>
-            <a:ext cx="2257157" cy="2257157"/>
-          </a:xfrm>
-          <a:prstGeom prst="rect">
-            <a:avLst/>
-          </a:prstGeom>
-        </p:spPr>
-      </p:pic>
-      <p:pic>
-        <p:nvPicPr>
-          <p:cNvPr id="8" name="Picture 7"/>
-          <p:cNvPicPr>
-            <a:picLocks noChangeAspect="1"/>
-          </p:cNvPicPr>
-          <p:nvPr/>
-        </p:nvPicPr>
-        <p:blipFill>
-          <a:blip r:embed="rId3">
-            <a:extLst>
-              <a:ext uri="{28A0092B-C50C-407E-A947-70E740481C1C}">
-                <a14:useLocalDpi xmlns:a14="http://schemas.microsoft.com/office/drawing/2010/main" val="0"/>
-              </a:ext>
-            </a:extLst>
-          </a:blip>
-          <a:stretch>
-            <a:fillRect/>
-          </a:stretch>
-        </p:blipFill>
-        <p:spPr>
-          <a:xfrm>
-            <a:off x="4854583" y="4082992"/>
-            <a:ext cx="3938739" cy="2257157"/>
-          </a:xfrm>
-          <a:prstGeom prst="rect">
-            <a:avLst/>
-          </a:prstGeom>
-        </p:spPr>
-      </p:pic>
     </p:spTree>
     <p:extLst>
       <p:ext uri="{BB962C8B-B14F-4D97-AF65-F5344CB8AC3E}">
-        <p14:creationId xmlns:p14="http://schemas.microsoft.com/office/powerpoint/2010/main" val="256736582"/>
+        <p14:creationId xmlns:p14="http://schemas.microsoft.com/office/powerpoint/2010/main" val="1036769253"/>
       </p:ext>
     </p:extLst>
   </p:cSld>
@@ -16646,7 +17690,11 @@
           <a:p>
             <a:r>
               <a:rPr lang="en-US" dirty="0" smtClean="0"/>
-              <a:t>2.TÍNH KHẢ THI CỦA DỰ ÁN</a:t>
+              <a:t>3. CÁC ĐẦU MỤC CÔNG </a:t>
+            </a:r>
+            <a:r>
+              <a:rPr lang="en-US" dirty="0" err="1" smtClean="0"/>
+              <a:t>Việc</a:t>
             </a:r>
             <a:endParaRPr lang="en-US" dirty="0"/>
           </a:p>
@@ -16654,489 +17702,196 @@
       </p:sp>
       <p:sp>
         <p:nvSpPr>
-          <p:cNvPr id="2" name="Content Placeholder 1"/>
-          <p:cNvSpPr>
-            <a:spLocks noGrp="1"/>
-          </p:cNvSpPr>
-          <p:nvPr>
-            <p:ph idx="1"/>
-          </p:nvPr>
+          <p:cNvPr id="2" name="Rectangle 1"/>
+          <p:cNvSpPr/>
+          <p:nvPr/>
         </p:nvSpPr>
-        <p:spPr/>
+        <p:spPr>
+          <a:xfrm>
+            <a:off x="1287887" y="2485623"/>
+            <a:ext cx="1880315" cy="4037526"/>
+          </a:xfrm>
+          <a:prstGeom prst="rect">
+            <a:avLst/>
+          </a:prstGeom>
+        </p:spPr>
+        <p:style>
+          <a:lnRef idx="1">
+            <a:schemeClr val="accent3"/>
+          </a:lnRef>
+          <a:fillRef idx="2">
+            <a:schemeClr val="accent3"/>
+          </a:fillRef>
+          <a:effectRef idx="1">
+            <a:schemeClr val="accent3"/>
+          </a:effectRef>
+          <a:fontRef idx="minor">
+            <a:schemeClr val="dk1"/>
+          </a:fontRef>
+        </p:style>
         <p:txBody>
-          <a:bodyPr/>
+          <a:bodyPr rtlCol="0" anchor="ctr"/>
           <a:lstStyle/>
           <a:p>
-            <a:pPr marL="0" indent="0">
-              <a:buNone/>
-            </a:pPr>
-            <a:r>
-              <a:rPr lang="en-US" dirty="0" smtClean="0"/>
-              <a:t>- </a:t>
-            </a:r>
-            <a:r>
-              <a:rPr lang="en-US" dirty="0" err="1" smtClean="0"/>
-              <a:t>Cơ</a:t>
-            </a:r>
-            <a:r>
-              <a:rPr lang="en-US" dirty="0" smtClean="0"/>
-              <a:t> </a:t>
-            </a:r>
-            <a:r>
-              <a:rPr lang="en-US" dirty="0" err="1" smtClean="0"/>
-              <a:t>hội</a:t>
-            </a:r>
-            <a:r>
-              <a:rPr lang="en-US" dirty="0" smtClean="0"/>
-              <a:t> </a:t>
-            </a:r>
-            <a:r>
-              <a:rPr lang="en-US" dirty="0" err="1" smtClean="0"/>
-              <a:t>thành</a:t>
-            </a:r>
-            <a:r>
-              <a:rPr lang="en-US" dirty="0" smtClean="0"/>
-              <a:t> </a:t>
-            </a:r>
-            <a:r>
-              <a:rPr lang="en-US" dirty="0" err="1" smtClean="0"/>
-              <a:t>công</a:t>
-            </a:r>
-            <a:r>
-              <a:rPr lang="en-US" dirty="0" smtClean="0"/>
-              <a:t> </a:t>
-            </a:r>
-            <a:r>
-              <a:rPr lang="en-US" dirty="0" err="1" smtClean="0"/>
-              <a:t>của</a:t>
-            </a:r>
-            <a:r>
-              <a:rPr lang="en-US" dirty="0" smtClean="0"/>
-              <a:t> </a:t>
-            </a:r>
-            <a:r>
-              <a:rPr lang="en-US" dirty="0" err="1" smtClean="0"/>
-              <a:t>dự</a:t>
-            </a:r>
-            <a:r>
-              <a:rPr lang="en-US" dirty="0" smtClean="0"/>
-              <a:t> </a:t>
-            </a:r>
-            <a:r>
-              <a:rPr lang="en-US" dirty="0" err="1" smtClean="0"/>
-              <a:t>án</a:t>
-            </a:r>
-            <a:r>
-              <a:rPr lang="en-US" dirty="0" smtClean="0"/>
-              <a:t> </a:t>
-            </a:r>
-            <a:r>
-              <a:rPr lang="en-US" dirty="0" err="1" smtClean="0"/>
-              <a:t>phụ</a:t>
-            </a:r>
-            <a:r>
-              <a:rPr lang="en-US" dirty="0" smtClean="0"/>
-              <a:t> </a:t>
-            </a:r>
-            <a:r>
-              <a:rPr lang="en-US" dirty="0" err="1" smtClean="0"/>
-              <a:t>thuộc</a:t>
-            </a:r>
-            <a:r>
-              <a:rPr lang="en-US" dirty="0" smtClean="0"/>
-              <a:t> </a:t>
-            </a:r>
-            <a:r>
-              <a:rPr lang="en-US" dirty="0" err="1" smtClean="0"/>
-              <a:t>vào</a:t>
-            </a:r>
-            <a:r>
-              <a:rPr lang="en-US" dirty="0" smtClean="0"/>
-              <a:t> </a:t>
-            </a:r>
-            <a:r>
-              <a:rPr lang="en-US" dirty="0" err="1" smtClean="0"/>
-              <a:t>những</a:t>
-            </a:r>
-            <a:r>
-              <a:rPr lang="en-US" dirty="0" smtClean="0"/>
-              <a:t> </a:t>
-            </a:r>
-            <a:r>
-              <a:rPr lang="en-US" dirty="0" err="1" smtClean="0"/>
-              <a:t>yếu</a:t>
-            </a:r>
-            <a:r>
-              <a:rPr lang="en-US" dirty="0" smtClean="0"/>
-              <a:t> </a:t>
-            </a:r>
-            <a:r>
-              <a:rPr lang="en-US" dirty="0" err="1" smtClean="0"/>
-              <a:t>tố</a:t>
-            </a:r>
-            <a:r>
-              <a:rPr lang="en-US" dirty="0" smtClean="0"/>
-              <a:t> : </a:t>
-            </a:r>
-          </a:p>
-          <a:p>
-            <a:r>
-              <a:rPr lang="en-US" dirty="0" err="1" smtClean="0"/>
-              <a:t>Tính</a:t>
-            </a:r>
-            <a:r>
-              <a:rPr lang="en-US" dirty="0" smtClean="0"/>
-              <a:t> </a:t>
-            </a:r>
-            <a:r>
-              <a:rPr lang="en-US" dirty="0" err="1" smtClean="0"/>
-              <a:t>khả</a:t>
-            </a:r>
-            <a:r>
-              <a:rPr lang="en-US" dirty="0" smtClean="0"/>
-              <a:t> </a:t>
-            </a:r>
-            <a:r>
-              <a:rPr lang="en-US" dirty="0" err="1" smtClean="0"/>
-              <a:t>thi</a:t>
-            </a:r>
-            <a:r>
-              <a:rPr lang="en-US" dirty="0" smtClean="0"/>
-              <a:t> </a:t>
-            </a:r>
-            <a:r>
-              <a:rPr lang="en-US" dirty="0" err="1" smtClean="0"/>
-              <a:t>về</a:t>
-            </a:r>
-            <a:r>
-              <a:rPr lang="en-US" dirty="0" smtClean="0"/>
-              <a:t> </a:t>
-            </a:r>
-            <a:r>
-              <a:rPr lang="en-US" dirty="0" err="1" smtClean="0"/>
-              <a:t>kinh</a:t>
-            </a:r>
-            <a:r>
-              <a:rPr lang="en-US" dirty="0" smtClean="0"/>
-              <a:t> </a:t>
-            </a:r>
-            <a:r>
-              <a:rPr lang="en-US" dirty="0" err="1" smtClean="0"/>
-              <a:t>tế</a:t>
-            </a:r>
-            <a:endParaRPr lang="en-US" dirty="0" smtClean="0"/>
-          </a:p>
-          <a:p>
-            <a:r>
-              <a:rPr lang="en-US" dirty="0" err="1" smtClean="0"/>
-              <a:t>Tính</a:t>
-            </a:r>
-            <a:r>
-              <a:rPr lang="en-US" dirty="0" smtClean="0"/>
-              <a:t> </a:t>
-            </a:r>
-            <a:r>
-              <a:rPr lang="en-US" dirty="0" err="1" smtClean="0"/>
-              <a:t>khả</a:t>
-            </a:r>
-            <a:r>
-              <a:rPr lang="en-US" dirty="0" smtClean="0"/>
-              <a:t> </a:t>
-            </a:r>
-            <a:r>
-              <a:rPr lang="en-US" dirty="0" err="1" smtClean="0"/>
-              <a:t>thi</a:t>
-            </a:r>
-            <a:r>
-              <a:rPr lang="en-US" dirty="0" smtClean="0"/>
-              <a:t> </a:t>
-            </a:r>
-            <a:r>
-              <a:rPr lang="en-US" dirty="0" err="1" smtClean="0"/>
-              <a:t>về</a:t>
-            </a:r>
-            <a:r>
-              <a:rPr lang="en-US" dirty="0" smtClean="0"/>
-              <a:t> </a:t>
-            </a:r>
-            <a:r>
-              <a:rPr lang="en-US" dirty="0" err="1" smtClean="0"/>
-              <a:t>nguồn</a:t>
-            </a:r>
-            <a:r>
-              <a:rPr lang="en-US" dirty="0" smtClean="0"/>
-              <a:t> </a:t>
-            </a:r>
-            <a:r>
-              <a:rPr lang="en-US" dirty="0" err="1" smtClean="0"/>
-              <a:t>lực</a:t>
-            </a:r>
-            <a:endParaRPr lang="en-US" dirty="0" smtClean="0"/>
-          </a:p>
-          <a:p>
-            <a:r>
-              <a:rPr lang="en-US" dirty="0" err="1" smtClean="0"/>
-              <a:t>Tính</a:t>
-            </a:r>
-            <a:r>
-              <a:rPr lang="en-US" dirty="0" smtClean="0"/>
-              <a:t> </a:t>
-            </a:r>
-            <a:r>
-              <a:rPr lang="en-US" dirty="0" err="1" smtClean="0"/>
-              <a:t>khả</a:t>
-            </a:r>
-            <a:r>
-              <a:rPr lang="en-US" dirty="0" smtClean="0"/>
-              <a:t> </a:t>
-            </a:r>
-            <a:r>
-              <a:rPr lang="en-US" dirty="0" err="1" smtClean="0"/>
-              <a:t>thi</a:t>
-            </a:r>
-            <a:r>
-              <a:rPr lang="en-US" dirty="0" smtClean="0"/>
-              <a:t> </a:t>
-            </a:r>
-            <a:r>
-              <a:rPr lang="en-US" dirty="0" err="1" smtClean="0"/>
-              <a:t>về</a:t>
-            </a:r>
-            <a:r>
-              <a:rPr lang="en-US" dirty="0" smtClean="0"/>
-              <a:t> </a:t>
-            </a:r>
-            <a:r>
-              <a:rPr lang="en-US" dirty="0" err="1" smtClean="0"/>
-              <a:t>thị</a:t>
-            </a:r>
-            <a:r>
-              <a:rPr lang="en-US" dirty="0" smtClean="0"/>
-              <a:t> </a:t>
-            </a:r>
-            <a:r>
-              <a:rPr lang="en-US" dirty="0" err="1" smtClean="0"/>
-              <a:t>trường</a:t>
-            </a:r>
-            <a:endParaRPr lang="en-US" dirty="0" smtClean="0"/>
-          </a:p>
-          <a:p>
-            <a:r>
-              <a:rPr lang="en-US" dirty="0" err="1" smtClean="0"/>
-              <a:t>Tính</a:t>
-            </a:r>
-            <a:r>
-              <a:rPr lang="en-US" dirty="0" smtClean="0"/>
-              <a:t> </a:t>
-            </a:r>
-            <a:r>
-              <a:rPr lang="en-US" dirty="0" err="1" smtClean="0"/>
-              <a:t>khả</a:t>
-            </a:r>
-            <a:r>
-              <a:rPr lang="en-US" dirty="0" smtClean="0"/>
-              <a:t> </a:t>
-            </a:r>
-            <a:r>
-              <a:rPr lang="en-US" dirty="0" err="1" smtClean="0"/>
-              <a:t>thi</a:t>
-            </a:r>
-            <a:r>
-              <a:rPr lang="en-US" dirty="0" smtClean="0"/>
-              <a:t> </a:t>
-            </a:r>
-            <a:r>
-              <a:rPr lang="en-US" dirty="0" err="1" smtClean="0"/>
-              <a:t>về</a:t>
-            </a:r>
-            <a:r>
-              <a:rPr lang="en-US" dirty="0" smtClean="0"/>
-              <a:t> </a:t>
-            </a:r>
-            <a:r>
-              <a:rPr lang="en-US" dirty="0" err="1" smtClean="0"/>
-              <a:t>pháp</a:t>
-            </a:r>
-            <a:r>
-              <a:rPr lang="en-US" dirty="0" smtClean="0"/>
-              <a:t> </a:t>
-            </a:r>
-            <a:r>
-              <a:rPr lang="en-US" dirty="0" err="1" smtClean="0"/>
-              <a:t>lý</a:t>
-            </a:r>
-            <a:endParaRPr lang="en-US" dirty="0" smtClean="0"/>
-          </a:p>
-          <a:p>
-            <a:r>
-              <a:rPr lang="en-US" dirty="0" err="1" smtClean="0"/>
-              <a:t>Tính</a:t>
-            </a:r>
-            <a:r>
-              <a:rPr lang="en-US" dirty="0" smtClean="0"/>
-              <a:t> </a:t>
-            </a:r>
-            <a:r>
-              <a:rPr lang="en-US" dirty="0" err="1" smtClean="0"/>
-              <a:t>khả</a:t>
-            </a:r>
-            <a:r>
-              <a:rPr lang="en-US" dirty="0" smtClean="0"/>
-              <a:t> </a:t>
-            </a:r>
-            <a:r>
-              <a:rPr lang="en-US" dirty="0" err="1" smtClean="0"/>
-              <a:t>thi</a:t>
-            </a:r>
-            <a:r>
-              <a:rPr lang="en-US" dirty="0" smtClean="0"/>
-              <a:t> </a:t>
-            </a:r>
-            <a:r>
-              <a:rPr lang="en-US" dirty="0" err="1" smtClean="0"/>
-              <a:t>vận</a:t>
-            </a:r>
-            <a:r>
-              <a:rPr lang="en-US" dirty="0" smtClean="0"/>
-              <a:t> </a:t>
-            </a:r>
-            <a:r>
-              <a:rPr lang="en-US" dirty="0" err="1" smtClean="0"/>
-              <a:t>hành</a:t>
-            </a:r>
-            <a:endParaRPr lang="en-US" dirty="0" smtClean="0"/>
-          </a:p>
-          <a:p>
-            <a:r>
-              <a:rPr lang="en-US" dirty="0" err="1" smtClean="0"/>
-              <a:t>Tính</a:t>
-            </a:r>
-            <a:r>
-              <a:rPr lang="en-US" dirty="0" smtClean="0"/>
-              <a:t> </a:t>
-            </a:r>
-            <a:r>
-              <a:rPr lang="en-US" dirty="0" err="1" smtClean="0"/>
-              <a:t>khả</a:t>
-            </a:r>
-            <a:r>
-              <a:rPr lang="en-US" dirty="0" smtClean="0"/>
-              <a:t> </a:t>
-            </a:r>
-            <a:r>
-              <a:rPr lang="en-US" dirty="0" err="1" smtClean="0"/>
-              <a:t>thi</a:t>
-            </a:r>
-            <a:r>
-              <a:rPr lang="en-US" dirty="0" smtClean="0"/>
-              <a:t> </a:t>
-            </a:r>
-            <a:r>
-              <a:rPr lang="en-US" dirty="0" err="1" smtClean="0"/>
-              <a:t>tiến</a:t>
-            </a:r>
-            <a:r>
-              <a:rPr lang="en-US" dirty="0" smtClean="0"/>
-              <a:t> </a:t>
-            </a:r>
-            <a:r>
-              <a:rPr lang="en-US" dirty="0" err="1" smtClean="0"/>
-              <a:t>độ</a:t>
-            </a:r>
-            <a:r>
-              <a:rPr lang="en-US" dirty="0" smtClean="0"/>
-              <a:t>, </a:t>
-            </a:r>
-            <a:r>
-              <a:rPr lang="en-US" dirty="0" err="1" smtClean="0"/>
-              <a:t>thời</a:t>
-            </a:r>
-            <a:r>
-              <a:rPr lang="en-US" dirty="0" smtClean="0"/>
-              <a:t> </a:t>
-            </a:r>
-            <a:r>
-              <a:rPr lang="en-US" dirty="0" err="1" smtClean="0"/>
-              <a:t>gian</a:t>
-            </a:r>
-            <a:r>
-              <a:rPr lang="en-US" dirty="0" smtClean="0"/>
-              <a:t> </a:t>
-            </a:r>
-            <a:r>
-              <a:rPr lang="en-US" dirty="0" err="1" smtClean="0"/>
-              <a:t>dự</a:t>
-            </a:r>
-            <a:r>
-              <a:rPr lang="en-US" dirty="0" smtClean="0"/>
-              <a:t> </a:t>
-            </a:r>
-            <a:r>
-              <a:rPr lang="en-US" dirty="0" err="1" smtClean="0"/>
-              <a:t>án</a:t>
-            </a:r>
-            <a:endParaRPr lang="en-US" dirty="0" smtClean="0"/>
-          </a:p>
-          <a:p>
-            <a:r>
-              <a:rPr lang="en-US" dirty="0" err="1" smtClean="0"/>
-              <a:t>Tính</a:t>
-            </a:r>
-            <a:r>
-              <a:rPr lang="en-US" dirty="0" smtClean="0"/>
-              <a:t> </a:t>
-            </a:r>
-            <a:r>
-              <a:rPr lang="en-US" dirty="0" err="1" smtClean="0"/>
-              <a:t>khả</a:t>
-            </a:r>
-            <a:r>
-              <a:rPr lang="en-US" dirty="0" smtClean="0"/>
-              <a:t> </a:t>
-            </a:r>
-            <a:r>
-              <a:rPr lang="en-US" dirty="0" err="1" smtClean="0"/>
-              <a:t>thi</a:t>
-            </a:r>
-            <a:r>
-              <a:rPr lang="en-US" dirty="0" smtClean="0"/>
-              <a:t> </a:t>
-            </a:r>
-            <a:r>
-              <a:rPr lang="en-US" dirty="0" err="1" smtClean="0"/>
-              <a:t>công</a:t>
-            </a:r>
-            <a:r>
-              <a:rPr lang="en-US" dirty="0" smtClean="0"/>
-              <a:t> </a:t>
-            </a:r>
-            <a:r>
-              <a:rPr lang="en-US" dirty="0" err="1" smtClean="0"/>
-              <a:t>nghệ</a:t>
-            </a:r>
-            <a:r>
-              <a:rPr lang="en-US" dirty="0" smtClean="0"/>
-              <a:t> </a:t>
-            </a:r>
-            <a:r>
-              <a:rPr lang="en-US" dirty="0" err="1" smtClean="0"/>
-              <a:t>và</a:t>
-            </a:r>
-            <a:r>
-              <a:rPr lang="en-US" dirty="0" smtClean="0"/>
-              <a:t> </a:t>
-            </a:r>
-            <a:r>
-              <a:rPr lang="en-US" dirty="0" err="1" smtClean="0"/>
-              <a:t>hệ</a:t>
-            </a:r>
-            <a:r>
-              <a:rPr lang="en-US" dirty="0" smtClean="0"/>
-              <a:t> </a:t>
-            </a:r>
-            <a:r>
-              <a:rPr lang="en-US" dirty="0" err="1" smtClean="0"/>
-              <a:t>thống</a:t>
+            <a:pPr algn="ctr"/>
+            <a:r>
+              <a:rPr lang="en-US" dirty="0" smtClean="0"/>
+              <a:t>Planning</a:t>
+            </a:r>
+          </a:p>
+        </p:txBody>
+      </p:sp>
+      <p:sp>
+        <p:nvSpPr>
+          <p:cNvPr id="4" name="Oval 3"/>
+          <p:cNvSpPr/>
+          <p:nvPr/>
+        </p:nvSpPr>
+        <p:spPr>
+          <a:xfrm>
+            <a:off x="5473521" y="2485623"/>
+            <a:ext cx="5190186" cy="1133341"/>
+          </a:xfrm>
+          <a:prstGeom prst="ellipse">
+            <a:avLst/>
+          </a:prstGeom>
+        </p:spPr>
+        <p:style>
+          <a:lnRef idx="1">
+            <a:schemeClr val="accent3"/>
+          </a:lnRef>
+          <a:fillRef idx="2">
+            <a:schemeClr val="accent3"/>
+          </a:fillRef>
+          <a:effectRef idx="1">
+            <a:schemeClr val="accent3"/>
+          </a:effectRef>
+          <a:fontRef idx="minor">
+            <a:schemeClr val="dk1"/>
+          </a:fontRef>
+        </p:style>
+        <p:txBody>
+          <a:bodyPr rtlCol="0" anchor="ctr"/>
+          <a:lstStyle/>
+          <a:p>
+            <a:pPr algn="ctr"/>
+            <a:r>
+              <a:rPr lang="en-US" dirty="0" err="1" smtClean="0"/>
+              <a:t>Lập</a:t>
+            </a:r>
+            <a:r>
+              <a:rPr lang="en-US" dirty="0" smtClean="0"/>
+              <a:t> project team</a:t>
+            </a:r>
+          </a:p>
+        </p:txBody>
+      </p:sp>
+      <p:sp>
+        <p:nvSpPr>
+          <p:cNvPr id="5" name="Oval 4"/>
+          <p:cNvSpPr/>
+          <p:nvPr/>
+        </p:nvSpPr>
+        <p:spPr>
+          <a:xfrm>
+            <a:off x="5473521" y="3944155"/>
+            <a:ext cx="5190186" cy="1133341"/>
+          </a:xfrm>
+          <a:prstGeom prst="ellipse">
+            <a:avLst/>
+          </a:prstGeom>
+        </p:spPr>
+        <p:style>
+          <a:lnRef idx="1">
+            <a:schemeClr val="accent3"/>
+          </a:lnRef>
+          <a:fillRef idx="2">
+            <a:schemeClr val="accent3"/>
+          </a:fillRef>
+          <a:effectRef idx="1">
+            <a:schemeClr val="accent3"/>
+          </a:effectRef>
+          <a:fontRef idx="minor">
+            <a:schemeClr val="dk1"/>
+          </a:fontRef>
+        </p:style>
+        <p:txBody>
+          <a:bodyPr rtlCol="0" anchor="ctr"/>
+          <a:lstStyle/>
+          <a:p>
+            <a:pPr algn="ctr"/>
+            <a:r>
+              <a:rPr lang="en-US" dirty="0" err="1" smtClean="0"/>
+              <a:t>Lập</a:t>
+            </a:r>
+            <a:r>
+              <a:rPr lang="en-US" dirty="0" smtClean="0"/>
+              <a:t> project plan</a:t>
+            </a:r>
+          </a:p>
+        </p:txBody>
+      </p:sp>
+      <p:sp>
+        <p:nvSpPr>
+          <p:cNvPr id="6" name="Oval 5"/>
+          <p:cNvSpPr/>
+          <p:nvPr/>
+        </p:nvSpPr>
+        <p:spPr>
+          <a:xfrm>
+            <a:off x="5686022" y="5402687"/>
+            <a:ext cx="4765183" cy="1120462"/>
+          </a:xfrm>
+          <a:prstGeom prst="ellipse">
+            <a:avLst/>
+          </a:prstGeom>
+        </p:spPr>
+        <p:style>
+          <a:lnRef idx="1">
+            <a:schemeClr val="accent3"/>
+          </a:lnRef>
+          <a:fillRef idx="2">
+            <a:schemeClr val="accent3"/>
+          </a:fillRef>
+          <a:effectRef idx="1">
+            <a:schemeClr val="accent3"/>
+          </a:effectRef>
+          <a:fontRef idx="minor">
+            <a:schemeClr val="dk1"/>
+          </a:fontRef>
+        </p:style>
+        <p:txBody>
+          <a:bodyPr rtlCol="0" anchor="ctr"/>
+          <a:lstStyle/>
+          <a:p>
+            <a:pPr algn="ctr"/>
+            <a:r>
+              <a:rPr lang="en-US" dirty="0" err="1" smtClean="0"/>
+              <a:t>Xác</a:t>
+            </a:r>
+            <a:r>
+              <a:rPr lang="en-US" dirty="0" smtClean="0"/>
+              <a:t> </a:t>
+            </a:r>
+            <a:r>
+              <a:rPr lang="en-US" dirty="0" err="1" smtClean="0"/>
+              <a:t>định</a:t>
+            </a:r>
+            <a:r>
+              <a:rPr lang="en-US" dirty="0" smtClean="0"/>
+              <a:t> </a:t>
+            </a:r>
+            <a:r>
+              <a:rPr lang="en-US" dirty="0" err="1" smtClean="0"/>
+              <a:t>các</a:t>
+            </a:r>
+            <a:r>
+              <a:rPr lang="en-US" dirty="0" smtClean="0"/>
+              <a:t> </a:t>
+            </a:r>
+            <a:r>
+              <a:rPr lang="en-US" i="1" dirty="0"/>
+              <a:t>Milestone</a:t>
             </a:r>
             <a:endParaRPr lang="en-US" dirty="0"/>
           </a:p>
@@ -17145,7 +17900,7 @@
     </p:spTree>
     <p:extLst>
       <p:ext uri="{BB962C8B-B14F-4D97-AF65-F5344CB8AC3E}">
-        <p14:creationId xmlns:p14="http://schemas.microsoft.com/office/powerpoint/2010/main" val="1036769253"/>
+        <p14:creationId xmlns:p14="http://schemas.microsoft.com/office/powerpoint/2010/main" val="2657053547"/>
       </p:ext>
     </p:extLst>
   </p:cSld>
@@ -17226,8 +17981,8 @@
         </p:nvSpPr>
         <p:spPr>
           <a:xfrm>
-            <a:off x="1287887" y="2485623"/>
-            <a:ext cx="1880315" cy="4037526"/>
+            <a:off x="965916" y="2423492"/>
+            <a:ext cx="1803042" cy="4275786"/>
           </a:xfrm>
           <a:prstGeom prst="rect">
             <a:avLst/>
@@ -17253,9 +18008,13 @@
           <a:p>
             <a:pPr algn="ctr"/>
             <a:r>
-              <a:rPr lang="en-US" dirty="0" smtClean="0"/>
-              <a:t>Planning</a:t>
-            </a:r>
+              <a:rPr lang="en-US" dirty="0"/>
+              <a:t>Execution</a:t>
+            </a:r>
+          </a:p>
+          <a:p>
+            <a:pPr algn="ctr"/>
+            <a:endParaRPr lang="en-US" dirty="0"/>
           </a:p>
         </p:txBody>
       </p:sp>
@@ -17267,8 +18026,8 @@
         </p:nvSpPr>
         <p:spPr>
           <a:xfrm>
-            <a:off x="5473521" y="2485623"/>
-            <a:ext cx="5190186" cy="1133341"/>
+            <a:off x="5112911" y="2423492"/>
+            <a:ext cx="4417456" cy="794847"/>
           </a:xfrm>
           <a:prstGeom prst="ellipse">
             <a:avLst/>
@@ -17294,26 +18053,23 @@
           <a:p>
             <a:pPr algn="ctr"/>
             <a:r>
-              <a:rPr lang="en-US" dirty="0" err="1" smtClean="0"/>
-              <a:t>Lập</a:t>
-            </a:r>
-            <a:r>
-              <a:rPr lang="en-US" dirty="0" smtClean="0"/>
-              <a:t> project team</a:t>
-            </a:r>
+              <a:rPr lang="en-US" dirty="0" smtClean="0"/>
+              <a:t>User requirement specification document</a:t>
+            </a:r>
+            <a:endParaRPr lang="en-US" dirty="0"/>
           </a:p>
         </p:txBody>
       </p:sp>
       <p:sp>
         <p:nvSpPr>
-          <p:cNvPr id="5" name="Oval 4"/>
+          <p:cNvPr id="6" name="Oval 5"/>
           <p:cNvSpPr/>
           <p:nvPr/>
         </p:nvSpPr>
         <p:spPr>
           <a:xfrm>
-            <a:off x="5473521" y="3944155"/>
-            <a:ext cx="5190186" cy="1133341"/>
+            <a:off x="5112910" y="3441689"/>
+            <a:ext cx="4417456" cy="930014"/>
           </a:xfrm>
           <a:prstGeom prst="ellipse">
             <a:avLst/>
@@ -17339,26 +18095,23 @@
           <a:p>
             <a:pPr algn="ctr"/>
             <a:r>
-              <a:rPr lang="en-US" dirty="0" err="1" smtClean="0"/>
-              <a:t>Lập</a:t>
-            </a:r>
-            <a:r>
-              <a:rPr lang="en-US" dirty="0" smtClean="0"/>
-              <a:t> project plan</a:t>
-            </a:r>
+              <a:rPr lang="en-US" dirty="0" smtClean="0"/>
+              <a:t>Design: GUI, Database</a:t>
+            </a:r>
+            <a:endParaRPr lang="en-US" dirty="0"/>
           </a:p>
         </p:txBody>
       </p:sp>
       <p:sp>
         <p:nvSpPr>
-          <p:cNvPr id="6" name="Oval 5"/>
+          <p:cNvPr id="7" name="Oval 6"/>
           <p:cNvSpPr/>
           <p:nvPr/>
         </p:nvSpPr>
         <p:spPr>
           <a:xfrm>
-            <a:off x="5686022" y="5402687"/>
-            <a:ext cx="4765183" cy="1120462"/>
+            <a:off x="5215943" y="4639879"/>
+            <a:ext cx="4314425" cy="916177"/>
           </a:xfrm>
           <a:prstGeom prst="ellipse">
             <a:avLst/>
@@ -17384,32 +18137,49 @@
           <a:p>
             <a:pPr algn="ctr"/>
             <a:r>
-              <a:rPr lang="en-US" dirty="0" err="1" smtClean="0"/>
-              <a:t>Xác</a:t>
-            </a:r>
-            <a:r>
-              <a:rPr lang="en-US" dirty="0" smtClean="0"/>
-              <a:t> </a:t>
-            </a:r>
-            <a:r>
-              <a:rPr lang="en-US" dirty="0" err="1" smtClean="0"/>
-              <a:t>định</a:t>
-            </a:r>
-            <a:r>
-              <a:rPr lang="en-US" dirty="0" smtClean="0"/>
-              <a:t> </a:t>
-            </a:r>
-            <a:r>
-              <a:rPr lang="en-US" dirty="0" err="1" smtClean="0"/>
-              <a:t>các</a:t>
-            </a:r>
-            <a:r>
-              <a:rPr lang="en-US" dirty="0" smtClean="0"/>
-              <a:t> </a:t>
-            </a:r>
-            <a:r>
-              <a:rPr lang="en-US" i="1" dirty="0"/>
-              <a:t>Milestone</a:t>
+              <a:rPr lang="en-US" dirty="0" smtClean="0"/>
+              <a:t>Coding: Business </a:t>
+            </a:r>
+          </a:p>
+        </p:txBody>
+      </p:sp>
+      <p:sp>
+        <p:nvSpPr>
+          <p:cNvPr id="8" name="Oval 7"/>
+          <p:cNvSpPr/>
+          <p:nvPr/>
+        </p:nvSpPr>
+        <p:spPr>
+          <a:xfrm>
+            <a:off x="5164425" y="5793243"/>
+            <a:ext cx="4314425" cy="906035"/>
+          </a:xfrm>
+          <a:prstGeom prst="ellipse">
+            <a:avLst/>
+          </a:prstGeom>
+        </p:spPr>
+        <p:style>
+          <a:lnRef idx="1">
+            <a:schemeClr val="accent3"/>
+          </a:lnRef>
+          <a:fillRef idx="2">
+            <a:schemeClr val="accent3"/>
+          </a:fillRef>
+          <a:effectRef idx="1">
+            <a:schemeClr val="accent3"/>
+          </a:effectRef>
+          <a:fontRef idx="minor">
+            <a:schemeClr val="dk1"/>
+          </a:fontRef>
+        </p:style>
+        <p:txBody>
+          <a:bodyPr rtlCol="0" anchor="ctr"/>
+          <a:lstStyle/>
+          <a:p>
+            <a:pPr algn="ctr"/>
+            <a:r>
+              <a:rPr lang="en-US" dirty="0" smtClean="0"/>
+              <a:t>Testing</a:t>
             </a:r>
             <a:endParaRPr lang="en-US" dirty="0"/>
           </a:p>
@@ -17418,7 +18188,7 @@
     </p:spTree>
     <p:extLst>
       <p:ext uri="{BB962C8B-B14F-4D97-AF65-F5344CB8AC3E}">
-        <p14:creationId xmlns:p14="http://schemas.microsoft.com/office/powerpoint/2010/main" val="2657053547"/>
+        <p14:creationId xmlns:p14="http://schemas.microsoft.com/office/powerpoint/2010/main" val="1635600079"/>
       </p:ext>
     </p:extLst>
   </p:cSld>
@@ -17480,11 +18250,11 @@
           <a:lstStyle/>
           <a:p>
             <a:r>
-              <a:rPr lang="en-US" dirty="0" smtClean="0"/>
+              <a:rPr lang="en-US" dirty="0"/>
               <a:t>3. CÁC ĐẦU MỤC CÔNG </a:t>
             </a:r>
             <a:r>
-              <a:rPr lang="en-US" dirty="0" err="1" smtClean="0"/>
+              <a:rPr lang="en-US" dirty="0" err="1"/>
               <a:t>Việc</a:t>
             </a:r>
             <a:endParaRPr lang="en-US" dirty="0"/>
@@ -17493,14 +18263,14 @@
       </p:sp>
       <p:sp>
         <p:nvSpPr>
-          <p:cNvPr id="2" name="Rectangle 1"/>
+          <p:cNvPr id="4" name="Rectangle 3"/>
           <p:cNvSpPr/>
           <p:nvPr/>
         </p:nvSpPr>
         <p:spPr>
           <a:xfrm>
-            <a:off x="965916" y="2423492"/>
-            <a:ext cx="1803042" cy="4275786"/>
+            <a:off x="1223493" y="2318197"/>
+            <a:ext cx="1764406" cy="3657600"/>
           </a:xfrm>
           <a:prstGeom prst="rect">
             <a:avLst/>
@@ -17527,7 +18297,7 @@
             <a:pPr algn="ctr"/>
             <a:r>
               <a:rPr lang="en-US" dirty="0"/>
-              <a:t>Execution</a:t>
+              <a:t>Control</a:t>
             </a:r>
           </a:p>
           <a:p>
@@ -17538,14 +18308,14 @@
       </p:sp>
       <p:sp>
         <p:nvSpPr>
-          <p:cNvPr id="4" name="Oval 3"/>
+          <p:cNvPr id="5" name="Oval 4"/>
           <p:cNvSpPr/>
           <p:nvPr/>
         </p:nvSpPr>
         <p:spPr>
           <a:xfrm>
-            <a:off x="5112911" y="2423492"/>
-            <a:ext cx="4417456" cy="794847"/>
+            <a:off x="4018207" y="2794715"/>
+            <a:ext cx="5743978" cy="1068947"/>
           </a:xfrm>
           <a:prstGeom prst="ellipse">
             <a:avLst/>
@@ -17571,8 +18341,56 @@
           <a:p>
             <a:pPr algn="ctr"/>
             <a:r>
-              <a:rPr lang="en-US" dirty="0" smtClean="0"/>
-              <a:t>User requirement specification document</a:t>
+              <a:rPr lang="en-US" dirty="0" err="1" smtClean="0"/>
+              <a:t>Kiểm</a:t>
+            </a:r>
+            <a:r>
+              <a:rPr lang="en-US" dirty="0" smtClean="0"/>
+              <a:t> </a:t>
+            </a:r>
+            <a:r>
+              <a:rPr lang="en-US" dirty="0" err="1" smtClean="0"/>
+              <a:t>soát</a:t>
+            </a:r>
+            <a:r>
+              <a:rPr lang="en-US" dirty="0" smtClean="0"/>
+              <a:t> </a:t>
+            </a:r>
+            <a:r>
+              <a:rPr lang="en-US" dirty="0" err="1" smtClean="0"/>
+              <a:t>tiến</a:t>
+            </a:r>
+            <a:r>
+              <a:rPr lang="en-US" dirty="0" smtClean="0"/>
+              <a:t> </a:t>
+            </a:r>
+            <a:r>
+              <a:rPr lang="en-US" dirty="0" err="1" smtClean="0"/>
+              <a:t>độ</a:t>
+            </a:r>
+            <a:r>
+              <a:rPr lang="en-US" dirty="0" smtClean="0"/>
+              <a:t> </a:t>
+            </a:r>
+            <a:r>
+              <a:rPr lang="en-US" dirty="0" err="1" smtClean="0"/>
+              <a:t>của</a:t>
+            </a:r>
+            <a:r>
+              <a:rPr lang="en-US" dirty="0" smtClean="0"/>
+              <a:t> </a:t>
+            </a:r>
+            <a:r>
+              <a:rPr lang="en-US" dirty="0" err="1" smtClean="0"/>
+              <a:t>dự</a:t>
+            </a:r>
+            <a:r>
+              <a:rPr lang="en-US" dirty="0" smtClean="0"/>
+              <a:t> </a:t>
+            </a:r>
+            <a:r>
+              <a:rPr lang="en-US" dirty="0" err="1" smtClean="0"/>
+              <a:t>án</a:t>
             </a:r>
             <a:endParaRPr lang="en-US" dirty="0"/>
           </a:p>
@@ -17580,14 +18398,14 @@
       </p:sp>
       <p:sp>
         <p:nvSpPr>
-          <p:cNvPr id="6" name="Oval 5"/>
+          <p:cNvPr id="8" name="Oval 7"/>
           <p:cNvSpPr/>
           <p:nvPr/>
         </p:nvSpPr>
         <p:spPr>
           <a:xfrm>
-            <a:off x="5112910" y="3441689"/>
-            <a:ext cx="4417456" cy="930014"/>
+            <a:off x="4018207" y="4642833"/>
+            <a:ext cx="5743978" cy="1068947"/>
           </a:xfrm>
           <a:prstGeom prst="ellipse">
             <a:avLst/>
@@ -17613,91 +18431,48 @@
           <a:p>
             <a:pPr algn="ctr"/>
             <a:r>
-              <a:rPr lang="en-US" dirty="0" smtClean="0"/>
-              <a:t>Design: GUI, Database</a:t>
-            </a:r>
-            <a:endParaRPr lang="en-US" dirty="0"/>
-          </a:p>
-        </p:txBody>
-      </p:sp>
-      <p:sp>
-        <p:nvSpPr>
-          <p:cNvPr id="7" name="Oval 6"/>
-          <p:cNvSpPr/>
-          <p:nvPr/>
-        </p:nvSpPr>
-        <p:spPr>
-          <a:xfrm>
-            <a:off x="5215943" y="4639879"/>
-            <a:ext cx="4314425" cy="916177"/>
-          </a:xfrm>
-          <a:prstGeom prst="ellipse">
-            <a:avLst/>
-          </a:prstGeom>
-        </p:spPr>
-        <p:style>
-          <a:lnRef idx="1">
-            <a:schemeClr val="accent3"/>
-          </a:lnRef>
-          <a:fillRef idx="2">
-            <a:schemeClr val="accent3"/>
-          </a:fillRef>
-          <a:effectRef idx="1">
-            <a:schemeClr val="accent3"/>
-          </a:effectRef>
-          <a:fontRef idx="minor">
-            <a:schemeClr val="dk1"/>
-          </a:fontRef>
-        </p:style>
-        <p:txBody>
-          <a:bodyPr rtlCol="0" anchor="ctr"/>
-          <a:lstStyle/>
-          <a:p>
-            <a:pPr algn="ctr"/>
-            <a:r>
-              <a:rPr lang="en-US" dirty="0" smtClean="0"/>
-              <a:t>Coding: Business </a:t>
-            </a:r>
-          </a:p>
-        </p:txBody>
-      </p:sp>
-      <p:sp>
-        <p:nvSpPr>
-          <p:cNvPr id="8" name="Oval 7"/>
-          <p:cNvSpPr/>
-          <p:nvPr/>
-        </p:nvSpPr>
-        <p:spPr>
-          <a:xfrm>
-            <a:off x="5164425" y="5793243"/>
-            <a:ext cx="4314425" cy="906035"/>
-          </a:xfrm>
-          <a:prstGeom prst="ellipse">
-            <a:avLst/>
-          </a:prstGeom>
-        </p:spPr>
-        <p:style>
-          <a:lnRef idx="1">
-            <a:schemeClr val="accent3"/>
-          </a:lnRef>
-          <a:fillRef idx="2">
-            <a:schemeClr val="accent3"/>
-          </a:fillRef>
-          <a:effectRef idx="1">
-            <a:schemeClr val="accent3"/>
-          </a:effectRef>
-          <a:fontRef idx="minor">
-            <a:schemeClr val="dk1"/>
-          </a:fontRef>
-        </p:style>
-        <p:txBody>
-          <a:bodyPr rtlCol="0" anchor="ctr"/>
-          <a:lstStyle/>
-          <a:p>
-            <a:pPr algn="ctr"/>
-            <a:r>
-              <a:rPr lang="en-US" dirty="0" smtClean="0"/>
-              <a:t>Testing</a:t>
+              <a:rPr lang="en-US" dirty="0" err="1" smtClean="0"/>
+              <a:t>Kiểm</a:t>
+            </a:r>
+            <a:r>
+              <a:rPr lang="en-US" dirty="0" smtClean="0"/>
+              <a:t> </a:t>
+            </a:r>
+            <a:r>
+              <a:rPr lang="en-US" dirty="0" err="1" smtClean="0"/>
+              <a:t>soát</a:t>
+            </a:r>
+            <a:r>
+              <a:rPr lang="en-US" dirty="0" smtClean="0"/>
+              <a:t> </a:t>
+            </a:r>
+            <a:r>
+              <a:rPr lang="en-US" dirty="0" err="1" smtClean="0"/>
+              <a:t>độ</a:t>
+            </a:r>
+            <a:r>
+              <a:rPr lang="en-US" dirty="0" smtClean="0"/>
+              <a:t> risk </a:t>
+            </a:r>
+            <a:r>
+              <a:rPr lang="en-US" dirty="0" err="1" smtClean="0"/>
+              <a:t>của</a:t>
+            </a:r>
+            <a:r>
+              <a:rPr lang="en-US" dirty="0" smtClean="0"/>
+              <a:t> </a:t>
+            </a:r>
+            <a:r>
+              <a:rPr lang="en-US" dirty="0" err="1" smtClean="0"/>
+              <a:t>dự</a:t>
+            </a:r>
+            <a:r>
+              <a:rPr lang="en-US" dirty="0" smtClean="0"/>
+              <a:t> </a:t>
+            </a:r>
+            <a:r>
+              <a:rPr lang="en-US" dirty="0" err="1" smtClean="0"/>
+              <a:t>án</a:t>
             </a:r>
             <a:endParaRPr lang="en-US" dirty="0"/>
           </a:p>
@@ -17706,7 +18481,7 @@
     </p:spTree>
     <p:extLst>
       <p:ext uri="{BB962C8B-B14F-4D97-AF65-F5344CB8AC3E}">
-        <p14:creationId xmlns:p14="http://schemas.microsoft.com/office/powerpoint/2010/main" val="1635600079"/>
+        <p14:creationId xmlns:p14="http://schemas.microsoft.com/office/powerpoint/2010/main" val="3596917150"/>
       </p:ext>
     </p:extLst>
   </p:cSld>
